--- a/Presentation/Project Presentation.pptx
+++ b/Presentation/Project Presentation.pptx
@@ -5797,17 +5797,207 @@
           </a:p>
         </p:txBody>
       </p:sp>
-      <p:sp>
-        <p:nvSpPr>
-          <p:cNvPr id="4" name="Picture Placeholder 3"/>
-          <p:cNvSpPr>
-            <a:spLocks noGrp="1"/>
-          </p:cNvSpPr>
+      <p:pic>
+        <p:nvPicPr>
+          <p:cNvPr id="5" name="Picture Placeholder 4" descr="d6232682-e0e0-4e01-b792-67cd8fe8ee2f.jpg"/>
+          <p:cNvPicPr>
+            <a:picLocks noGrp="1" noChangeAspect="1"/>
+          </p:cNvPicPr>
           <p:nvPr>
             <p:ph type="pic" sz="quarter" idx="13"/>
           </p:nvPr>
-        </p:nvSpPr>
-        <p:spPr/>
+        </p:nvPicPr>
+        <p:blipFill>
+          <a:blip r:embed="rId2">
+            <a:extLst>
+              <a:ext uri="{28A0092B-C50C-407E-A947-70E740481C1C}">
+                <a14:useLocalDpi xmlns:a14="http://schemas.microsoft.com/office/drawing/2010/main" val="0"/>
+              </a:ext>
+            </a:extLst>
+          </a:blip>
+          <a:srcRect t="-16698" b="-16698"/>
+          <a:stretch>
+            <a:fillRect/>
+          </a:stretch>
+        </p:blipFill>
+        <p:spPr>
+          <a:xfrm>
+            <a:off x="91634" y="1143000"/>
+            <a:ext cx="4267200" cy="4267200"/>
+          </a:xfrm>
+        </p:spPr>
+      </p:pic>
+      <p:sp>
+        <p:nvSpPr>
+          <p:cNvPr id="6" name="Rectangle 5"/>
+          <p:cNvSpPr/>
+          <p:nvPr/>
+        </p:nvSpPr>
+        <p:spPr>
+          <a:xfrm>
+            <a:off x="289273" y="910147"/>
+            <a:ext cx="4087402" cy="923330"/>
+          </a:xfrm>
+          <a:prstGeom prst="rect">
+            <a:avLst/>
+          </a:prstGeom>
+          <a:noFill/>
+        </p:spPr>
+        <p:txBody>
+          <a:bodyPr wrap="none" lIns="91440" tIns="45720" rIns="91440" bIns="45720">
+            <a:spAutoFit/>
+          </a:bodyPr>
+          <a:lstStyle/>
+          <a:p>
+            <a:pPr algn="ctr"/>
+            <a:r>
+              <a:rPr lang="en-US" sz="5400" dirty="0" smtClean="0">
+                <a:ln w="18415" cmpd="sng">
+                  <a:solidFill>
+                    <a:srgbClr val="000000"/>
+                  </a:solidFill>
+                  <a:prstDash val="solid"/>
+                </a:ln>
+                <a:solidFill>
+                  <a:schemeClr val="bg1"/>
+                </a:solidFill>
+                <a:effectLst>
+                  <a:outerShdw blurRad="63500" dir="3600000" algn="tl" rotWithShape="0">
+                    <a:srgbClr val="000000">
+                      <a:alpha val="70000"/>
+                    </a:srgbClr>
+                  </a:outerShdw>
+                </a:effectLst>
+              </a:rPr>
+              <a:t>Code so hard</a:t>
+            </a:r>
+            <a:endParaRPr lang="en-US" sz="5400" dirty="0">
+              <a:ln w="18415" cmpd="sng">
+                <a:solidFill>
+                  <a:srgbClr val="000000"/>
+                </a:solidFill>
+                <a:prstDash val="solid"/>
+              </a:ln>
+              <a:solidFill>
+                <a:schemeClr val="bg1"/>
+              </a:solidFill>
+              <a:effectLst>
+                <a:outerShdw blurRad="63500" dir="3600000" algn="tl" rotWithShape="0">
+                  <a:srgbClr val="000000">
+                    <a:alpha val="70000"/>
+                  </a:srgbClr>
+                </a:outerShdw>
+              </a:effectLst>
+            </a:endParaRPr>
+          </a:p>
+        </p:txBody>
+      </p:sp>
+      <p:sp>
+        <p:nvSpPr>
+          <p:cNvPr id="7" name="Rectangle 6"/>
+          <p:cNvSpPr/>
+          <p:nvPr/>
+        </p:nvSpPr>
+        <p:spPr>
+          <a:xfrm>
+            <a:off x="-65437" y="4636304"/>
+            <a:ext cx="4852610" cy="923330"/>
+          </a:xfrm>
+          <a:prstGeom prst="rect">
+            <a:avLst/>
+          </a:prstGeom>
+          <a:noFill/>
+        </p:spPr>
+        <p:txBody>
+          <a:bodyPr wrap="none" lIns="91440" tIns="45720" rIns="91440" bIns="45720">
+            <a:spAutoFit/>
+          </a:bodyPr>
+          <a:lstStyle/>
+          <a:p>
+            <a:pPr algn="ctr"/>
+            <a:r>
+              <a:rPr lang="en-US" sz="5400" dirty="0" smtClean="0">
+                <a:ln w="18415" cmpd="sng">
+                  <a:solidFill>
+                    <a:srgbClr val="000000"/>
+                  </a:solidFill>
+                  <a:prstDash val="solid"/>
+                </a:ln>
+                <a:solidFill>
+                  <a:schemeClr val="bg1"/>
+                </a:solidFill>
+                <a:effectLst>
+                  <a:outerShdw blurRad="63500" dir="3600000" algn="tl" rotWithShape="0">
+                    <a:srgbClr val="000000">
+                      <a:alpha val="70000"/>
+                    </a:srgbClr>
+                  </a:outerShdw>
+                </a:effectLst>
+              </a:rPr>
+              <a:t>Memes on </a:t>
+            </a:r>
+            <a:r>
+              <a:rPr lang="en-US" sz="5400" dirty="0" err="1" smtClean="0">
+                <a:ln w="18415" cmpd="sng">
+                  <a:solidFill>
+                    <a:srgbClr val="000000"/>
+                  </a:solidFill>
+                  <a:prstDash val="solid"/>
+                </a:ln>
+                <a:solidFill>
+                  <a:schemeClr val="bg1"/>
+                </a:solidFill>
+                <a:effectLst>
+                  <a:outerShdw blurRad="63500" dir="3600000" algn="tl" rotWithShape="0">
+                    <a:srgbClr val="000000">
+                      <a:alpha val="70000"/>
+                    </a:srgbClr>
+                  </a:outerShdw>
+                </a:effectLst>
+              </a:rPr>
+              <a:t>fleek</a:t>
+            </a:r>
+            <a:r>
+              <a:rPr lang="en-US" sz="5400" dirty="0" smtClean="0">
+                <a:ln w="18415" cmpd="sng">
+                  <a:solidFill>
+                    <a:srgbClr val="000000"/>
+                  </a:solidFill>
+                  <a:prstDash val="solid"/>
+                </a:ln>
+                <a:solidFill>
+                  <a:schemeClr val="bg1"/>
+                </a:solidFill>
+                <a:effectLst>
+                  <a:outerShdw blurRad="63500" dir="3600000" algn="tl" rotWithShape="0">
+                    <a:srgbClr val="000000">
+                      <a:alpha val="70000"/>
+                    </a:srgbClr>
+                  </a:outerShdw>
+                </a:effectLst>
+              </a:rPr>
+              <a:t> </a:t>
+            </a:r>
+            <a:endParaRPr lang="en-US" sz="5400" dirty="0">
+              <a:ln w="18415" cmpd="sng">
+                <a:solidFill>
+                  <a:srgbClr val="000000"/>
+                </a:solidFill>
+                <a:prstDash val="solid"/>
+              </a:ln>
+              <a:solidFill>
+                <a:schemeClr val="bg1"/>
+              </a:solidFill>
+              <a:effectLst>
+                <a:outerShdw blurRad="63500" dir="3600000" algn="tl" rotWithShape="0">
+                  <a:srgbClr val="000000">
+                    <a:alpha val="70000"/>
+                  </a:srgbClr>
+                </a:outerShdw>
+              </a:effectLst>
+            </a:endParaRPr>
+          </a:p>
+        </p:txBody>
       </p:sp>
     </p:spTree>
     <p:extLst>
@@ -6153,6 +6343,10 @@
             <a:r>
               <a:rPr lang="en-US" dirty="0" err="1" smtClean="0"/>
               <a:t>Qt</a:t>
+            </a:r>
+            <a:r>
+              <a:rPr lang="en-US" dirty="0" smtClean="0"/>
+              <a:t>, GUI</a:t>
             </a:r>
             <a:endParaRPr lang="en-US" dirty="0"/>
           </a:p>

--- a/Presentation/Project Presentation.pptx
+++ b/Presentation/Project Presentation.pptx
@@ -7,14 +7,21 @@
   <p:sldIdLst>
     <p:sldId id="256" r:id="rId2"/>
     <p:sldId id="268" r:id="rId3"/>
-    <p:sldId id="269" r:id="rId4"/>
-    <p:sldId id="258" r:id="rId5"/>
-    <p:sldId id="259" r:id="rId6"/>
-    <p:sldId id="260" r:id="rId7"/>
-    <p:sldId id="261" r:id="rId8"/>
-    <p:sldId id="265" r:id="rId9"/>
-    <p:sldId id="266" r:id="rId10"/>
-    <p:sldId id="267" r:id="rId11"/>
+    <p:sldId id="276" r:id="rId4"/>
+    <p:sldId id="270" r:id="rId5"/>
+    <p:sldId id="271" r:id="rId6"/>
+    <p:sldId id="272" r:id="rId7"/>
+    <p:sldId id="273" r:id="rId8"/>
+    <p:sldId id="274" r:id="rId9"/>
+    <p:sldId id="275" r:id="rId10"/>
+    <p:sldId id="269" r:id="rId11"/>
+    <p:sldId id="258" r:id="rId12"/>
+    <p:sldId id="259" r:id="rId13"/>
+    <p:sldId id="260" r:id="rId14"/>
+    <p:sldId id="261" r:id="rId15"/>
+    <p:sldId id="265" r:id="rId16"/>
+    <p:sldId id="266" r:id="rId17"/>
+    <p:sldId id="267" r:id="rId18"/>
   </p:sldIdLst>
   <p:sldSz cx="9144000" cy="6858000" type="screen4x3"/>
   <p:notesSz cx="6858000" cy="9144000"/>
@@ -5594,7 +5601,12 @@
             <p:ph type="ctrTitle"/>
           </p:nvPr>
         </p:nvSpPr>
-        <p:spPr/>
+        <p:spPr>
+          <a:xfrm>
+            <a:off x="457199" y="274336"/>
+            <a:ext cx="8228013" cy="1927225"/>
+          </a:xfrm>
+        </p:spPr>
         <p:txBody>
           <a:bodyPr/>
           <a:lstStyle/>
@@ -5617,7 +5629,12 @@
             <p:ph type="subTitle" idx="1"/>
           </p:nvPr>
         </p:nvSpPr>
-        <p:spPr/>
+        <p:spPr>
+          <a:xfrm>
+            <a:off x="457199" y="2473692"/>
+            <a:ext cx="8228013" cy="1066800"/>
+          </a:xfrm>
+        </p:spPr>
         <p:txBody>
           <a:bodyPr/>
           <a:lstStyle/>
@@ -5652,6 +5669,36 @@
           </a:p>
         </p:txBody>
       </p:sp>
+      <p:pic>
+        <p:nvPicPr>
+          <p:cNvPr id="4" name="Picture 3" descr="16112406.jpg"/>
+          <p:cNvPicPr>
+            <a:picLocks noChangeAspect="1"/>
+          </p:cNvPicPr>
+          <p:nvPr/>
+        </p:nvPicPr>
+        <p:blipFill>
+          <a:blip r:embed="rId2">
+            <a:extLst>
+              <a:ext uri="{28A0092B-C50C-407E-A947-70E740481C1C}">
+                <a14:useLocalDpi xmlns:a14="http://schemas.microsoft.com/office/drawing/2010/main" val="0"/>
+              </a:ext>
+            </a:extLst>
+          </a:blip>
+          <a:stretch>
+            <a:fillRect/>
+          </a:stretch>
+        </p:blipFill>
+        <p:spPr>
+          <a:xfrm>
+            <a:off x="3025691" y="3433383"/>
+            <a:ext cx="3100865" cy="3100865"/>
+          </a:xfrm>
+          <a:prstGeom prst="rect">
+            <a:avLst/>
+          </a:prstGeom>
+        </p:spPr>
+      </p:pic>
     </p:spTree>
     <p:extLst>
       <p:ext uri="{BB962C8B-B14F-4D97-AF65-F5344CB8AC3E}">
@@ -5662,6 +5709,13 @@
   <p:clrMapOvr>
     <a:masterClrMapping/>
   </p:clrMapOvr>
+  <p:timing>
+    <p:tnLst>
+      <p:par>
+        <p:cTn xmlns:p14="http://schemas.microsoft.com/office/powerpoint/2010/main" id="1" dur="indefinite" restart="never" nodeType="tmRoot"/>
+      </p:par>
+    </p:tnLst>
+  </p:timing>
 </p:sld>
 </file>
 
@@ -5685,6 +5739,624 @@
       <p:sp>
         <p:nvSpPr>
           <p:cNvPr id="2" name="Title 1"/>
+          <p:cNvSpPr>
+            <a:spLocks noGrp="1"/>
+          </p:cNvSpPr>
+          <p:nvPr>
+            <p:ph type="title"/>
+          </p:nvPr>
+        </p:nvSpPr>
+        <p:spPr/>
+        <p:txBody>
+          <a:bodyPr/>
+          <a:lstStyle/>
+          <a:p>
+            <a:r>
+              <a:rPr lang="en-US" dirty="0" smtClean="0"/>
+              <a:t>Demonstration</a:t>
+            </a:r>
+            <a:endParaRPr lang="en-US" dirty="0"/>
+          </a:p>
+        </p:txBody>
+      </p:sp>
+      <p:sp>
+        <p:nvSpPr>
+          <p:cNvPr id="3" name="Text Placeholder 2"/>
+          <p:cNvSpPr>
+            <a:spLocks noGrp="1"/>
+          </p:cNvSpPr>
+          <p:nvPr>
+            <p:ph type="body" idx="1"/>
+          </p:nvPr>
+        </p:nvSpPr>
+        <p:spPr/>
+        <p:txBody>
+          <a:bodyPr/>
+          <a:lstStyle/>
+          <a:p>
+            <a:r>
+              <a:rPr lang="en-US" dirty="0" smtClean="0"/>
+              <a:t>(Hopefully the code works!)</a:t>
+            </a:r>
+            <a:endParaRPr lang="en-US" dirty="0"/>
+          </a:p>
+        </p:txBody>
+      </p:sp>
+    </p:spTree>
+    <p:extLst>
+      <p:ext uri="{BB962C8B-B14F-4D97-AF65-F5344CB8AC3E}">
+        <p14:creationId xmlns:p14="http://schemas.microsoft.com/office/powerpoint/2010/main" val="2572019089"/>
+      </p:ext>
+    </p:extLst>
+  </p:cSld>
+  <p:clrMapOvr>
+    <a:masterClrMapping/>
+  </p:clrMapOvr>
+  <p:timing>
+    <p:tnLst>
+      <p:par>
+        <p:cTn xmlns:p14="http://schemas.microsoft.com/office/powerpoint/2010/main" id="1" dur="indefinite" restart="never" nodeType="tmRoot"/>
+      </p:par>
+    </p:tnLst>
+  </p:timing>
+</p:sld>
+</file>
+
+<file path=ppt/slides/slide11.xml><?xml version="1.0" encoding="utf-8"?>
+<p:sld xmlns:a="http://schemas.openxmlformats.org/drawingml/2006/main" xmlns:r="http://schemas.openxmlformats.org/officeDocument/2006/relationships" xmlns:p="http://schemas.openxmlformats.org/presentationml/2006/main">
+  <p:cSld>
+    <p:spTree>
+      <p:nvGrpSpPr>
+        <p:cNvPr id="1" name=""/>
+        <p:cNvGrpSpPr/>
+        <p:nvPr/>
+      </p:nvGrpSpPr>
+      <p:grpSpPr>
+        <a:xfrm>
+          <a:off x="0" y="0"/>
+          <a:ext cx="0" cy="0"/>
+          <a:chOff x="0" y="0"/>
+          <a:chExt cx="0" cy="0"/>
+        </a:xfrm>
+      </p:grpSpPr>
+      <p:sp>
+        <p:nvSpPr>
+          <p:cNvPr id="2" name="Title 1"/>
+          <p:cNvSpPr>
+            <a:spLocks noGrp="1"/>
+          </p:cNvSpPr>
+          <p:nvPr>
+            <p:ph type="title"/>
+          </p:nvPr>
+        </p:nvSpPr>
+        <p:spPr/>
+        <p:txBody>
+          <a:bodyPr/>
+          <a:lstStyle/>
+          <a:p>
+            <a:r>
+              <a:rPr lang="en-US" dirty="0" smtClean="0"/>
+              <a:t>Encryption </a:t>
+            </a:r>
+            <a:endParaRPr lang="en-US" dirty="0"/>
+          </a:p>
+        </p:txBody>
+      </p:sp>
+      <p:sp>
+        <p:nvSpPr>
+          <p:cNvPr id="3" name="Content Placeholder 2"/>
+          <p:cNvSpPr>
+            <a:spLocks noGrp="1"/>
+          </p:cNvSpPr>
+          <p:nvPr>
+            <p:ph idx="1"/>
+          </p:nvPr>
+        </p:nvSpPr>
+        <p:spPr/>
+        <p:txBody>
+          <a:bodyPr/>
+          <a:lstStyle/>
+          <a:p>
+            <a:endParaRPr lang="en-US"/>
+          </a:p>
+        </p:txBody>
+      </p:sp>
+    </p:spTree>
+    <p:extLst>
+      <p:ext uri="{BB962C8B-B14F-4D97-AF65-F5344CB8AC3E}">
+        <p14:creationId xmlns:p14="http://schemas.microsoft.com/office/powerpoint/2010/main" val="4183327158"/>
+      </p:ext>
+    </p:extLst>
+  </p:cSld>
+  <p:clrMapOvr>
+    <a:masterClrMapping/>
+  </p:clrMapOvr>
+  <p:timing>
+    <p:tnLst>
+      <p:par>
+        <p:cTn xmlns:p14="http://schemas.microsoft.com/office/powerpoint/2010/main" id="1" dur="indefinite" restart="never" nodeType="tmRoot"/>
+      </p:par>
+    </p:tnLst>
+  </p:timing>
+</p:sld>
+</file>
+
+<file path=ppt/slides/slide12.xml><?xml version="1.0" encoding="utf-8"?>
+<p:sld xmlns:a="http://schemas.openxmlformats.org/drawingml/2006/main" xmlns:r="http://schemas.openxmlformats.org/officeDocument/2006/relationships" xmlns:p="http://schemas.openxmlformats.org/presentationml/2006/main">
+  <p:cSld>
+    <p:spTree>
+      <p:nvGrpSpPr>
+        <p:cNvPr id="1" name=""/>
+        <p:cNvGrpSpPr/>
+        <p:nvPr/>
+      </p:nvGrpSpPr>
+      <p:grpSpPr>
+        <a:xfrm>
+          <a:off x="0" y="0"/>
+          <a:ext cx="0" cy="0"/>
+          <a:chOff x="0" y="0"/>
+          <a:chExt cx="0" cy="0"/>
+        </a:xfrm>
+      </p:grpSpPr>
+      <p:sp>
+        <p:nvSpPr>
+          <p:cNvPr id="2" name="Title 1"/>
+          <p:cNvSpPr>
+            <a:spLocks noGrp="1"/>
+          </p:cNvSpPr>
+          <p:nvPr>
+            <p:ph type="title"/>
+          </p:nvPr>
+        </p:nvSpPr>
+        <p:spPr/>
+        <p:txBody>
+          <a:bodyPr/>
+          <a:lstStyle/>
+          <a:p>
+            <a:r>
+              <a:rPr lang="en-US" dirty="0" smtClean="0"/>
+              <a:t>Chat Client</a:t>
+            </a:r>
+            <a:endParaRPr lang="en-US" dirty="0"/>
+          </a:p>
+        </p:txBody>
+      </p:sp>
+      <p:sp>
+        <p:nvSpPr>
+          <p:cNvPr id="3" name="Content Placeholder 2"/>
+          <p:cNvSpPr>
+            <a:spLocks noGrp="1"/>
+          </p:cNvSpPr>
+          <p:nvPr>
+            <p:ph idx="1"/>
+          </p:nvPr>
+        </p:nvSpPr>
+        <p:spPr/>
+        <p:txBody>
+          <a:bodyPr/>
+          <a:lstStyle/>
+          <a:p>
+            <a:r>
+              <a:rPr lang="en-US" dirty="0" smtClean="0"/>
+              <a:t>Developed a client and server accepting single instance call</a:t>
+            </a:r>
+          </a:p>
+          <a:p>
+            <a:r>
+              <a:rPr lang="en-US" dirty="0" smtClean="0"/>
+              <a:t>Discovered </a:t>
+            </a:r>
+            <a:r>
+              <a:rPr lang="en-US" dirty="0" err="1" smtClean="0"/>
+              <a:t>Qt</a:t>
+            </a:r>
+            <a:r>
+              <a:rPr lang="en-US" dirty="0" smtClean="0"/>
+              <a:t> supported multithreaded chat client</a:t>
+            </a:r>
+          </a:p>
+          <a:p>
+            <a:r>
+              <a:rPr lang="en-US" dirty="0" smtClean="0"/>
+              <a:t>Build in with the </a:t>
+            </a:r>
+            <a:r>
+              <a:rPr lang="en-US" dirty="0" err="1" smtClean="0"/>
+              <a:t>Qt</a:t>
+            </a:r>
+            <a:r>
+              <a:rPr lang="en-US" dirty="0" smtClean="0"/>
+              <a:t> front end</a:t>
+            </a:r>
+            <a:endParaRPr lang="en-US" dirty="0"/>
+          </a:p>
+        </p:txBody>
+      </p:sp>
+    </p:spTree>
+    <p:extLst>
+      <p:ext uri="{BB962C8B-B14F-4D97-AF65-F5344CB8AC3E}">
+        <p14:creationId xmlns:p14="http://schemas.microsoft.com/office/powerpoint/2010/main" val="2122412872"/>
+      </p:ext>
+    </p:extLst>
+  </p:cSld>
+  <p:clrMapOvr>
+    <a:masterClrMapping/>
+  </p:clrMapOvr>
+  <p:timing>
+    <p:tnLst>
+      <p:par>
+        <p:cTn xmlns:p14="http://schemas.microsoft.com/office/powerpoint/2010/main" id="1" dur="indefinite" restart="never" nodeType="tmRoot"/>
+      </p:par>
+    </p:tnLst>
+  </p:timing>
+</p:sld>
+</file>
+
+<file path=ppt/slides/slide13.xml><?xml version="1.0" encoding="utf-8"?>
+<p:sld xmlns:a="http://schemas.openxmlformats.org/drawingml/2006/main" xmlns:r="http://schemas.openxmlformats.org/officeDocument/2006/relationships" xmlns:p="http://schemas.openxmlformats.org/presentationml/2006/main">
+  <p:cSld>
+    <p:spTree>
+      <p:nvGrpSpPr>
+        <p:cNvPr id="1" name=""/>
+        <p:cNvGrpSpPr/>
+        <p:nvPr/>
+      </p:nvGrpSpPr>
+      <p:grpSpPr>
+        <a:xfrm>
+          <a:off x="0" y="0"/>
+          <a:ext cx="0" cy="0"/>
+          <a:chOff x="0" y="0"/>
+          <a:chExt cx="0" cy="0"/>
+        </a:xfrm>
+      </p:grpSpPr>
+      <p:sp>
+        <p:nvSpPr>
+          <p:cNvPr id="2" name="Title 1"/>
+          <p:cNvSpPr>
+            <a:spLocks noGrp="1"/>
+          </p:cNvSpPr>
+          <p:nvPr>
+            <p:ph type="title"/>
+          </p:nvPr>
+        </p:nvSpPr>
+        <p:spPr/>
+        <p:txBody>
+          <a:bodyPr/>
+          <a:lstStyle/>
+          <a:p>
+            <a:r>
+              <a:rPr lang="en-US" dirty="0" smtClean="0"/>
+              <a:t>Meme Creator </a:t>
+            </a:r>
+            <a:endParaRPr lang="en-US" dirty="0"/>
+          </a:p>
+        </p:txBody>
+      </p:sp>
+      <p:sp>
+        <p:nvSpPr>
+          <p:cNvPr id="3" name="Content Placeholder 2"/>
+          <p:cNvSpPr>
+            <a:spLocks noGrp="1"/>
+          </p:cNvSpPr>
+          <p:nvPr>
+            <p:ph idx="1"/>
+          </p:nvPr>
+        </p:nvSpPr>
+        <p:spPr/>
+        <p:txBody>
+          <a:bodyPr/>
+          <a:lstStyle/>
+          <a:p>
+            <a:endParaRPr lang="en-US"/>
+          </a:p>
+        </p:txBody>
+      </p:sp>
+    </p:spTree>
+    <p:extLst>
+      <p:ext uri="{BB962C8B-B14F-4D97-AF65-F5344CB8AC3E}">
+        <p14:creationId xmlns:p14="http://schemas.microsoft.com/office/powerpoint/2010/main" val="3219117328"/>
+      </p:ext>
+    </p:extLst>
+  </p:cSld>
+  <p:clrMapOvr>
+    <a:masterClrMapping/>
+  </p:clrMapOvr>
+  <p:timing>
+    <p:tnLst>
+      <p:par>
+        <p:cTn xmlns:p14="http://schemas.microsoft.com/office/powerpoint/2010/main" id="1" dur="indefinite" restart="never" nodeType="tmRoot"/>
+      </p:par>
+    </p:tnLst>
+  </p:timing>
+</p:sld>
+</file>
+
+<file path=ppt/slides/slide14.xml><?xml version="1.0" encoding="utf-8"?>
+<p:sld xmlns:a="http://schemas.openxmlformats.org/drawingml/2006/main" xmlns:r="http://schemas.openxmlformats.org/officeDocument/2006/relationships" xmlns:p="http://schemas.openxmlformats.org/presentationml/2006/main">
+  <p:cSld>
+    <p:spTree>
+      <p:nvGrpSpPr>
+        <p:cNvPr id="1" name=""/>
+        <p:cNvGrpSpPr/>
+        <p:nvPr/>
+      </p:nvGrpSpPr>
+      <p:grpSpPr>
+        <a:xfrm>
+          <a:off x="0" y="0"/>
+          <a:ext cx="0" cy="0"/>
+          <a:chOff x="0" y="0"/>
+          <a:chExt cx="0" cy="0"/>
+        </a:xfrm>
+      </p:grpSpPr>
+      <p:sp>
+        <p:nvSpPr>
+          <p:cNvPr id="2" name="Title 1"/>
+          <p:cNvSpPr>
+            <a:spLocks noGrp="1"/>
+          </p:cNvSpPr>
+          <p:nvPr>
+            <p:ph type="title"/>
+          </p:nvPr>
+        </p:nvSpPr>
+        <p:spPr/>
+        <p:txBody>
+          <a:bodyPr/>
+          <a:lstStyle/>
+          <a:p>
+            <a:r>
+              <a:rPr lang="en-US" dirty="0" smtClean="0"/>
+              <a:t>Frontend: </a:t>
+            </a:r>
+            <a:r>
+              <a:rPr lang="en-US" dirty="0" err="1" smtClean="0"/>
+              <a:t>Qt</a:t>
+            </a:r>
+            <a:r>
+              <a:rPr lang="en-US" dirty="0" smtClean="0"/>
+              <a:t>, GUI</a:t>
+            </a:r>
+            <a:endParaRPr lang="en-US" dirty="0"/>
+          </a:p>
+        </p:txBody>
+      </p:sp>
+      <p:sp>
+        <p:nvSpPr>
+          <p:cNvPr id="3" name="Content Placeholder 2"/>
+          <p:cNvSpPr>
+            <a:spLocks noGrp="1"/>
+          </p:cNvSpPr>
+          <p:nvPr>
+            <p:ph idx="1"/>
+          </p:nvPr>
+        </p:nvSpPr>
+        <p:spPr/>
+        <p:txBody>
+          <a:bodyPr/>
+          <a:lstStyle/>
+          <a:p>
+            <a:endParaRPr lang="en-US"/>
+          </a:p>
+        </p:txBody>
+      </p:sp>
+    </p:spTree>
+    <p:extLst>
+      <p:ext uri="{BB962C8B-B14F-4D97-AF65-F5344CB8AC3E}">
+        <p14:creationId xmlns:p14="http://schemas.microsoft.com/office/powerpoint/2010/main" val="4135498974"/>
+      </p:ext>
+    </p:extLst>
+  </p:cSld>
+  <p:clrMapOvr>
+    <a:masterClrMapping/>
+  </p:clrMapOvr>
+  <p:timing>
+    <p:tnLst>
+      <p:par>
+        <p:cTn xmlns:p14="http://schemas.microsoft.com/office/powerpoint/2010/main" id="1" dur="indefinite" restart="never" nodeType="tmRoot"/>
+      </p:par>
+    </p:tnLst>
+  </p:timing>
+</p:sld>
+</file>
+
+<file path=ppt/slides/slide15.xml><?xml version="1.0" encoding="utf-8"?>
+<p:sld xmlns:a="http://schemas.openxmlformats.org/drawingml/2006/main" xmlns:r="http://schemas.openxmlformats.org/officeDocument/2006/relationships" xmlns:p="http://schemas.openxmlformats.org/presentationml/2006/main">
+  <p:cSld>
+    <p:spTree>
+      <p:nvGrpSpPr>
+        <p:cNvPr id="1" name=""/>
+        <p:cNvGrpSpPr/>
+        <p:nvPr/>
+      </p:nvGrpSpPr>
+      <p:grpSpPr>
+        <a:xfrm>
+          <a:off x="0" y="0"/>
+          <a:ext cx="0" cy="0"/>
+          <a:chOff x="0" y="0"/>
+          <a:chExt cx="0" cy="0"/>
+        </a:xfrm>
+      </p:grpSpPr>
+      <p:sp>
+        <p:nvSpPr>
+          <p:cNvPr id="2" name="Title 1"/>
+          <p:cNvSpPr>
+            <a:spLocks noGrp="1"/>
+          </p:cNvSpPr>
+          <p:nvPr>
+            <p:ph type="title"/>
+          </p:nvPr>
+        </p:nvSpPr>
+        <p:spPr/>
+        <p:txBody>
+          <a:bodyPr/>
+          <a:lstStyle/>
+          <a:p>
+            <a:r>
+              <a:rPr lang="en-US" dirty="0" smtClean="0"/>
+              <a:t>Risk Management </a:t>
+            </a:r>
+            <a:endParaRPr lang="en-US" dirty="0"/>
+          </a:p>
+        </p:txBody>
+      </p:sp>
+      <p:sp>
+        <p:nvSpPr>
+          <p:cNvPr id="3" name="Content Placeholder 2"/>
+          <p:cNvSpPr>
+            <a:spLocks noGrp="1"/>
+          </p:cNvSpPr>
+          <p:nvPr>
+            <p:ph idx="1"/>
+          </p:nvPr>
+        </p:nvSpPr>
+        <p:spPr/>
+        <p:txBody>
+          <a:bodyPr/>
+          <a:lstStyle/>
+          <a:p>
+            <a:endParaRPr lang="en-US"/>
+          </a:p>
+        </p:txBody>
+      </p:sp>
+      <p:sp>
+        <p:nvSpPr>
+          <p:cNvPr id="4" name="Text Placeholder 3"/>
+          <p:cNvSpPr>
+            <a:spLocks noGrp="1"/>
+          </p:cNvSpPr>
+          <p:nvPr>
+            <p:ph type="body" sz="half" idx="2"/>
+          </p:nvPr>
+        </p:nvSpPr>
+        <p:spPr/>
+        <p:txBody>
+          <a:bodyPr/>
+          <a:lstStyle/>
+          <a:p>
+            <a:endParaRPr lang="en-US" dirty="0"/>
+          </a:p>
+        </p:txBody>
+      </p:sp>
+    </p:spTree>
+    <p:extLst>
+      <p:ext uri="{BB962C8B-B14F-4D97-AF65-F5344CB8AC3E}">
+        <p14:creationId xmlns:p14="http://schemas.microsoft.com/office/powerpoint/2010/main" val="3221094261"/>
+      </p:ext>
+    </p:extLst>
+  </p:cSld>
+  <p:clrMapOvr>
+    <a:masterClrMapping/>
+  </p:clrMapOvr>
+  <p:timing>
+    <p:tnLst>
+      <p:par>
+        <p:cTn xmlns:p14="http://schemas.microsoft.com/office/powerpoint/2010/main" id="1" dur="indefinite" restart="never" nodeType="tmRoot"/>
+      </p:par>
+    </p:tnLst>
+  </p:timing>
+</p:sld>
+</file>
+
+<file path=ppt/slides/slide16.xml><?xml version="1.0" encoding="utf-8"?>
+<p:sld xmlns:a="http://schemas.openxmlformats.org/drawingml/2006/main" xmlns:r="http://schemas.openxmlformats.org/officeDocument/2006/relationships" xmlns:p="http://schemas.openxmlformats.org/presentationml/2006/main">
+  <p:cSld>
+    <p:spTree>
+      <p:nvGrpSpPr>
+        <p:cNvPr id="1" name=""/>
+        <p:cNvGrpSpPr/>
+        <p:nvPr/>
+      </p:nvGrpSpPr>
+      <p:grpSpPr>
+        <a:xfrm>
+          <a:off x="0" y="0"/>
+          <a:ext cx="0" cy="0"/>
+          <a:chOff x="0" y="0"/>
+          <a:chExt cx="0" cy="0"/>
+        </a:xfrm>
+      </p:grpSpPr>
+      <p:sp>
+        <p:nvSpPr>
+          <p:cNvPr id="3" name="Title 1"/>
+          <p:cNvSpPr txBox="1">
+            <a:spLocks/>
+          </p:cNvSpPr>
+          <p:nvPr/>
+        </p:nvSpPr>
+        <p:spPr>
+          <a:xfrm>
+            <a:off x="1900752" y="1989768"/>
+            <a:ext cx="5271254" cy="1920195"/>
+          </a:xfrm>
+          <a:prstGeom prst="rect">
+            <a:avLst/>
+          </a:prstGeom>
+        </p:spPr>
+        <p:txBody>
+          <a:bodyPr/>
+          <a:lstStyle>
+            <a:lvl1pPr algn="ctr" defTabSz="914400" rtl="0" eaLnBrk="1" latinLnBrk="0" hangingPunct="1">
+              <a:spcBef>
+                <a:spcPct val="0"/>
+              </a:spcBef>
+              <a:buNone/>
+              <a:defRPr sz="4600" kern="1200">
+                <a:solidFill>
+                  <a:schemeClr val="bg1"/>
+                </a:solidFill>
+                <a:latin typeface="+mj-lt"/>
+                <a:ea typeface="+mj-ea"/>
+                <a:cs typeface="+mj-cs"/>
+              </a:defRPr>
+            </a:lvl1pPr>
+          </a:lstStyle>
+          <a:p>
+            <a:r>
+              <a:rPr lang="en-US" sz="8000" dirty="0" smtClean="0"/>
+              <a:t>Questions?</a:t>
+            </a:r>
+            <a:endParaRPr lang="en-US" sz="8000" dirty="0"/>
+          </a:p>
+        </p:txBody>
+      </p:sp>
+    </p:spTree>
+    <p:extLst>
+      <p:ext uri="{BB962C8B-B14F-4D97-AF65-F5344CB8AC3E}">
+        <p14:creationId xmlns:p14="http://schemas.microsoft.com/office/powerpoint/2010/main" val="1236002029"/>
+      </p:ext>
+    </p:extLst>
+  </p:cSld>
+  <p:clrMapOvr>
+    <a:masterClrMapping/>
+  </p:clrMapOvr>
+  <p:timing>
+    <p:tnLst>
+      <p:par>
+        <p:cTn xmlns:p14="http://schemas.microsoft.com/office/powerpoint/2010/main" id="1" dur="indefinite" restart="never" nodeType="tmRoot"/>
+      </p:par>
+    </p:tnLst>
+  </p:timing>
+</p:sld>
+</file>
+
+<file path=ppt/slides/slide17.xml><?xml version="1.0" encoding="utf-8"?>
+<p:sld xmlns:a="http://schemas.openxmlformats.org/drawingml/2006/main" xmlns:r="http://schemas.openxmlformats.org/officeDocument/2006/relationships" xmlns:p="http://schemas.openxmlformats.org/presentationml/2006/main">
+  <p:cSld>
+    <p:spTree>
+      <p:nvGrpSpPr>
+        <p:cNvPr id="1" name=""/>
+        <p:cNvGrpSpPr/>
+        <p:nvPr/>
+      </p:nvGrpSpPr>
+      <p:grpSpPr>
+        <a:xfrm>
+          <a:off x="0" y="0"/>
+          <a:ext cx="0" cy="0"/>
+          <a:chOff x="0" y="0"/>
+          <a:chExt cx="0" cy="0"/>
+        </a:xfrm>
+      </p:grpSpPr>
+      <p:sp>
+        <p:nvSpPr>
+          <p:cNvPr id="2" name="Title 1"/>
           <p:cNvSpPr txBox="1">
             <a:spLocks/>
           </p:cNvSpPr>
@@ -5735,6 +6407,13 @@
   <p:clrMapOvr>
     <a:masterClrMapping/>
   </p:clrMapOvr>
+  <p:timing>
+    <p:tnLst>
+      <p:par>
+        <p:cTn xmlns:p14="http://schemas.microsoft.com/office/powerpoint/2010/main" id="1" dur="indefinite" restart="never" nodeType="tmRoot"/>
+      </p:par>
+    </p:tnLst>
+  </p:timing>
 </p:sld>
 </file>
 
@@ -5793,7 +6472,7 @@
           <a:bodyPr/>
           <a:lstStyle/>
           <a:p>
-            <a:endParaRPr lang="en-US"/>
+            <a:endParaRPr lang="en-US" dirty="0"/>
           </a:p>
         </p:txBody>
       </p:sp>
@@ -5900,8 +6579,8 @@
         </p:nvSpPr>
         <p:spPr>
           <a:xfrm>
-            <a:off x="-65437" y="4636304"/>
-            <a:ext cx="4852610" cy="923330"/>
+            <a:off x="124602" y="4636304"/>
+            <a:ext cx="4472536" cy="1754327"/>
           </a:xfrm>
           <a:prstGeom prst="rect">
             <a:avLst/>
@@ -5934,7 +6613,7 @@
                   </a:outerShdw>
                 </a:effectLst>
               </a:rPr>
-              <a:t>Memes on </a:t>
+              <a:t>Memes </a:t>
             </a:r>
             <a:r>
               <a:rPr lang="en-US" sz="5400" dirty="0" err="1" smtClean="0">
@@ -5955,7 +6634,7 @@
                   </a:outerShdw>
                 </a:effectLst>
               </a:rPr>
-              <a:t>fleek</a:t>
+              <a:t>wanna</a:t>
             </a:r>
             <a:r>
               <a:rPr lang="en-US" sz="5400" dirty="0" smtClean="0">
@@ -5977,6 +6656,30 @@
                 </a:effectLst>
               </a:rPr>
               <a:t> </a:t>
+            </a:r>
+          </a:p>
+          <a:p>
+            <a:pPr algn="ctr"/>
+            <a:r>
+              <a:rPr lang="en-US" sz="5400" dirty="0" smtClean="0">
+                <a:ln w="18415" cmpd="sng">
+                  <a:solidFill>
+                    <a:srgbClr val="000000"/>
+                  </a:solidFill>
+                  <a:prstDash val="solid"/>
+                </a:ln>
+                <a:solidFill>
+                  <a:schemeClr val="bg1"/>
+                </a:solidFill>
+                <a:effectLst>
+                  <a:outerShdw blurRad="63500" dir="3600000" algn="tl" rotWithShape="0">
+                    <a:srgbClr val="000000">
+                      <a:alpha val="70000"/>
+                    </a:srgbClr>
+                  </a:outerShdw>
+                </a:effectLst>
+              </a:rPr>
+              <a:t>find me</a:t>
             </a:r>
             <a:endParaRPr lang="en-US" sz="5400" dirty="0">
               <a:ln w="18415" cmpd="sng">
@@ -6009,6 +6712,13 @@
   <p:clrMapOvr>
     <a:masterClrMapping/>
   </p:clrMapOvr>
+  <p:timing>
+    <p:tnLst>
+      <p:par>
+        <p:cTn xmlns:p14="http://schemas.microsoft.com/office/powerpoint/2010/main" id="1" dur="indefinite" restart="never" nodeType="tmRoot"/>
+      </p:par>
+    </p:tnLst>
+  </p:timing>
 </p:sld>
 </file>
 
@@ -6046,7 +6756,7 @@
           <a:p>
             <a:r>
               <a:rPr lang="en-US" dirty="0" smtClean="0"/>
-              <a:t>Demonstration</a:t>
+              <a:t>Overview of Project</a:t>
             </a:r>
             <a:endParaRPr lang="en-US" dirty="0"/>
           </a:p>
@@ -6059,7 +6769,7 @@
             <a:spLocks noGrp="1"/>
           </p:cNvSpPr>
           <p:nvPr>
-            <p:ph type="body" idx="1"/>
+            <p:ph type="body" sz="half" idx="2"/>
           </p:nvPr>
         </p:nvSpPr>
         <p:spPr/>
@@ -6067,24 +6777,251 @@
           <a:bodyPr/>
           <a:lstStyle/>
           <a:p>
-            <a:r>
-              <a:rPr lang="en-US" dirty="0" smtClean="0"/>
-              <a:t>(Hopefully the code works!)</a:t>
-            </a:r>
             <a:endParaRPr lang="en-US" dirty="0"/>
+          </a:p>
+        </p:txBody>
+      </p:sp>
+      <p:pic>
+        <p:nvPicPr>
+          <p:cNvPr id="5" name="Picture Placeholder 4" descr="d6232682-e0e0-4e01-b792-67cd8fe8ee2f.jpg"/>
+          <p:cNvPicPr>
+            <a:picLocks noGrp="1" noChangeAspect="1"/>
+          </p:cNvPicPr>
+          <p:nvPr>
+            <p:ph type="pic" sz="quarter" idx="13"/>
+          </p:nvPr>
+        </p:nvPicPr>
+        <p:blipFill rotWithShape="1">
+          <a:blip r:embed="rId2">
+            <a:extLst>
+              <a:ext uri="{28A0092B-C50C-407E-A947-70E740481C1C}">
+                <a14:useLocalDpi xmlns:a14="http://schemas.microsoft.com/office/drawing/2010/main" val="0"/>
+              </a:ext>
+            </a:extLst>
+          </a:blip>
+          <a:srcRect l="11529" t="30187" r="41437" b="11418"/>
+          <a:stretch/>
+        </p:blipFill>
+        <p:spPr>
+          <a:xfrm>
+            <a:off x="91634" y="1143000"/>
+            <a:ext cx="4267200" cy="4267200"/>
+          </a:xfrm>
+        </p:spPr>
+      </p:pic>
+      <p:sp>
+        <p:nvSpPr>
+          <p:cNvPr id="6" name="Rectangle 5"/>
+          <p:cNvSpPr/>
+          <p:nvPr/>
+        </p:nvSpPr>
+        <p:spPr>
+          <a:xfrm>
+            <a:off x="289273" y="910147"/>
+            <a:ext cx="4087402" cy="923330"/>
+          </a:xfrm>
+          <a:prstGeom prst="rect">
+            <a:avLst/>
+          </a:prstGeom>
+          <a:noFill/>
+        </p:spPr>
+        <p:txBody>
+          <a:bodyPr wrap="none" lIns="91440" tIns="45720" rIns="91440" bIns="45720">
+            <a:spAutoFit/>
+          </a:bodyPr>
+          <a:lstStyle/>
+          <a:p>
+            <a:pPr algn="ctr"/>
+            <a:r>
+              <a:rPr lang="en-US" sz="5400" dirty="0" smtClean="0">
+                <a:ln w="18415" cmpd="sng">
+                  <a:solidFill>
+                    <a:srgbClr val="000000"/>
+                  </a:solidFill>
+                  <a:prstDash val="solid"/>
+                </a:ln>
+                <a:solidFill>
+                  <a:schemeClr val="bg1"/>
+                </a:solidFill>
+                <a:effectLst>
+                  <a:outerShdw blurRad="63500" dir="3600000" algn="tl" rotWithShape="0">
+                    <a:srgbClr val="000000">
+                      <a:alpha val="70000"/>
+                    </a:srgbClr>
+                  </a:outerShdw>
+                </a:effectLst>
+              </a:rPr>
+              <a:t>Code so hard</a:t>
+            </a:r>
+            <a:endParaRPr lang="en-US" sz="5400" dirty="0">
+              <a:ln w="18415" cmpd="sng">
+                <a:solidFill>
+                  <a:srgbClr val="000000"/>
+                </a:solidFill>
+                <a:prstDash val="solid"/>
+              </a:ln>
+              <a:solidFill>
+                <a:schemeClr val="bg1"/>
+              </a:solidFill>
+              <a:effectLst>
+                <a:outerShdw blurRad="63500" dir="3600000" algn="tl" rotWithShape="0">
+                  <a:srgbClr val="000000">
+                    <a:alpha val="70000"/>
+                  </a:srgbClr>
+                </a:outerShdw>
+              </a:effectLst>
+            </a:endParaRPr>
+          </a:p>
+        </p:txBody>
+      </p:sp>
+      <p:sp>
+        <p:nvSpPr>
+          <p:cNvPr id="7" name="Rectangle 6"/>
+          <p:cNvSpPr/>
+          <p:nvPr/>
+        </p:nvSpPr>
+        <p:spPr>
+          <a:xfrm>
+            <a:off x="124602" y="4636304"/>
+            <a:ext cx="4472536" cy="1754327"/>
+          </a:xfrm>
+          <a:prstGeom prst="rect">
+            <a:avLst/>
+          </a:prstGeom>
+          <a:noFill/>
+        </p:spPr>
+        <p:txBody>
+          <a:bodyPr wrap="none" lIns="91440" tIns="45720" rIns="91440" bIns="45720">
+            <a:spAutoFit/>
+          </a:bodyPr>
+          <a:lstStyle/>
+          <a:p>
+            <a:pPr algn="ctr"/>
+            <a:r>
+              <a:rPr lang="en-US" sz="5400" dirty="0" smtClean="0">
+                <a:ln w="18415" cmpd="sng">
+                  <a:solidFill>
+                    <a:srgbClr val="000000"/>
+                  </a:solidFill>
+                  <a:prstDash val="solid"/>
+                </a:ln>
+                <a:solidFill>
+                  <a:schemeClr val="bg1"/>
+                </a:solidFill>
+                <a:effectLst>
+                  <a:outerShdw blurRad="63500" dir="3600000" algn="tl" rotWithShape="0">
+                    <a:srgbClr val="000000">
+                      <a:alpha val="70000"/>
+                    </a:srgbClr>
+                  </a:outerShdw>
+                </a:effectLst>
+              </a:rPr>
+              <a:t>Memes </a:t>
+            </a:r>
+            <a:r>
+              <a:rPr lang="en-US" sz="5400" dirty="0" err="1" smtClean="0">
+                <a:ln w="18415" cmpd="sng">
+                  <a:solidFill>
+                    <a:srgbClr val="000000"/>
+                  </a:solidFill>
+                  <a:prstDash val="solid"/>
+                </a:ln>
+                <a:solidFill>
+                  <a:schemeClr val="bg1"/>
+                </a:solidFill>
+                <a:effectLst>
+                  <a:outerShdw blurRad="63500" dir="3600000" algn="tl" rotWithShape="0">
+                    <a:srgbClr val="000000">
+                      <a:alpha val="70000"/>
+                    </a:srgbClr>
+                  </a:outerShdw>
+                </a:effectLst>
+              </a:rPr>
+              <a:t>wanna</a:t>
+            </a:r>
+            <a:r>
+              <a:rPr lang="en-US" sz="5400" dirty="0" smtClean="0">
+                <a:ln w="18415" cmpd="sng">
+                  <a:solidFill>
+                    <a:srgbClr val="000000"/>
+                  </a:solidFill>
+                  <a:prstDash val="solid"/>
+                </a:ln>
+                <a:solidFill>
+                  <a:schemeClr val="bg1"/>
+                </a:solidFill>
+                <a:effectLst>
+                  <a:outerShdw blurRad="63500" dir="3600000" algn="tl" rotWithShape="0">
+                    <a:srgbClr val="000000">
+                      <a:alpha val="70000"/>
+                    </a:srgbClr>
+                  </a:outerShdw>
+                </a:effectLst>
+              </a:rPr>
+              <a:t> </a:t>
+            </a:r>
+          </a:p>
+          <a:p>
+            <a:pPr algn="ctr"/>
+            <a:r>
+              <a:rPr lang="en-US" sz="5400" dirty="0" smtClean="0">
+                <a:ln w="18415" cmpd="sng">
+                  <a:solidFill>
+                    <a:srgbClr val="000000"/>
+                  </a:solidFill>
+                  <a:prstDash val="solid"/>
+                </a:ln>
+                <a:solidFill>
+                  <a:schemeClr val="bg1"/>
+                </a:solidFill>
+                <a:effectLst>
+                  <a:outerShdw blurRad="63500" dir="3600000" algn="tl" rotWithShape="0">
+                    <a:srgbClr val="000000">
+                      <a:alpha val="70000"/>
+                    </a:srgbClr>
+                  </a:outerShdw>
+                </a:effectLst>
+              </a:rPr>
+              <a:t>find me</a:t>
+            </a:r>
+            <a:endParaRPr lang="en-US" sz="5400" dirty="0">
+              <a:ln w="18415" cmpd="sng">
+                <a:solidFill>
+                  <a:srgbClr val="000000"/>
+                </a:solidFill>
+                <a:prstDash val="solid"/>
+              </a:ln>
+              <a:solidFill>
+                <a:schemeClr val="bg1"/>
+              </a:solidFill>
+              <a:effectLst>
+                <a:outerShdw blurRad="63500" dir="3600000" algn="tl" rotWithShape="0">
+                  <a:srgbClr val="000000">
+                    <a:alpha val="70000"/>
+                  </a:srgbClr>
+                </a:outerShdw>
+              </a:effectLst>
+            </a:endParaRPr>
           </a:p>
         </p:txBody>
       </p:sp>
     </p:spTree>
     <p:extLst>
       <p:ext uri="{BB962C8B-B14F-4D97-AF65-F5344CB8AC3E}">
-        <p14:creationId xmlns:p14="http://schemas.microsoft.com/office/powerpoint/2010/main" val="2572019089"/>
+        <p14:creationId xmlns:p14="http://schemas.microsoft.com/office/powerpoint/2010/main" val="4025604598"/>
       </p:ext>
     </p:extLst>
   </p:cSld>
   <p:clrMapOvr>
     <a:masterClrMapping/>
   </p:clrMapOvr>
+  <p:timing>
+    <p:tnLst>
+      <p:par>
+        <p:cTn xmlns:p14="http://schemas.microsoft.com/office/powerpoint/2010/main" id="1" dur="indefinite" restart="never" nodeType="tmRoot"/>
+      </p:par>
+    </p:tnLst>
+  </p:timing>
 </p:sld>
 </file>
 
@@ -6122,7 +7059,7 @@
           <a:p>
             <a:r>
               <a:rPr lang="en-US" dirty="0" smtClean="0"/>
-              <a:t>Encryption </a:t>
+              <a:t>Overview of Project</a:t>
             </a:r>
             <a:endParaRPr lang="en-US" dirty="0"/>
           </a:p>
@@ -6130,12 +7067,12 @@
       </p:sp>
       <p:sp>
         <p:nvSpPr>
-          <p:cNvPr id="3" name="Content Placeholder 2"/>
-          <p:cNvSpPr>
-            <a:spLocks noGrp="1"/>
-          </p:cNvSpPr>
-          <p:nvPr>
-            <p:ph idx="1"/>
+          <p:cNvPr id="3" name="Text Placeholder 2"/>
+          <p:cNvSpPr>
+            <a:spLocks noGrp="1"/>
+          </p:cNvSpPr>
+          <p:nvPr>
+            <p:ph type="body" sz="half" idx="2"/>
           </p:nvPr>
         </p:nvSpPr>
         <p:spPr/>
@@ -6143,20 +7080,251 @@
           <a:bodyPr/>
           <a:lstStyle/>
           <a:p>
-            <a:endParaRPr lang="en-US"/>
+            <a:endParaRPr lang="en-US" dirty="0"/>
+          </a:p>
+        </p:txBody>
+      </p:sp>
+      <p:pic>
+        <p:nvPicPr>
+          <p:cNvPr id="5" name="Picture Placeholder 4" descr="d6232682-e0e0-4e01-b792-67cd8fe8ee2f.jpg"/>
+          <p:cNvPicPr>
+            <a:picLocks noGrp="1" noChangeAspect="1"/>
+          </p:cNvPicPr>
+          <p:nvPr>
+            <p:ph type="pic" sz="quarter" idx="13"/>
+          </p:nvPr>
+        </p:nvPicPr>
+        <p:blipFill rotWithShape="1">
+          <a:blip r:embed="rId2">
+            <a:extLst>
+              <a:ext uri="{28A0092B-C50C-407E-A947-70E740481C1C}">
+                <a14:useLocalDpi xmlns:a14="http://schemas.microsoft.com/office/drawing/2010/main" val="0"/>
+              </a:ext>
+            </a:extLst>
+          </a:blip>
+          <a:srcRect l="57717" t="14423" r="2232" b="32931"/>
+          <a:stretch/>
+        </p:blipFill>
+        <p:spPr>
+          <a:xfrm>
+            <a:off x="92075" y="1143000"/>
+            <a:ext cx="4267200" cy="4267200"/>
+          </a:xfrm>
+        </p:spPr>
+      </p:pic>
+      <p:sp>
+        <p:nvSpPr>
+          <p:cNvPr id="6" name="Rectangle 5"/>
+          <p:cNvSpPr/>
+          <p:nvPr/>
+        </p:nvSpPr>
+        <p:spPr>
+          <a:xfrm>
+            <a:off x="289273" y="910147"/>
+            <a:ext cx="4087402" cy="923330"/>
+          </a:xfrm>
+          <a:prstGeom prst="rect">
+            <a:avLst/>
+          </a:prstGeom>
+          <a:noFill/>
+        </p:spPr>
+        <p:txBody>
+          <a:bodyPr wrap="none" lIns="91440" tIns="45720" rIns="91440" bIns="45720">
+            <a:spAutoFit/>
+          </a:bodyPr>
+          <a:lstStyle/>
+          <a:p>
+            <a:pPr algn="ctr"/>
+            <a:r>
+              <a:rPr lang="en-US" sz="5400" dirty="0" smtClean="0">
+                <a:ln w="18415" cmpd="sng">
+                  <a:solidFill>
+                    <a:srgbClr val="000000"/>
+                  </a:solidFill>
+                  <a:prstDash val="solid"/>
+                </a:ln>
+                <a:solidFill>
+                  <a:schemeClr val="bg1"/>
+                </a:solidFill>
+                <a:effectLst>
+                  <a:outerShdw blurRad="63500" dir="3600000" algn="tl" rotWithShape="0">
+                    <a:srgbClr val="000000">
+                      <a:alpha val="70000"/>
+                    </a:srgbClr>
+                  </a:outerShdw>
+                </a:effectLst>
+              </a:rPr>
+              <a:t>Code so hard</a:t>
+            </a:r>
+            <a:endParaRPr lang="en-US" sz="5400" dirty="0">
+              <a:ln w="18415" cmpd="sng">
+                <a:solidFill>
+                  <a:srgbClr val="000000"/>
+                </a:solidFill>
+                <a:prstDash val="solid"/>
+              </a:ln>
+              <a:solidFill>
+                <a:schemeClr val="bg1"/>
+              </a:solidFill>
+              <a:effectLst>
+                <a:outerShdw blurRad="63500" dir="3600000" algn="tl" rotWithShape="0">
+                  <a:srgbClr val="000000">
+                    <a:alpha val="70000"/>
+                  </a:srgbClr>
+                </a:outerShdw>
+              </a:effectLst>
+            </a:endParaRPr>
+          </a:p>
+        </p:txBody>
+      </p:sp>
+      <p:sp>
+        <p:nvSpPr>
+          <p:cNvPr id="7" name="Rectangle 6"/>
+          <p:cNvSpPr/>
+          <p:nvPr/>
+        </p:nvSpPr>
+        <p:spPr>
+          <a:xfrm>
+            <a:off x="124602" y="4636304"/>
+            <a:ext cx="4472536" cy="1754327"/>
+          </a:xfrm>
+          <a:prstGeom prst="rect">
+            <a:avLst/>
+          </a:prstGeom>
+          <a:noFill/>
+        </p:spPr>
+        <p:txBody>
+          <a:bodyPr wrap="none" lIns="91440" tIns="45720" rIns="91440" bIns="45720">
+            <a:spAutoFit/>
+          </a:bodyPr>
+          <a:lstStyle/>
+          <a:p>
+            <a:pPr algn="ctr"/>
+            <a:r>
+              <a:rPr lang="en-US" sz="5400" dirty="0" smtClean="0">
+                <a:ln w="18415" cmpd="sng">
+                  <a:solidFill>
+                    <a:srgbClr val="000000"/>
+                  </a:solidFill>
+                  <a:prstDash val="solid"/>
+                </a:ln>
+                <a:solidFill>
+                  <a:schemeClr val="bg1"/>
+                </a:solidFill>
+                <a:effectLst>
+                  <a:outerShdw blurRad="63500" dir="3600000" algn="tl" rotWithShape="0">
+                    <a:srgbClr val="000000">
+                      <a:alpha val="70000"/>
+                    </a:srgbClr>
+                  </a:outerShdw>
+                </a:effectLst>
+              </a:rPr>
+              <a:t>Memes </a:t>
+            </a:r>
+            <a:r>
+              <a:rPr lang="en-US" sz="5400" dirty="0" err="1" smtClean="0">
+                <a:ln w="18415" cmpd="sng">
+                  <a:solidFill>
+                    <a:srgbClr val="000000"/>
+                  </a:solidFill>
+                  <a:prstDash val="solid"/>
+                </a:ln>
+                <a:solidFill>
+                  <a:schemeClr val="bg1"/>
+                </a:solidFill>
+                <a:effectLst>
+                  <a:outerShdw blurRad="63500" dir="3600000" algn="tl" rotWithShape="0">
+                    <a:srgbClr val="000000">
+                      <a:alpha val="70000"/>
+                    </a:srgbClr>
+                  </a:outerShdw>
+                </a:effectLst>
+              </a:rPr>
+              <a:t>wanna</a:t>
+            </a:r>
+            <a:r>
+              <a:rPr lang="en-US" sz="5400" dirty="0" smtClean="0">
+                <a:ln w="18415" cmpd="sng">
+                  <a:solidFill>
+                    <a:srgbClr val="000000"/>
+                  </a:solidFill>
+                  <a:prstDash val="solid"/>
+                </a:ln>
+                <a:solidFill>
+                  <a:schemeClr val="bg1"/>
+                </a:solidFill>
+                <a:effectLst>
+                  <a:outerShdw blurRad="63500" dir="3600000" algn="tl" rotWithShape="0">
+                    <a:srgbClr val="000000">
+                      <a:alpha val="70000"/>
+                    </a:srgbClr>
+                  </a:outerShdw>
+                </a:effectLst>
+              </a:rPr>
+              <a:t> </a:t>
+            </a:r>
+          </a:p>
+          <a:p>
+            <a:pPr algn="ctr"/>
+            <a:r>
+              <a:rPr lang="en-US" sz="5400" dirty="0" smtClean="0">
+                <a:ln w="18415" cmpd="sng">
+                  <a:solidFill>
+                    <a:srgbClr val="000000"/>
+                  </a:solidFill>
+                  <a:prstDash val="solid"/>
+                </a:ln>
+                <a:solidFill>
+                  <a:schemeClr val="bg1"/>
+                </a:solidFill>
+                <a:effectLst>
+                  <a:outerShdw blurRad="63500" dir="3600000" algn="tl" rotWithShape="0">
+                    <a:srgbClr val="000000">
+                      <a:alpha val="70000"/>
+                    </a:srgbClr>
+                  </a:outerShdw>
+                </a:effectLst>
+              </a:rPr>
+              <a:t>find me</a:t>
+            </a:r>
+            <a:endParaRPr lang="en-US" sz="5400" dirty="0">
+              <a:ln w="18415" cmpd="sng">
+                <a:solidFill>
+                  <a:srgbClr val="000000"/>
+                </a:solidFill>
+                <a:prstDash val="solid"/>
+              </a:ln>
+              <a:solidFill>
+                <a:schemeClr val="bg1"/>
+              </a:solidFill>
+              <a:effectLst>
+                <a:outerShdw blurRad="63500" dir="3600000" algn="tl" rotWithShape="0">
+                  <a:srgbClr val="000000">
+                    <a:alpha val="70000"/>
+                  </a:srgbClr>
+                </a:outerShdw>
+              </a:effectLst>
+            </a:endParaRPr>
           </a:p>
         </p:txBody>
       </p:sp>
     </p:spTree>
     <p:extLst>
       <p:ext uri="{BB962C8B-B14F-4D97-AF65-F5344CB8AC3E}">
-        <p14:creationId xmlns:p14="http://schemas.microsoft.com/office/powerpoint/2010/main" val="4183327158"/>
+        <p14:creationId xmlns:p14="http://schemas.microsoft.com/office/powerpoint/2010/main" val="366993939"/>
       </p:ext>
     </p:extLst>
   </p:cSld>
   <p:clrMapOvr>
     <a:masterClrMapping/>
   </p:clrMapOvr>
+  <p:timing>
+    <p:tnLst>
+      <p:par>
+        <p:cTn xmlns:p14="http://schemas.microsoft.com/office/powerpoint/2010/main" id="1" dur="indefinite" restart="never" nodeType="tmRoot"/>
+      </p:par>
+    </p:tnLst>
+  </p:timing>
 </p:sld>
 </file>
 
@@ -6194,7 +7362,7 @@
           <a:p>
             <a:r>
               <a:rPr lang="en-US" dirty="0" smtClean="0"/>
-              <a:t>Chat Client</a:t>
+              <a:t>Overview of Project</a:t>
             </a:r>
             <a:endParaRPr lang="en-US" dirty="0"/>
           </a:p>
@@ -6202,12 +7370,12 @@
       </p:sp>
       <p:sp>
         <p:nvSpPr>
-          <p:cNvPr id="3" name="Content Placeholder 2"/>
-          <p:cNvSpPr>
-            <a:spLocks noGrp="1"/>
-          </p:cNvSpPr>
-          <p:nvPr>
-            <p:ph idx="1"/>
+          <p:cNvPr id="3" name="Text Placeholder 2"/>
+          <p:cNvSpPr>
+            <a:spLocks noGrp="1"/>
+          </p:cNvSpPr>
+          <p:nvPr>
+            <p:ph type="body" sz="half" idx="2"/>
           </p:nvPr>
         </p:nvSpPr>
         <p:spPr/>
@@ -6215,20 +7383,251 @@
           <a:bodyPr/>
           <a:lstStyle/>
           <a:p>
-            <a:endParaRPr lang="en-US"/>
+            <a:endParaRPr lang="en-US" dirty="0"/>
+          </a:p>
+        </p:txBody>
+      </p:sp>
+      <p:pic>
+        <p:nvPicPr>
+          <p:cNvPr id="5" name="Picture Placeholder 4" descr="d6232682-e0e0-4e01-b792-67cd8fe8ee2f.jpg"/>
+          <p:cNvPicPr>
+            <a:picLocks noGrp="1" noChangeAspect="1"/>
+          </p:cNvPicPr>
+          <p:nvPr>
+            <p:ph type="pic" sz="quarter" idx="13"/>
+          </p:nvPr>
+        </p:nvPicPr>
+        <p:blipFill rotWithShape="1">
+          <a:blip r:embed="rId2">
+            <a:extLst>
+              <a:ext uri="{28A0092B-C50C-407E-A947-70E740481C1C}">
+                <a14:useLocalDpi xmlns:a14="http://schemas.microsoft.com/office/drawing/2010/main" val="0"/>
+              </a:ext>
+            </a:extLst>
+          </a:blip>
+          <a:srcRect l="71511" t="18915" r="6391" b="53740"/>
+          <a:stretch/>
+        </p:blipFill>
+        <p:spPr>
+          <a:xfrm>
+            <a:off x="92075" y="1143000"/>
+            <a:ext cx="4267200" cy="4267200"/>
+          </a:xfrm>
+        </p:spPr>
+      </p:pic>
+      <p:sp>
+        <p:nvSpPr>
+          <p:cNvPr id="6" name="Rectangle 5"/>
+          <p:cNvSpPr/>
+          <p:nvPr/>
+        </p:nvSpPr>
+        <p:spPr>
+          <a:xfrm>
+            <a:off x="289273" y="910147"/>
+            <a:ext cx="4087402" cy="923330"/>
+          </a:xfrm>
+          <a:prstGeom prst="rect">
+            <a:avLst/>
+          </a:prstGeom>
+          <a:noFill/>
+        </p:spPr>
+        <p:txBody>
+          <a:bodyPr wrap="none" lIns="91440" tIns="45720" rIns="91440" bIns="45720">
+            <a:spAutoFit/>
+          </a:bodyPr>
+          <a:lstStyle/>
+          <a:p>
+            <a:pPr algn="ctr"/>
+            <a:r>
+              <a:rPr lang="en-US" sz="5400" dirty="0" smtClean="0">
+                <a:ln w="18415" cmpd="sng">
+                  <a:solidFill>
+                    <a:srgbClr val="000000"/>
+                  </a:solidFill>
+                  <a:prstDash val="solid"/>
+                </a:ln>
+                <a:solidFill>
+                  <a:schemeClr val="bg1"/>
+                </a:solidFill>
+                <a:effectLst>
+                  <a:outerShdw blurRad="63500" dir="3600000" algn="tl" rotWithShape="0">
+                    <a:srgbClr val="000000">
+                      <a:alpha val="70000"/>
+                    </a:srgbClr>
+                  </a:outerShdw>
+                </a:effectLst>
+              </a:rPr>
+              <a:t>Code so hard</a:t>
+            </a:r>
+            <a:endParaRPr lang="en-US" sz="5400" dirty="0">
+              <a:ln w="18415" cmpd="sng">
+                <a:solidFill>
+                  <a:srgbClr val="000000"/>
+                </a:solidFill>
+                <a:prstDash val="solid"/>
+              </a:ln>
+              <a:solidFill>
+                <a:schemeClr val="bg1"/>
+              </a:solidFill>
+              <a:effectLst>
+                <a:outerShdw blurRad="63500" dir="3600000" algn="tl" rotWithShape="0">
+                  <a:srgbClr val="000000">
+                    <a:alpha val="70000"/>
+                  </a:srgbClr>
+                </a:outerShdw>
+              </a:effectLst>
+            </a:endParaRPr>
+          </a:p>
+        </p:txBody>
+      </p:sp>
+      <p:sp>
+        <p:nvSpPr>
+          <p:cNvPr id="7" name="Rectangle 6"/>
+          <p:cNvSpPr/>
+          <p:nvPr/>
+        </p:nvSpPr>
+        <p:spPr>
+          <a:xfrm>
+            <a:off x="124602" y="4636304"/>
+            <a:ext cx="4472536" cy="1754327"/>
+          </a:xfrm>
+          <a:prstGeom prst="rect">
+            <a:avLst/>
+          </a:prstGeom>
+          <a:noFill/>
+        </p:spPr>
+        <p:txBody>
+          <a:bodyPr wrap="none" lIns="91440" tIns="45720" rIns="91440" bIns="45720">
+            <a:spAutoFit/>
+          </a:bodyPr>
+          <a:lstStyle/>
+          <a:p>
+            <a:pPr algn="ctr"/>
+            <a:r>
+              <a:rPr lang="en-US" sz="5400" dirty="0" smtClean="0">
+                <a:ln w="18415" cmpd="sng">
+                  <a:solidFill>
+                    <a:srgbClr val="000000"/>
+                  </a:solidFill>
+                  <a:prstDash val="solid"/>
+                </a:ln>
+                <a:solidFill>
+                  <a:schemeClr val="bg1"/>
+                </a:solidFill>
+                <a:effectLst>
+                  <a:outerShdw blurRad="63500" dir="3600000" algn="tl" rotWithShape="0">
+                    <a:srgbClr val="000000">
+                      <a:alpha val="70000"/>
+                    </a:srgbClr>
+                  </a:outerShdw>
+                </a:effectLst>
+              </a:rPr>
+              <a:t>Memes </a:t>
+            </a:r>
+            <a:r>
+              <a:rPr lang="en-US" sz="5400" dirty="0" err="1" smtClean="0">
+                <a:ln w="18415" cmpd="sng">
+                  <a:solidFill>
+                    <a:srgbClr val="000000"/>
+                  </a:solidFill>
+                  <a:prstDash val="solid"/>
+                </a:ln>
+                <a:solidFill>
+                  <a:schemeClr val="bg1"/>
+                </a:solidFill>
+                <a:effectLst>
+                  <a:outerShdw blurRad="63500" dir="3600000" algn="tl" rotWithShape="0">
+                    <a:srgbClr val="000000">
+                      <a:alpha val="70000"/>
+                    </a:srgbClr>
+                  </a:outerShdw>
+                </a:effectLst>
+              </a:rPr>
+              <a:t>wanna</a:t>
+            </a:r>
+            <a:r>
+              <a:rPr lang="en-US" sz="5400" dirty="0" smtClean="0">
+                <a:ln w="18415" cmpd="sng">
+                  <a:solidFill>
+                    <a:srgbClr val="000000"/>
+                  </a:solidFill>
+                  <a:prstDash val="solid"/>
+                </a:ln>
+                <a:solidFill>
+                  <a:schemeClr val="bg1"/>
+                </a:solidFill>
+                <a:effectLst>
+                  <a:outerShdw blurRad="63500" dir="3600000" algn="tl" rotWithShape="0">
+                    <a:srgbClr val="000000">
+                      <a:alpha val="70000"/>
+                    </a:srgbClr>
+                  </a:outerShdw>
+                </a:effectLst>
+              </a:rPr>
+              <a:t> </a:t>
+            </a:r>
+          </a:p>
+          <a:p>
+            <a:pPr algn="ctr"/>
+            <a:r>
+              <a:rPr lang="en-US" sz="5400" dirty="0" smtClean="0">
+                <a:ln w="18415" cmpd="sng">
+                  <a:solidFill>
+                    <a:srgbClr val="000000"/>
+                  </a:solidFill>
+                  <a:prstDash val="solid"/>
+                </a:ln>
+                <a:solidFill>
+                  <a:schemeClr val="bg1"/>
+                </a:solidFill>
+                <a:effectLst>
+                  <a:outerShdw blurRad="63500" dir="3600000" algn="tl" rotWithShape="0">
+                    <a:srgbClr val="000000">
+                      <a:alpha val="70000"/>
+                    </a:srgbClr>
+                  </a:outerShdw>
+                </a:effectLst>
+              </a:rPr>
+              <a:t>find me</a:t>
+            </a:r>
+            <a:endParaRPr lang="en-US" sz="5400" dirty="0">
+              <a:ln w="18415" cmpd="sng">
+                <a:solidFill>
+                  <a:srgbClr val="000000"/>
+                </a:solidFill>
+                <a:prstDash val="solid"/>
+              </a:ln>
+              <a:solidFill>
+                <a:schemeClr val="bg1"/>
+              </a:solidFill>
+              <a:effectLst>
+                <a:outerShdw blurRad="63500" dir="3600000" algn="tl" rotWithShape="0">
+                  <a:srgbClr val="000000">
+                    <a:alpha val="70000"/>
+                  </a:srgbClr>
+                </a:outerShdw>
+              </a:effectLst>
+            </a:endParaRPr>
           </a:p>
         </p:txBody>
       </p:sp>
     </p:spTree>
     <p:extLst>
       <p:ext uri="{BB962C8B-B14F-4D97-AF65-F5344CB8AC3E}">
-        <p14:creationId xmlns:p14="http://schemas.microsoft.com/office/powerpoint/2010/main" val="2122412872"/>
+        <p14:creationId xmlns:p14="http://schemas.microsoft.com/office/powerpoint/2010/main" val="2221006487"/>
       </p:ext>
     </p:extLst>
   </p:cSld>
   <p:clrMapOvr>
     <a:masterClrMapping/>
   </p:clrMapOvr>
+  <p:timing>
+    <p:tnLst>
+      <p:par>
+        <p:cTn xmlns:p14="http://schemas.microsoft.com/office/powerpoint/2010/main" id="1" dur="indefinite" restart="never" nodeType="tmRoot"/>
+      </p:par>
+    </p:tnLst>
+  </p:timing>
 </p:sld>
 </file>
 
@@ -6266,7 +7665,7 @@
           <a:p>
             <a:r>
               <a:rPr lang="en-US" dirty="0" smtClean="0"/>
-              <a:t>Meme Creator </a:t>
+              <a:t>Overview of Project</a:t>
             </a:r>
             <a:endParaRPr lang="en-US" dirty="0"/>
           </a:p>
@@ -6274,12 +7673,12 @@
       </p:sp>
       <p:sp>
         <p:nvSpPr>
-          <p:cNvPr id="3" name="Content Placeholder 2"/>
-          <p:cNvSpPr>
-            <a:spLocks noGrp="1"/>
-          </p:cNvSpPr>
-          <p:nvPr>
-            <p:ph idx="1"/>
+          <p:cNvPr id="3" name="Text Placeholder 2"/>
+          <p:cNvSpPr>
+            <a:spLocks noGrp="1"/>
+          </p:cNvSpPr>
+          <p:nvPr>
+            <p:ph type="body" sz="half" idx="2"/>
           </p:nvPr>
         </p:nvSpPr>
         <p:spPr/>
@@ -6287,20 +7686,251 @@
           <a:bodyPr/>
           <a:lstStyle/>
           <a:p>
-            <a:endParaRPr lang="en-US"/>
+            <a:endParaRPr lang="en-US" dirty="0"/>
+          </a:p>
+        </p:txBody>
+      </p:sp>
+      <p:pic>
+        <p:nvPicPr>
+          <p:cNvPr id="5" name="Picture Placeholder 4" descr="d6232682-e0e0-4e01-b792-67cd8fe8ee2f.jpg"/>
+          <p:cNvPicPr>
+            <a:picLocks noGrp="1" noChangeAspect="1"/>
+          </p:cNvPicPr>
+          <p:nvPr>
+            <p:ph type="pic" sz="quarter" idx="13"/>
+          </p:nvPr>
+        </p:nvPicPr>
+        <p:blipFill rotWithShape="1">
+          <a:blip r:embed="rId2">
+            <a:extLst>
+              <a:ext uri="{28A0092B-C50C-407E-A947-70E740481C1C}">
+                <a14:useLocalDpi xmlns:a14="http://schemas.microsoft.com/office/drawing/2010/main" val="0"/>
+              </a:ext>
+            </a:extLst>
+          </a:blip>
+          <a:srcRect l="1289" t="-11562" r="38653" b="40105"/>
+          <a:stretch/>
+        </p:blipFill>
+        <p:spPr>
+          <a:xfrm>
+            <a:off x="91634" y="1143000"/>
+            <a:ext cx="4267200" cy="4267200"/>
+          </a:xfrm>
+        </p:spPr>
+      </p:pic>
+      <p:sp>
+        <p:nvSpPr>
+          <p:cNvPr id="6" name="Rectangle 5"/>
+          <p:cNvSpPr/>
+          <p:nvPr/>
+        </p:nvSpPr>
+        <p:spPr>
+          <a:xfrm>
+            <a:off x="289273" y="910147"/>
+            <a:ext cx="4087402" cy="923330"/>
+          </a:xfrm>
+          <a:prstGeom prst="rect">
+            <a:avLst/>
+          </a:prstGeom>
+          <a:noFill/>
+        </p:spPr>
+        <p:txBody>
+          <a:bodyPr wrap="none" lIns="91440" tIns="45720" rIns="91440" bIns="45720">
+            <a:spAutoFit/>
+          </a:bodyPr>
+          <a:lstStyle/>
+          <a:p>
+            <a:pPr algn="ctr"/>
+            <a:r>
+              <a:rPr lang="en-US" sz="5400" dirty="0" smtClean="0">
+                <a:ln w="18415" cmpd="sng">
+                  <a:solidFill>
+                    <a:srgbClr val="000000"/>
+                  </a:solidFill>
+                  <a:prstDash val="solid"/>
+                </a:ln>
+                <a:solidFill>
+                  <a:schemeClr val="bg1"/>
+                </a:solidFill>
+                <a:effectLst>
+                  <a:outerShdw blurRad="63500" dir="3600000" algn="tl" rotWithShape="0">
+                    <a:srgbClr val="000000">
+                      <a:alpha val="70000"/>
+                    </a:srgbClr>
+                  </a:outerShdw>
+                </a:effectLst>
+              </a:rPr>
+              <a:t>Code so hard</a:t>
+            </a:r>
+            <a:endParaRPr lang="en-US" sz="5400" dirty="0">
+              <a:ln w="18415" cmpd="sng">
+                <a:solidFill>
+                  <a:srgbClr val="000000"/>
+                </a:solidFill>
+                <a:prstDash val="solid"/>
+              </a:ln>
+              <a:solidFill>
+                <a:schemeClr val="bg1"/>
+              </a:solidFill>
+              <a:effectLst>
+                <a:outerShdw blurRad="63500" dir="3600000" algn="tl" rotWithShape="0">
+                  <a:srgbClr val="000000">
+                    <a:alpha val="70000"/>
+                  </a:srgbClr>
+                </a:outerShdw>
+              </a:effectLst>
+            </a:endParaRPr>
+          </a:p>
+        </p:txBody>
+      </p:sp>
+      <p:sp>
+        <p:nvSpPr>
+          <p:cNvPr id="7" name="Rectangle 6"/>
+          <p:cNvSpPr/>
+          <p:nvPr/>
+        </p:nvSpPr>
+        <p:spPr>
+          <a:xfrm>
+            <a:off x="124602" y="4636304"/>
+            <a:ext cx="4472536" cy="1754327"/>
+          </a:xfrm>
+          <a:prstGeom prst="rect">
+            <a:avLst/>
+          </a:prstGeom>
+          <a:noFill/>
+        </p:spPr>
+        <p:txBody>
+          <a:bodyPr wrap="none" lIns="91440" tIns="45720" rIns="91440" bIns="45720">
+            <a:spAutoFit/>
+          </a:bodyPr>
+          <a:lstStyle/>
+          <a:p>
+            <a:pPr algn="ctr"/>
+            <a:r>
+              <a:rPr lang="en-US" sz="5400" dirty="0" smtClean="0">
+                <a:ln w="18415" cmpd="sng">
+                  <a:solidFill>
+                    <a:srgbClr val="000000"/>
+                  </a:solidFill>
+                  <a:prstDash val="solid"/>
+                </a:ln>
+                <a:solidFill>
+                  <a:schemeClr val="bg1"/>
+                </a:solidFill>
+                <a:effectLst>
+                  <a:outerShdw blurRad="63500" dir="3600000" algn="tl" rotWithShape="0">
+                    <a:srgbClr val="000000">
+                      <a:alpha val="70000"/>
+                    </a:srgbClr>
+                  </a:outerShdw>
+                </a:effectLst>
+              </a:rPr>
+              <a:t>Memes </a:t>
+            </a:r>
+            <a:r>
+              <a:rPr lang="en-US" sz="5400" dirty="0" err="1" smtClean="0">
+                <a:ln w="18415" cmpd="sng">
+                  <a:solidFill>
+                    <a:srgbClr val="000000"/>
+                  </a:solidFill>
+                  <a:prstDash val="solid"/>
+                </a:ln>
+                <a:solidFill>
+                  <a:schemeClr val="bg1"/>
+                </a:solidFill>
+                <a:effectLst>
+                  <a:outerShdw blurRad="63500" dir="3600000" algn="tl" rotWithShape="0">
+                    <a:srgbClr val="000000">
+                      <a:alpha val="70000"/>
+                    </a:srgbClr>
+                  </a:outerShdw>
+                </a:effectLst>
+              </a:rPr>
+              <a:t>wanna</a:t>
+            </a:r>
+            <a:r>
+              <a:rPr lang="en-US" sz="5400" dirty="0" smtClean="0">
+                <a:ln w="18415" cmpd="sng">
+                  <a:solidFill>
+                    <a:srgbClr val="000000"/>
+                  </a:solidFill>
+                  <a:prstDash val="solid"/>
+                </a:ln>
+                <a:solidFill>
+                  <a:schemeClr val="bg1"/>
+                </a:solidFill>
+                <a:effectLst>
+                  <a:outerShdw blurRad="63500" dir="3600000" algn="tl" rotWithShape="0">
+                    <a:srgbClr val="000000">
+                      <a:alpha val="70000"/>
+                    </a:srgbClr>
+                  </a:outerShdw>
+                </a:effectLst>
+              </a:rPr>
+              <a:t> </a:t>
+            </a:r>
+          </a:p>
+          <a:p>
+            <a:pPr algn="ctr"/>
+            <a:r>
+              <a:rPr lang="en-US" sz="5400" dirty="0" smtClean="0">
+                <a:ln w="18415" cmpd="sng">
+                  <a:solidFill>
+                    <a:srgbClr val="000000"/>
+                  </a:solidFill>
+                  <a:prstDash val="solid"/>
+                </a:ln>
+                <a:solidFill>
+                  <a:schemeClr val="bg1"/>
+                </a:solidFill>
+                <a:effectLst>
+                  <a:outerShdw blurRad="63500" dir="3600000" algn="tl" rotWithShape="0">
+                    <a:srgbClr val="000000">
+                      <a:alpha val="70000"/>
+                    </a:srgbClr>
+                  </a:outerShdw>
+                </a:effectLst>
+              </a:rPr>
+              <a:t>find me</a:t>
+            </a:r>
+            <a:endParaRPr lang="en-US" sz="5400" dirty="0">
+              <a:ln w="18415" cmpd="sng">
+                <a:solidFill>
+                  <a:srgbClr val="000000"/>
+                </a:solidFill>
+                <a:prstDash val="solid"/>
+              </a:ln>
+              <a:solidFill>
+                <a:schemeClr val="bg1"/>
+              </a:solidFill>
+              <a:effectLst>
+                <a:outerShdw blurRad="63500" dir="3600000" algn="tl" rotWithShape="0">
+                  <a:srgbClr val="000000">
+                    <a:alpha val="70000"/>
+                  </a:srgbClr>
+                </a:outerShdw>
+              </a:effectLst>
+            </a:endParaRPr>
           </a:p>
         </p:txBody>
       </p:sp>
     </p:spTree>
     <p:extLst>
       <p:ext uri="{BB962C8B-B14F-4D97-AF65-F5344CB8AC3E}">
-        <p14:creationId xmlns:p14="http://schemas.microsoft.com/office/powerpoint/2010/main" val="3219117328"/>
+        <p14:creationId xmlns:p14="http://schemas.microsoft.com/office/powerpoint/2010/main" val="2686903005"/>
       </p:ext>
     </p:extLst>
   </p:cSld>
   <p:clrMapOvr>
     <a:masterClrMapping/>
   </p:clrMapOvr>
+  <p:timing>
+    <p:tnLst>
+      <p:par>
+        <p:cTn xmlns:p14="http://schemas.microsoft.com/office/powerpoint/2010/main" id="1" dur="indefinite" restart="never" nodeType="tmRoot"/>
+      </p:par>
+    </p:tnLst>
+  </p:timing>
 </p:sld>
 </file>
 
@@ -6338,15 +7968,7 @@
           <a:p>
             <a:r>
               <a:rPr lang="en-US" dirty="0" smtClean="0"/>
-              <a:t>Frontend: </a:t>
-            </a:r>
-            <a:r>
-              <a:rPr lang="en-US" dirty="0" err="1" smtClean="0"/>
-              <a:t>Qt</a:t>
-            </a:r>
-            <a:r>
-              <a:rPr lang="en-US" dirty="0" smtClean="0"/>
-              <a:t>, GUI</a:t>
+              <a:t>Overview of Project</a:t>
             </a:r>
             <a:endParaRPr lang="en-US" dirty="0"/>
           </a:p>
@@ -6354,12 +7976,12 @@
       </p:sp>
       <p:sp>
         <p:nvSpPr>
-          <p:cNvPr id="3" name="Content Placeholder 2"/>
-          <p:cNvSpPr>
-            <a:spLocks noGrp="1"/>
-          </p:cNvSpPr>
-          <p:nvPr>
-            <p:ph idx="1"/>
+          <p:cNvPr id="3" name="Text Placeholder 2"/>
+          <p:cNvSpPr>
+            <a:spLocks noGrp="1"/>
+          </p:cNvSpPr>
+          <p:nvPr>
+            <p:ph type="body" sz="half" idx="2"/>
           </p:nvPr>
         </p:nvSpPr>
         <p:spPr/>
@@ -6367,20 +7989,251 @@
           <a:bodyPr/>
           <a:lstStyle/>
           <a:p>
-            <a:endParaRPr lang="en-US"/>
+            <a:endParaRPr lang="en-US" dirty="0"/>
+          </a:p>
+        </p:txBody>
+      </p:sp>
+      <p:pic>
+        <p:nvPicPr>
+          <p:cNvPr id="5" name="Picture Placeholder 4" descr="d6232682-e0e0-4e01-b792-67cd8fe8ee2f.jpg"/>
+          <p:cNvPicPr>
+            <a:picLocks noGrp="1" noChangeAspect="1"/>
+          </p:cNvPicPr>
+          <p:nvPr>
+            <p:ph type="pic" sz="quarter" idx="13"/>
+          </p:nvPr>
+        </p:nvPicPr>
+        <p:blipFill rotWithShape="1">
+          <a:blip r:embed="rId2">
+            <a:extLst>
+              <a:ext uri="{28A0092B-C50C-407E-A947-70E740481C1C}">
+                <a14:useLocalDpi xmlns:a14="http://schemas.microsoft.com/office/drawing/2010/main" val="0"/>
+              </a:ext>
+            </a:extLst>
+          </a:blip>
+          <a:srcRect l="20319" t="7515" r="55117" b="68696"/>
+          <a:stretch/>
+        </p:blipFill>
+        <p:spPr>
+          <a:xfrm>
+            <a:off x="91634" y="1143000"/>
+            <a:ext cx="4267200" cy="4267200"/>
+          </a:xfrm>
+        </p:spPr>
+      </p:pic>
+      <p:sp>
+        <p:nvSpPr>
+          <p:cNvPr id="6" name="Rectangle 5"/>
+          <p:cNvSpPr/>
+          <p:nvPr/>
+        </p:nvSpPr>
+        <p:spPr>
+          <a:xfrm>
+            <a:off x="289273" y="910147"/>
+            <a:ext cx="4087402" cy="923330"/>
+          </a:xfrm>
+          <a:prstGeom prst="rect">
+            <a:avLst/>
+          </a:prstGeom>
+          <a:noFill/>
+        </p:spPr>
+        <p:txBody>
+          <a:bodyPr wrap="none" lIns="91440" tIns="45720" rIns="91440" bIns="45720">
+            <a:spAutoFit/>
+          </a:bodyPr>
+          <a:lstStyle/>
+          <a:p>
+            <a:pPr algn="ctr"/>
+            <a:r>
+              <a:rPr lang="en-US" sz="5400" dirty="0" smtClean="0">
+                <a:ln w="18415" cmpd="sng">
+                  <a:solidFill>
+                    <a:srgbClr val="000000"/>
+                  </a:solidFill>
+                  <a:prstDash val="solid"/>
+                </a:ln>
+                <a:solidFill>
+                  <a:schemeClr val="bg1"/>
+                </a:solidFill>
+                <a:effectLst>
+                  <a:outerShdw blurRad="63500" dir="3600000" algn="tl" rotWithShape="0">
+                    <a:srgbClr val="000000">
+                      <a:alpha val="70000"/>
+                    </a:srgbClr>
+                  </a:outerShdw>
+                </a:effectLst>
+              </a:rPr>
+              <a:t>Code so hard</a:t>
+            </a:r>
+            <a:endParaRPr lang="en-US" sz="5400" dirty="0">
+              <a:ln w="18415" cmpd="sng">
+                <a:solidFill>
+                  <a:srgbClr val="000000"/>
+                </a:solidFill>
+                <a:prstDash val="solid"/>
+              </a:ln>
+              <a:solidFill>
+                <a:schemeClr val="bg1"/>
+              </a:solidFill>
+              <a:effectLst>
+                <a:outerShdw blurRad="63500" dir="3600000" algn="tl" rotWithShape="0">
+                  <a:srgbClr val="000000">
+                    <a:alpha val="70000"/>
+                  </a:srgbClr>
+                </a:outerShdw>
+              </a:effectLst>
+            </a:endParaRPr>
+          </a:p>
+        </p:txBody>
+      </p:sp>
+      <p:sp>
+        <p:nvSpPr>
+          <p:cNvPr id="7" name="Rectangle 6"/>
+          <p:cNvSpPr/>
+          <p:nvPr/>
+        </p:nvSpPr>
+        <p:spPr>
+          <a:xfrm>
+            <a:off x="124602" y="4636304"/>
+            <a:ext cx="4472536" cy="1754327"/>
+          </a:xfrm>
+          <a:prstGeom prst="rect">
+            <a:avLst/>
+          </a:prstGeom>
+          <a:noFill/>
+        </p:spPr>
+        <p:txBody>
+          <a:bodyPr wrap="none" lIns="91440" tIns="45720" rIns="91440" bIns="45720">
+            <a:spAutoFit/>
+          </a:bodyPr>
+          <a:lstStyle/>
+          <a:p>
+            <a:pPr algn="ctr"/>
+            <a:r>
+              <a:rPr lang="en-US" sz="5400" dirty="0" smtClean="0">
+                <a:ln w="18415" cmpd="sng">
+                  <a:solidFill>
+                    <a:srgbClr val="000000"/>
+                  </a:solidFill>
+                  <a:prstDash val="solid"/>
+                </a:ln>
+                <a:solidFill>
+                  <a:schemeClr val="bg1"/>
+                </a:solidFill>
+                <a:effectLst>
+                  <a:outerShdw blurRad="63500" dir="3600000" algn="tl" rotWithShape="0">
+                    <a:srgbClr val="000000">
+                      <a:alpha val="70000"/>
+                    </a:srgbClr>
+                  </a:outerShdw>
+                </a:effectLst>
+              </a:rPr>
+              <a:t>Memes </a:t>
+            </a:r>
+            <a:r>
+              <a:rPr lang="en-US" sz="5400" dirty="0" err="1" smtClean="0">
+                <a:ln w="18415" cmpd="sng">
+                  <a:solidFill>
+                    <a:srgbClr val="000000"/>
+                  </a:solidFill>
+                  <a:prstDash val="solid"/>
+                </a:ln>
+                <a:solidFill>
+                  <a:schemeClr val="bg1"/>
+                </a:solidFill>
+                <a:effectLst>
+                  <a:outerShdw blurRad="63500" dir="3600000" algn="tl" rotWithShape="0">
+                    <a:srgbClr val="000000">
+                      <a:alpha val="70000"/>
+                    </a:srgbClr>
+                  </a:outerShdw>
+                </a:effectLst>
+              </a:rPr>
+              <a:t>wanna</a:t>
+            </a:r>
+            <a:r>
+              <a:rPr lang="en-US" sz="5400" dirty="0" smtClean="0">
+                <a:ln w="18415" cmpd="sng">
+                  <a:solidFill>
+                    <a:srgbClr val="000000"/>
+                  </a:solidFill>
+                  <a:prstDash val="solid"/>
+                </a:ln>
+                <a:solidFill>
+                  <a:schemeClr val="bg1"/>
+                </a:solidFill>
+                <a:effectLst>
+                  <a:outerShdw blurRad="63500" dir="3600000" algn="tl" rotWithShape="0">
+                    <a:srgbClr val="000000">
+                      <a:alpha val="70000"/>
+                    </a:srgbClr>
+                  </a:outerShdw>
+                </a:effectLst>
+              </a:rPr>
+              <a:t> </a:t>
+            </a:r>
+          </a:p>
+          <a:p>
+            <a:pPr algn="ctr"/>
+            <a:r>
+              <a:rPr lang="en-US" sz="5400" dirty="0" smtClean="0">
+                <a:ln w="18415" cmpd="sng">
+                  <a:solidFill>
+                    <a:srgbClr val="000000"/>
+                  </a:solidFill>
+                  <a:prstDash val="solid"/>
+                </a:ln>
+                <a:solidFill>
+                  <a:schemeClr val="bg1"/>
+                </a:solidFill>
+                <a:effectLst>
+                  <a:outerShdw blurRad="63500" dir="3600000" algn="tl" rotWithShape="0">
+                    <a:srgbClr val="000000">
+                      <a:alpha val="70000"/>
+                    </a:srgbClr>
+                  </a:outerShdw>
+                </a:effectLst>
+              </a:rPr>
+              <a:t>find me</a:t>
+            </a:r>
+            <a:endParaRPr lang="en-US" sz="5400" dirty="0">
+              <a:ln w="18415" cmpd="sng">
+                <a:solidFill>
+                  <a:srgbClr val="000000"/>
+                </a:solidFill>
+                <a:prstDash val="solid"/>
+              </a:ln>
+              <a:solidFill>
+                <a:schemeClr val="bg1"/>
+              </a:solidFill>
+              <a:effectLst>
+                <a:outerShdw blurRad="63500" dir="3600000" algn="tl" rotWithShape="0">
+                  <a:srgbClr val="000000">
+                    <a:alpha val="70000"/>
+                  </a:srgbClr>
+                </a:outerShdw>
+              </a:effectLst>
+            </a:endParaRPr>
           </a:p>
         </p:txBody>
       </p:sp>
     </p:spTree>
     <p:extLst>
       <p:ext uri="{BB962C8B-B14F-4D97-AF65-F5344CB8AC3E}">
-        <p14:creationId xmlns:p14="http://schemas.microsoft.com/office/powerpoint/2010/main" val="4135498974"/>
+        <p14:creationId xmlns:p14="http://schemas.microsoft.com/office/powerpoint/2010/main" val="174011463"/>
       </p:ext>
     </p:extLst>
   </p:cSld>
   <p:clrMapOvr>
     <a:masterClrMapping/>
   </p:clrMapOvr>
+  <p:timing>
+    <p:tnLst>
+      <p:par>
+        <p:cTn xmlns:p14="http://schemas.microsoft.com/office/powerpoint/2010/main" id="1" dur="indefinite" restart="never" nodeType="tmRoot"/>
+      </p:par>
+    </p:tnLst>
+  </p:timing>
 </p:sld>
 </file>
 
@@ -6418,7 +8271,7 @@
           <a:p>
             <a:r>
               <a:rPr lang="en-US" dirty="0" smtClean="0"/>
-              <a:t>Risk Management </a:t>
+              <a:t>Overview of Project</a:t>
             </a:r>
             <a:endParaRPr lang="en-US" dirty="0"/>
           </a:p>
@@ -6426,12 +8279,12 @@
       </p:sp>
       <p:sp>
         <p:nvSpPr>
-          <p:cNvPr id="3" name="Content Placeholder 2"/>
-          <p:cNvSpPr>
-            <a:spLocks noGrp="1"/>
-          </p:cNvSpPr>
-          <p:nvPr>
-            <p:ph idx="1"/>
+          <p:cNvPr id="3" name="Text Placeholder 2"/>
+          <p:cNvSpPr>
+            <a:spLocks noGrp="1"/>
+          </p:cNvSpPr>
+          <p:nvPr>
+            <p:ph type="body" sz="half" idx="2"/>
           </p:nvPr>
         </p:nvSpPr>
         <p:spPr/>
@@ -6439,39 +8292,251 @@
           <a:bodyPr/>
           <a:lstStyle/>
           <a:p>
-            <a:endParaRPr lang="en-US"/>
-          </a:p>
-        </p:txBody>
-      </p:sp>
-      <p:sp>
-        <p:nvSpPr>
-          <p:cNvPr id="4" name="Text Placeholder 3"/>
-          <p:cNvSpPr>
-            <a:spLocks noGrp="1"/>
-          </p:cNvSpPr>
-          <p:nvPr>
-            <p:ph type="body" sz="half" idx="2"/>
-          </p:nvPr>
-        </p:nvSpPr>
-        <p:spPr/>
-        <p:txBody>
-          <a:bodyPr/>
-          <a:lstStyle/>
-          <a:p>
             <a:endParaRPr lang="en-US" dirty="0"/>
+          </a:p>
+        </p:txBody>
+      </p:sp>
+      <p:pic>
+        <p:nvPicPr>
+          <p:cNvPr id="5" name="Picture Placeholder 4" descr="d6232682-e0e0-4e01-b792-67cd8fe8ee2f.jpg"/>
+          <p:cNvPicPr>
+            <a:picLocks noGrp="1" noChangeAspect="1"/>
+          </p:cNvPicPr>
+          <p:nvPr>
+            <p:ph type="pic" sz="quarter" idx="13"/>
+          </p:nvPr>
+        </p:nvPicPr>
+        <p:blipFill rotWithShape="1">
+          <a:blip r:embed="rId2">
+            <a:extLst>
+              <a:ext uri="{28A0092B-C50C-407E-A947-70E740481C1C}">
+                <a14:useLocalDpi xmlns:a14="http://schemas.microsoft.com/office/drawing/2010/main" val="0"/>
+              </a:ext>
+            </a:extLst>
+          </a:blip>
+          <a:srcRect l="-14663" t="-1812" r="65336" b="35071"/>
+          <a:stretch/>
+        </p:blipFill>
+        <p:spPr>
+          <a:xfrm>
+            <a:off x="91634" y="1143000"/>
+            <a:ext cx="4267200" cy="4267200"/>
+          </a:xfrm>
+        </p:spPr>
+      </p:pic>
+      <p:sp>
+        <p:nvSpPr>
+          <p:cNvPr id="6" name="Rectangle 5"/>
+          <p:cNvSpPr/>
+          <p:nvPr/>
+        </p:nvSpPr>
+        <p:spPr>
+          <a:xfrm>
+            <a:off x="289273" y="910147"/>
+            <a:ext cx="4087402" cy="923330"/>
+          </a:xfrm>
+          <a:prstGeom prst="rect">
+            <a:avLst/>
+          </a:prstGeom>
+          <a:noFill/>
+        </p:spPr>
+        <p:txBody>
+          <a:bodyPr wrap="none" lIns="91440" tIns="45720" rIns="91440" bIns="45720">
+            <a:spAutoFit/>
+          </a:bodyPr>
+          <a:lstStyle/>
+          <a:p>
+            <a:pPr algn="ctr"/>
+            <a:r>
+              <a:rPr lang="en-US" sz="5400" dirty="0" smtClean="0">
+                <a:ln w="18415" cmpd="sng">
+                  <a:solidFill>
+                    <a:srgbClr val="000000"/>
+                  </a:solidFill>
+                  <a:prstDash val="solid"/>
+                </a:ln>
+                <a:solidFill>
+                  <a:schemeClr val="bg1"/>
+                </a:solidFill>
+                <a:effectLst>
+                  <a:outerShdw blurRad="63500" dir="3600000" algn="tl" rotWithShape="0">
+                    <a:srgbClr val="000000">
+                      <a:alpha val="70000"/>
+                    </a:srgbClr>
+                  </a:outerShdw>
+                </a:effectLst>
+              </a:rPr>
+              <a:t>Code so hard</a:t>
+            </a:r>
+            <a:endParaRPr lang="en-US" sz="5400" dirty="0">
+              <a:ln w="18415" cmpd="sng">
+                <a:solidFill>
+                  <a:srgbClr val="000000"/>
+                </a:solidFill>
+                <a:prstDash val="solid"/>
+              </a:ln>
+              <a:solidFill>
+                <a:schemeClr val="bg1"/>
+              </a:solidFill>
+              <a:effectLst>
+                <a:outerShdw blurRad="63500" dir="3600000" algn="tl" rotWithShape="0">
+                  <a:srgbClr val="000000">
+                    <a:alpha val="70000"/>
+                  </a:srgbClr>
+                </a:outerShdw>
+              </a:effectLst>
+            </a:endParaRPr>
+          </a:p>
+        </p:txBody>
+      </p:sp>
+      <p:sp>
+        <p:nvSpPr>
+          <p:cNvPr id="7" name="Rectangle 6"/>
+          <p:cNvSpPr/>
+          <p:nvPr/>
+        </p:nvSpPr>
+        <p:spPr>
+          <a:xfrm>
+            <a:off x="124602" y="4636304"/>
+            <a:ext cx="4472536" cy="1754327"/>
+          </a:xfrm>
+          <a:prstGeom prst="rect">
+            <a:avLst/>
+          </a:prstGeom>
+          <a:noFill/>
+        </p:spPr>
+        <p:txBody>
+          <a:bodyPr wrap="none" lIns="91440" tIns="45720" rIns="91440" bIns="45720">
+            <a:spAutoFit/>
+          </a:bodyPr>
+          <a:lstStyle/>
+          <a:p>
+            <a:pPr algn="ctr"/>
+            <a:r>
+              <a:rPr lang="en-US" sz="5400" dirty="0" smtClean="0">
+                <a:ln w="18415" cmpd="sng">
+                  <a:solidFill>
+                    <a:srgbClr val="000000"/>
+                  </a:solidFill>
+                  <a:prstDash val="solid"/>
+                </a:ln>
+                <a:solidFill>
+                  <a:schemeClr val="bg1"/>
+                </a:solidFill>
+                <a:effectLst>
+                  <a:outerShdw blurRad="63500" dir="3600000" algn="tl" rotWithShape="0">
+                    <a:srgbClr val="000000">
+                      <a:alpha val="70000"/>
+                    </a:srgbClr>
+                  </a:outerShdw>
+                </a:effectLst>
+              </a:rPr>
+              <a:t>Memes </a:t>
+            </a:r>
+            <a:r>
+              <a:rPr lang="en-US" sz="5400" dirty="0" err="1" smtClean="0">
+                <a:ln w="18415" cmpd="sng">
+                  <a:solidFill>
+                    <a:srgbClr val="000000"/>
+                  </a:solidFill>
+                  <a:prstDash val="solid"/>
+                </a:ln>
+                <a:solidFill>
+                  <a:schemeClr val="bg1"/>
+                </a:solidFill>
+                <a:effectLst>
+                  <a:outerShdw blurRad="63500" dir="3600000" algn="tl" rotWithShape="0">
+                    <a:srgbClr val="000000">
+                      <a:alpha val="70000"/>
+                    </a:srgbClr>
+                  </a:outerShdw>
+                </a:effectLst>
+              </a:rPr>
+              <a:t>wanna</a:t>
+            </a:r>
+            <a:r>
+              <a:rPr lang="en-US" sz="5400" dirty="0" smtClean="0">
+                <a:ln w="18415" cmpd="sng">
+                  <a:solidFill>
+                    <a:srgbClr val="000000"/>
+                  </a:solidFill>
+                  <a:prstDash val="solid"/>
+                </a:ln>
+                <a:solidFill>
+                  <a:schemeClr val="bg1"/>
+                </a:solidFill>
+                <a:effectLst>
+                  <a:outerShdw blurRad="63500" dir="3600000" algn="tl" rotWithShape="0">
+                    <a:srgbClr val="000000">
+                      <a:alpha val="70000"/>
+                    </a:srgbClr>
+                  </a:outerShdw>
+                </a:effectLst>
+              </a:rPr>
+              <a:t> </a:t>
+            </a:r>
+          </a:p>
+          <a:p>
+            <a:pPr algn="ctr"/>
+            <a:r>
+              <a:rPr lang="en-US" sz="5400" dirty="0" smtClean="0">
+                <a:ln w="18415" cmpd="sng">
+                  <a:solidFill>
+                    <a:srgbClr val="000000"/>
+                  </a:solidFill>
+                  <a:prstDash val="solid"/>
+                </a:ln>
+                <a:solidFill>
+                  <a:schemeClr val="bg1"/>
+                </a:solidFill>
+                <a:effectLst>
+                  <a:outerShdw blurRad="63500" dir="3600000" algn="tl" rotWithShape="0">
+                    <a:srgbClr val="000000">
+                      <a:alpha val="70000"/>
+                    </a:srgbClr>
+                  </a:outerShdw>
+                </a:effectLst>
+              </a:rPr>
+              <a:t>find me</a:t>
+            </a:r>
+            <a:endParaRPr lang="en-US" sz="5400" dirty="0">
+              <a:ln w="18415" cmpd="sng">
+                <a:solidFill>
+                  <a:srgbClr val="000000"/>
+                </a:solidFill>
+                <a:prstDash val="solid"/>
+              </a:ln>
+              <a:solidFill>
+                <a:schemeClr val="bg1"/>
+              </a:solidFill>
+              <a:effectLst>
+                <a:outerShdw blurRad="63500" dir="3600000" algn="tl" rotWithShape="0">
+                  <a:srgbClr val="000000">
+                    <a:alpha val="70000"/>
+                  </a:srgbClr>
+                </a:outerShdw>
+              </a:effectLst>
+            </a:endParaRPr>
           </a:p>
         </p:txBody>
       </p:sp>
     </p:spTree>
     <p:extLst>
       <p:ext uri="{BB962C8B-B14F-4D97-AF65-F5344CB8AC3E}">
-        <p14:creationId xmlns:p14="http://schemas.microsoft.com/office/powerpoint/2010/main" val="3221094261"/>
+        <p14:creationId xmlns:p14="http://schemas.microsoft.com/office/powerpoint/2010/main" val="3449459019"/>
       </p:ext>
     </p:extLst>
   </p:cSld>
   <p:clrMapOvr>
     <a:masterClrMapping/>
   </p:clrMapOvr>
+  <p:timing>
+    <p:tnLst>
+      <p:par>
+        <p:cTn xmlns:p14="http://schemas.microsoft.com/office/powerpoint/2010/main" id="1" dur="indefinite" restart="never" nodeType="tmRoot"/>
+      </p:par>
+    </p:tnLst>
+  </p:timing>
 </p:sld>
 </file>
 
@@ -6494,58 +8559,287 @@
       </p:grpSpPr>
       <p:sp>
         <p:nvSpPr>
-          <p:cNvPr id="3" name="Title 1"/>
-          <p:cNvSpPr txBox="1">
-            <a:spLocks/>
-          </p:cNvSpPr>
-          <p:nvPr/>
-        </p:nvSpPr>
+          <p:cNvPr id="2" name="Title 1"/>
+          <p:cNvSpPr>
+            <a:spLocks noGrp="1"/>
+          </p:cNvSpPr>
+          <p:nvPr>
+            <p:ph type="title"/>
+          </p:nvPr>
+        </p:nvSpPr>
+        <p:spPr/>
+        <p:txBody>
+          <a:bodyPr/>
+          <a:lstStyle/>
+          <a:p>
+            <a:r>
+              <a:rPr lang="en-US" dirty="0" smtClean="0"/>
+              <a:t>Overview of Project</a:t>
+            </a:r>
+            <a:endParaRPr lang="en-US" dirty="0"/>
+          </a:p>
+        </p:txBody>
+      </p:sp>
+      <p:sp>
+        <p:nvSpPr>
+          <p:cNvPr id="3" name="Text Placeholder 2"/>
+          <p:cNvSpPr>
+            <a:spLocks noGrp="1"/>
+          </p:cNvSpPr>
+          <p:nvPr>
+            <p:ph type="body" sz="half" idx="2"/>
+          </p:nvPr>
+        </p:nvSpPr>
+        <p:spPr/>
+        <p:txBody>
+          <a:bodyPr/>
+          <a:lstStyle/>
+          <a:p>
+            <a:endParaRPr lang="en-US" dirty="0"/>
+          </a:p>
+        </p:txBody>
+      </p:sp>
+      <p:pic>
+        <p:nvPicPr>
+          <p:cNvPr id="5" name="Picture Placeholder 4" descr="d6232682-e0e0-4e01-b792-67cd8fe8ee2f.jpg"/>
+          <p:cNvPicPr>
+            <a:picLocks noGrp="1" noChangeAspect="1"/>
+          </p:cNvPicPr>
+          <p:nvPr>
+            <p:ph type="pic" sz="quarter" idx="13"/>
+          </p:nvPr>
+        </p:nvPicPr>
+        <p:blipFill rotWithShape="1">
+          <a:blip r:embed="rId2">
+            <a:extLst>
+              <a:ext uri="{28A0092B-C50C-407E-A947-70E740481C1C}">
+                <a14:useLocalDpi xmlns:a14="http://schemas.microsoft.com/office/drawing/2010/main" val="0"/>
+              </a:ext>
+            </a:extLst>
+          </a:blip>
+          <a:srcRect l="-5819" t="9005" r="81277" b="56090"/>
+          <a:stretch/>
+        </p:blipFill>
         <p:spPr>
           <a:xfrm>
-            <a:off x="1900752" y="1989768"/>
-            <a:ext cx="5271254" cy="1920195"/>
+            <a:off x="91634" y="1143000"/>
+            <a:ext cx="4267200" cy="4267200"/>
+          </a:xfrm>
+        </p:spPr>
+      </p:pic>
+      <p:sp>
+        <p:nvSpPr>
+          <p:cNvPr id="6" name="Rectangle 5"/>
+          <p:cNvSpPr/>
+          <p:nvPr/>
+        </p:nvSpPr>
+        <p:spPr>
+          <a:xfrm>
+            <a:off x="289273" y="910147"/>
+            <a:ext cx="4087402" cy="923330"/>
           </a:xfrm>
           <a:prstGeom prst="rect">
             <a:avLst/>
           </a:prstGeom>
+          <a:noFill/>
         </p:spPr>
         <p:txBody>
-          <a:bodyPr/>
-          <a:lstStyle>
-            <a:lvl1pPr algn="ctr" defTabSz="914400" rtl="0" eaLnBrk="1" latinLnBrk="0" hangingPunct="1">
-              <a:spcBef>
-                <a:spcPct val="0"/>
-              </a:spcBef>
-              <a:buNone/>
-              <a:defRPr sz="4600" kern="1200">
+          <a:bodyPr wrap="none" lIns="91440" tIns="45720" rIns="91440" bIns="45720">
+            <a:spAutoFit/>
+          </a:bodyPr>
+          <a:lstStyle/>
+          <a:p>
+            <a:pPr algn="ctr"/>
+            <a:r>
+              <a:rPr lang="en-US" sz="5400" dirty="0" smtClean="0">
+                <a:ln w="18415" cmpd="sng">
+                  <a:solidFill>
+                    <a:srgbClr val="000000"/>
+                  </a:solidFill>
+                  <a:prstDash val="solid"/>
+                </a:ln>
                 <a:solidFill>
                   <a:schemeClr val="bg1"/>
                 </a:solidFill>
-                <a:latin typeface="+mj-lt"/>
-                <a:ea typeface="+mj-ea"/>
-                <a:cs typeface="+mj-cs"/>
-              </a:defRPr>
-            </a:lvl1pPr>
-          </a:lstStyle>
-          <a:p>
-            <a:r>
-              <a:rPr lang="en-US" sz="8000" dirty="0" smtClean="0"/>
-              <a:t>Questions?</a:t>
-            </a:r>
-            <a:endParaRPr lang="en-US" sz="8000" dirty="0"/>
+                <a:effectLst>
+                  <a:outerShdw blurRad="63500" dir="3600000" algn="tl" rotWithShape="0">
+                    <a:srgbClr val="000000">
+                      <a:alpha val="70000"/>
+                    </a:srgbClr>
+                  </a:outerShdw>
+                </a:effectLst>
+              </a:rPr>
+              <a:t>Code so hard</a:t>
+            </a:r>
+            <a:endParaRPr lang="en-US" sz="5400" dirty="0">
+              <a:ln w="18415" cmpd="sng">
+                <a:solidFill>
+                  <a:srgbClr val="000000"/>
+                </a:solidFill>
+                <a:prstDash val="solid"/>
+              </a:ln>
+              <a:solidFill>
+                <a:schemeClr val="bg1"/>
+              </a:solidFill>
+              <a:effectLst>
+                <a:outerShdw blurRad="63500" dir="3600000" algn="tl" rotWithShape="0">
+                  <a:srgbClr val="000000">
+                    <a:alpha val="70000"/>
+                  </a:srgbClr>
+                </a:outerShdw>
+              </a:effectLst>
+            </a:endParaRPr>
+          </a:p>
+        </p:txBody>
+      </p:sp>
+      <p:sp>
+        <p:nvSpPr>
+          <p:cNvPr id="7" name="Rectangle 6"/>
+          <p:cNvSpPr/>
+          <p:nvPr/>
+        </p:nvSpPr>
+        <p:spPr>
+          <a:xfrm>
+            <a:off x="124602" y="4636304"/>
+            <a:ext cx="4472536" cy="1754327"/>
+          </a:xfrm>
+          <a:prstGeom prst="rect">
+            <a:avLst/>
+          </a:prstGeom>
+          <a:noFill/>
+        </p:spPr>
+        <p:txBody>
+          <a:bodyPr wrap="none" lIns="91440" tIns="45720" rIns="91440" bIns="45720">
+            <a:spAutoFit/>
+          </a:bodyPr>
+          <a:lstStyle/>
+          <a:p>
+            <a:pPr algn="ctr"/>
+            <a:r>
+              <a:rPr lang="en-US" sz="5400" dirty="0" smtClean="0">
+                <a:ln w="18415" cmpd="sng">
+                  <a:solidFill>
+                    <a:srgbClr val="000000"/>
+                  </a:solidFill>
+                  <a:prstDash val="solid"/>
+                </a:ln>
+                <a:solidFill>
+                  <a:schemeClr val="bg1"/>
+                </a:solidFill>
+                <a:effectLst>
+                  <a:outerShdw blurRad="63500" dir="3600000" algn="tl" rotWithShape="0">
+                    <a:srgbClr val="000000">
+                      <a:alpha val="70000"/>
+                    </a:srgbClr>
+                  </a:outerShdw>
+                </a:effectLst>
+              </a:rPr>
+              <a:t>Memes </a:t>
+            </a:r>
+            <a:r>
+              <a:rPr lang="en-US" sz="5400" dirty="0" err="1" smtClean="0">
+                <a:ln w="18415" cmpd="sng">
+                  <a:solidFill>
+                    <a:srgbClr val="000000"/>
+                  </a:solidFill>
+                  <a:prstDash val="solid"/>
+                </a:ln>
+                <a:solidFill>
+                  <a:schemeClr val="bg1"/>
+                </a:solidFill>
+                <a:effectLst>
+                  <a:outerShdw blurRad="63500" dir="3600000" algn="tl" rotWithShape="0">
+                    <a:srgbClr val="000000">
+                      <a:alpha val="70000"/>
+                    </a:srgbClr>
+                  </a:outerShdw>
+                </a:effectLst>
+              </a:rPr>
+              <a:t>wanna</a:t>
+            </a:r>
+            <a:r>
+              <a:rPr lang="en-US" sz="5400" dirty="0" smtClean="0">
+                <a:ln w="18415" cmpd="sng">
+                  <a:solidFill>
+                    <a:srgbClr val="000000"/>
+                  </a:solidFill>
+                  <a:prstDash val="solid"/>
+                </a:ln>
+                <a:solidFill>
+                  <a:schemeClr val="bg1"/>
+                </a:solidFill>
+                <a:effectLst>
+                  <a:outerShdw blurRad="63500" dir="3600000" algn="tl" rotWithShape="0">
+                    <a:srgbClr val="000000">
+                      <a:alpha val="70000"/>
+                    </a:srgbClr>
+                  </a:outerShdw>
+                </a:effectLst>
+              </a:rPr>
+              <a:t> </a:t>
+            </a:r>
+          </a:p>
+          <a:p>
+            <a:pPr algn="ctr"/>
+            <a:r>
+              <a:rPr lang="en-US" sz="5400" dirty="0" smtClean="0">
+                <a:ln w="18415" cmpd="sng">
+                  <a:solidFill>
+                    <a:srgbClr val="000000"/>
+                  </a:solidFill>
+                  <a:prstDash val="solid"/>
+                </a:ln>
+                <a:solidFill>
+                  <a:schemeClr val="bg1"/>
+                </a:solidFill>
+                <a:effectLst>
+                  <a:outerShdw blurRad="63500" dir="3600000" algn="tl" rotWithShape="0">
+                    <a:srgbClr val="000000">
+                      <a:alpha val="70000"/>
+                    </a:srgbClr>
+                  </a:outerShdw>
+                </a:effectLst>
+              </a:rPr>
+              <a:t>find me</a:t>
+            </a:r>
+            <a:endParaRPr lang="en-US" sz="5400" dirty="0">
+              <a:ln w="18415" cmpd="sng">
+                <a:solidFill>
+                  <a:srgbClr val="000000"/>
+                </a:solidFill>
+                <a:prstDash val="solid"/>
+              </a:ln>
+              <a:solidFill>
+                <a:schemeClr val="bg1"/>
+              </a:solidFill>
+              <a:effectLst>
+                <a:outerShdw blurRad="63500" dir="3600000" algn="tl" rotWithShape="0">
+                  <a:srgbClr val="000000">
+                    <a:alpha val="70000"/>
+                  </a:srgbClr>
+                </a:outerShdw>
+              </a:effectLst>
+            </a:endParaRPr>
           </a:p>
         </p:txBody>
       </p:sp>
     </p:spTree>
     <p:extLst>
       <p:ext uri="{BB962C8B-B14F-4D97-AF65-F5344CB8AC3E}">
-        <p14:creationId xmlns:p14="http://schemas.microsoft.com/office/powerpoint/2010/main" val="1236002029"/>
+        <p14:creationId xmlns:p14="http://schemas.microsoft.com/office/powerpoint/2010/main" val="3224320462"/>
       </p:ext>
     </p:extLst>
   </p:cSld>
   <p:clrMapOvr>
     <a:masterClrMapping/>
   </p:clrMapOvr>
+  <p:timing>
+    <p:tnLst>
+      <p:par>
+        <p:cTn xmlns:p14="http://schemas.microsoft.com/office/powerpoint/2010/main" id="1" dur="indefinite" restart="never" nodeType="tmRoot"/>
+      </p:par>
+    </p:tnLst>
+  </p:timing>
 </p:sld>
 </file>
 

--- a/Presentation/Project Presentation.pptx
+++ b/Presentation/Project Presentation.pptx
@@ -319,7 +319,7 @@
           <a:p>
             <a:fld id="{679BC7E7-EA8E-4DA7-915E-CC098D9BADCB}" type="datetimeFigureOut">
               <a:rPr lang="en-US" smtClean="0"/>
-              <a:t>3/8/16</a:t>
+              <a:t>3/10/16</a:t>
             </a:fld>
             <a:endParaRPr lang="en-US"/>
           </a:p>
@@ -448,7 +448,7 @@
           <a:p>
             <a:fld id="{679BC7E7-EA8E-4DA7-915E-CC098D9BADCB}" type="datetimeFigureOut">
               <a:rPr lang="en-US" smtClean="0"/>
-              <a:t>3/8/16</a:t>
+              <a:t>3/10/16</a:t>
             </a:fld>
             <a:endParaRPr lang="en-US"/>
           </a:p>
@@ -781,7 +781,7 @@
           <a:p>
             <a:fld id="{679BC7E7-EA8E-4DA7-915E-CC098D9BADCB}" type="datetimeFigureOut">
               <a:rPr lang="en-US" smtClean="0"/>
-              <a:t>3/8/16</a:t>
+              <a:t>3/10/16</a:t>
             </a:fld>
             <a:endParaRPr lang="en-US"/>
           </a:p>
@@ -1006,7 +1006,7 @@
           <a:p>
             <a:fld id="{679BC7E7-EA8E-4DA7-915E-CC098D9BADCB}" type="datetimeFigureOut">
               <a:rPr lang="en-US" smtClean="0"/>
-              <a:t>3/8/16</a:t>
+              <a:t>3/10/16</a:t>
             </a:fld>
             <a:endParaRPr lang="en-US"/>
           </a:p>
@@ -1276,7 +1276,7 @@
           <a:p>
             <a:fld id="{679BC7E7-EA8E-4DA7-915E-CC098D9BADCB}" type="datetimeFigureOut">
               <a:rPr lang="en-US" smtClean="0"/>
-              <a:t>3/8/16</a:t>
+              <a:t>3/10/16</a:t>
             </a:fld>
             <a:endParaRPr lang="en-US"/>
           </a:p>
@@ -1629,7 +1629,7 @@
           <a:p>
             <a:fld id="{679BC7E7-EA8E-4DA7-915E-CC098D9BADCB}" type="datetimeFigureOut">
               <a:rPr lang="en-US" smtClean="0"/>
-              <a:t>3/8/16</a:t>
+              <a:t>3/10/16</a:t>
             </a:fld>
             <a:endParaRPr lang="en-US"/>
           </a:p>
@@ -1850,7 +1850,7 @@
           <a:p>
             <a:fld id="{679BC7E7-EA8E-4DA7-915E-CC098D9BADCB}" type="datetimeFigureOut">
               <a:rPr lang="en-US" smtClean="0"/>
-              <a:t>3/8/16</a:t>
+              <a:t>3/10/16</a:t>
             </a:fld>
             <a:endParaRPr lang="en-US"/>
           </a:p>
@@ -1954,7 +1954,7 @@
           <a:p>
             <a:fld id="{679BC7E7-EA8E-4DA7-915E-CC098D9BADCB}" type="datetimeFigureOut">
               <a:rPr lang="en-US" smtClean="0"/>
-              <a:t>3/8/16</a:t>
+              <a:t>3/10/16</a:t>
             </a:fld>
             <a:endParaRPr lang="en-US"/>
           </a:p>
@@ -2151,7 +2151,7 @@
           <a:p>
             <a:fld id="{679BC7E7-EA8E-4DA7-915E-CC098D9BADCB}" type="datetimeFigureOut">
               <a:rPr lang="en-US" smtClean="0"/>
-              <a:t>3/8/16</a:t>
+              <a:t>3/10/16</a:t>
             </a:fld>
             <a:endParaRPr lang="en-US"/>
           </a:p>
@@ -2415,7 +2415,7 @@
           <a:p>
             <a:fld id="{679BC7E7-EA8E-4DA7-915E-CC098D9BADCB}" type="datetimeFigureOut">
               <a:rPr lang="en-US" smtClean="0"/>
-              <a:t>3/8/16</a:t>
+              <a:t>3/10/16</a:t>
             </a:fld>
             <a:endParaRPr lang="en-US"/>
           </a:p>
@@ -2805,7 +2805,7 @@
           <a:p>
             <a:fld id="{679BC7E7-EA8E-4DA7-915E-CC098D9BADCB}" type="datetimeFigureOut">
               <a:rPr lang="en-US" smtClean="0"/>
-              <a:t>3/8/16</a:t>
+              <a:t>3/10/16</a:t>
             </a:fld>
             <a:endParaRPr lang="en-US"/>
           </a:p>
@@ -3302,7 +3302,7 @@
           <a:p>
             <a:fld id="{679BC7E7-EA8E-4DA7-915E-CC098D9BADCB}" type="datetimeFigureOut">
               <a:rPr lang="en-US" smtClean="0"/>
-              <a:t>3/8/16</a:t>
+              <a:t>3/10/16</a:t>
             </a:fld>
             <a:endParaRPr lang="en-US"/>
           </a:p>
@@ -3528,7 +3528,7 @@
           <a:p>
             <a:fld id="{679BC7E7-EA8E-4DA7-915E-CC098D9BADCB}" type="datetimeFigureOut">
               <a:rPr lang="en-US" smtClean="0"/>
-              <a:t>3/8/16</a:t>
+              <a:t>3/10/16</a:t>
             </a:fld>
             <a:endParaRPr lang="en-US"/>
           </a:p>
@@ -3867,7 +3867,7 @@
           <a:p>
             <a:fld id="{679BC7E7-EA8E-4DA7-915E-CC098D9BADCB}" type="datetimeFigureOut">
               <a:rPr lang="en-US" smtClean="0"/>
-              <a:t>3/8/16</a:t>
+              <a:t>3/10/16</a:t>
             </a:fld>
             <a:endParaRPr lang="en-US"/>
           </a:p>
@@ -4319,7 +4319,7 @@
           <a:p>
             <a:fld id="{679BC7E7-EA8E-4DA7-915E-CC098D9BADCB}" type="datetimeFigureOut">
               <a:rPr lang="en-US" smtClean="0"/>
-              <a:t>3/8/16</a:t>
+              <a:t>3/10/16</a:t>
             </a:fld>
             <a:endParaRPr lang="en-US"/>
           </a:p>
@@ -4902,7 +4902,7 @@
           <a:p>
             <a:fld id="{679BC7E7-EA8E-4DA7-915E-CC098D9BADCB}" type="datetimeFigureOut">
               <a:rPr lang="en-US" smtClean="0"/>
-              <a:t>3/8/16</a:t>
+              <a:t>3/10/16</a:t>
             </a:fld>
             <a:endParaRPr lang="en-US"/>
           </a:p>
@@ -5139,7 +5139,7 @@
           <a:p>
             <a:fld id="{679BC7E7-EA8E-4DA7-915E-CC098D9BADCB}" type="datetimeFigureOut">
               <a:rPr lang="en-US" smtClean="0"/>
-              <a:t>3/8/16</a:t>
+              <a:t>3/10/16</a:t>
             </a:fld>
             <a:endParaRPr lang="en-US"/>
           </a:p>
@@ -5636,12 +5636,49 @@
           </a:xfrm>
         </p:spPr>
         <p:txBody>
-          <a:bodyPr/>
-          <a:lstStyle/>
-          <a:p>
-            <a:r>
-              <a:rPr lang="en-US" dirty="0" smtClean="0"/>
-              <a:t>char broiled; group members:</a:t>
+          <a:bodyPr>
+            <a:normAutofit/>
+          </a:bodyPr>
+          <a:lstStyle/>
+          <a:p>
+            <a:r>
+              <a:rPr lang="en-US" dirty="0" smtClean="0"/>
+              <a:t>Brough</a:t>
+            </a:r>
+            <a:r>
+              <a:rPr lang="en-US" dirty="0" smtClean="0"/>
+              <a:t>t to you by: </a:t>
+            </a:r>
+            <a:r>
+              <a:rPr lang="en-US" dirty="0" smtClean="0"/>
+              <a:t>char </a:t>
+            </a:r>
+            <a:r>
+              <a:rPr lang="en-US" dirty="0" smtClean="0"/>
+              <a:t>broiled; </a:t>
+            </a:r>
+            <a:endParaRPr lang="en-US" dirty="0" smtClean="0"/>
+          </a:p>
+          <a:p>
+            <a:r>
+              <a:rPr lang="en-US" dirty="0"/>
+              <a:t>G</a:t>
+            </a:r>
+            <a:r>
+              <a:rPr lang="en-US" dirty="0" smtClean="0"/>
+              <a:t>roup </a:t>
+            </a:r>
+            <a:r>
+              <a:rPr lang="en-US" dirty="0"/>
+              <a:t>M</a:t>
+            </a:r>
+            <a:r>
+              <a:rPr lang="en-US" dirty="0" smtClean="0"/>
+              <a:t>embers</a:t>
+            </a:r>
+            <a:r>
+              <a:rPr lang="en-US" dirty="0" smtClean="0"/>
+              <a:t>:</a:t>
             </a:r>
           </a:p>
           <a:p>
@@ -5691,7 +5728,7 @@
         </p:blipFill>
         <p:spPr>
           <a:xfrm>
-            <a:off x="3025691" y="3433383"/>
+            <a:off x="3025691" y="3570355"/>
             <a:ext cx="3100865" cy="3100865"/>
           </a:xfrm>
           <a:prstGeom prst="rect">
@@ -5915,7 +5952,11 @@
           <a:p>
             <a:r>
               <a:rPr lang="en-US" dirty="0" smtClean="0"/>
-              <a:t>Chat Client</a:t>
+              <a:t>Chat </a:t>
+            </a:r>
+            <a:r>
+              <a:rPr lang="en-US" dirty="0" smtClean="0"/>
+              <a:t>Server/Client</a:t>
             </a:r>
             <a:endParaRPr lang="en-US" dirty="0"/>
           </a:p>
@@ -6469,10 +6510,63 @@
         </p:nvSpPr>
         <p:spPr/>
         <p:txBody>
-          <a:bodyPr/>
-          <a:lstStyle/>
-          <a:p>
-            <a:endParaRPr lang="en-US" dirty="0"/>
+          <a:bodyPr>
+            <a:normAutofit/>
+          </a:bodyPr>
+          <a:lstStyle/>
+          <a:p>
+            <a:pPr marL="342900" indent="-342900">
+              <a:buFont typeface="Arial"/>
+              <a:buChar char="•"/>
+            </a:pPr>
+            <a:r>
+              <a:rPr lang="en-US" sz="2800" dirty="0" smtClean="0"/>
+              <a:t>Server/Client Chat</a:t>
+            </a:r>
+          </a:p>
+          <a:p>
+            <a:pPr marL="342900" indent="-342900">
+              <a:buFont typeface="Arial"/>
+              <a:buChar char="•"/>
+            </a:pPr>
+            <a:r>
+              <a:rPr lang="en-US" sz="2800" dirty="0" smtClean="0"/>
+              <a:t>Encryption </a:t>
+            </a:r>
+          </a:p>
+          <a:p>
+            <a:pPr marL="342900" indent="-342900">
+              <a:buFont typeface="Arial"/>
+              <a:buChar char="•"/>
+            </a:pPr>
+            <a:r>
+              <a:rPr lang="en-US" sz="2800" dirty="0" smtClean="0"/>
+              <a:t>Meme-</a:t>
+            </a:r>
+            <a:r>
+              <a:rPr lang="en-US" sz="2800" dirty="0" err="1" smtClean="0"/>
+              <a:t>afy</a:t>
+            </a:r>
+            <a:endParaRPr lang="en-US" sz="2800" dirty="0" smtClean="0"/>
+          </a:p>
+          <a:p>
+            <a:pPr marL="342900" indent="-342900">
+              <a:buFont typeface="Arial"/>
+              <a:buChar char="•"/>
+            </a:pPr>
+            <a:r>
+              <a:rPr lang="en-US" sz="2800" dirty="0" err="1" smtClean="0"/>
+              <a:t>Qt</a:t>
+            </a:r>
+            <a:r>
+              <a:rPr lang="en-US" sz="2800" dirty="0" smtClean="0"/>
+              <a:t> </a:t>
+            </a:r>
+            <a:r>
+              <a:rPr lang="en-US" sz="2800" dirty="0" err="1" smtClean="0"/>
+              <a:t>Gui</a:t>
+            </a:r>
+            <a:endParaRPr lang="en-US" sz="2800" dirty="0"/>
           </a:p>
         </p:txBody>
       </p:sp>
@@ -6762,25 +6856,6 @@
           </a:p>
         </p:txBody>
       </p:sp>
-      <p:sp>
-        <p:nvSpPr>
-          <p:cNvPr id="3" name="Text Placeholder 2"/>
-          <p:cNvSpPr>
-            <a:spLocks noGrp="1"/>
-          </p:cNvSpPr>
-          <p:nvPr>
-            <p:ph type="body" sz="half" idx="2"/>
-          </p:nvPr>
-        </p:nvSpPr>
-        <p:spPr/>
-        <p:txBody>
-          <a:bodyPr/>
-          <a:lstStyle/>
-          <a:p>
-            <a:endParaRPr lang="en-US" dirty="0"/>
-          </a:p>
-        </p:txBody>
-      </p:sp>
       <p:pic>
         <p:nvPicPr>
           <p:cNvPr id="5" name="Picture Placeholder 4" descr="d6232682-e0e0-4e01-b792-67cd8fe8ee2f.jpg"/>
@@ -7002,6 +7077,78 @@
                 </a:outerShdw>
               </a:effectLst>
             </a:endParaRPr>
+          </a:p>
+        </p:txBody>
+      </p:sp>
+      <p:sp>
+        <p:nvSpPr>
+          <p:cNvPr id="8" name="Text Placeholder 2"/>
+          <p:cNvSpPr>
+            <a:spLocks noGrp="1"/>
+          </p:cNvSpPr>
+          <p:nvPr>
+            <p:ph type="body" sz="half" idx="2"/>
+          </p:nvPr>
+        </p:nvSpPr>
+        <p:spPr/>
+        <p:txBody>
+          <a:bodyPr>
+            <a:normAutofit/>
+          </a:bodyPr>
+          <a:lstStyle/>
+          <a:p>
+            <a:pPr marL="342900" indent="-342900">
+              <a:buFont typeface="Arial"/>
+              <a:buChar char="•"/>
+            </a:pPr>
+            <a:r>
+              <a:rPr lang="en-US" sz="2800" dirty="0" smtClean="0"/>
+              <a:t>Server/Client Chat</a:t>
+            </a:r>
+          </a:p>
+          <a:p>
+            <a:pPr marL="342900" indent="-342900">
+              <a:buFont typeface="Arial"/>
+              <a:buChar char="•"/>
+            </a:pPr>
+            <a:r>
+              <a:rPr lang="en-US" sz="2800" dirty="0" smtClean="0"/>
+              <a:t>Encryption </a:t>
+            </a:r>
+          </a:p>
+          <a:p>
+            <a:pPr marL="342900" indent="-342900">
+              <a:buFont typeface="Arial"/>
+              <a:buChar char="•"/>
+            </a:pPr>
+            <a:r>
+              <a:rPr lang="en-US" sz="2800" dirty="0" smtClean="0"/>
+              <a:t>Meme-</a:t>
+            </a:r>
+            <a:r>
+              <a:rPr lang="en-US" sz="2800" dirty="0" err="1" smtClean="0"/>
+              <a:t>afy</a:t>
+            </a:r>
+            <a:endParaRPr lang="en-US" sz="2800" dirty="0" smtClean="0"/>
+          </a:p>
+          <a:p>
+            <a:pPr marL="342900" indent="-342900">
+              <a:buFont typeface="Arial"/>
+              <a:buChar char="•"/>
+            </a:pPr>
+            <a:r>
+              <a:rPr lang="en-US" sz="2800" dirty="0" err="1" smtClean="0"/>
+              <a:t>Qt</a:t>
+            </a:r>
+            <a:r>
+              <a:rPr lang="en-US" sz="2800" dirty="0" smtClean="0"/>
+              <a:t> </a:t>
+            </a:r>
+            <a:r>
+              <a:rPr lang="en-US" sz="2800" dirty="0" err="1" smtClean="0"/>
+              <a:t>Gui</a:t>
+            </a:r>
+            <a:endParaRPr lang="en-US" sz="2800" dirty="0"/>
           </a:p>
         </p:txBody>
       </p:sp>
@@ -7065,25 +7212,6 @@
           </a:p>
         </p:txBody>
       </p:sp>
-      <p:sp>
-        <p:nvSpPr>
-          <p:cNvPr id="3" name="Text Placeholder 2"/>
-          <p:cNvSpPr>
-            <a:spLocks noGrp="1"/>
-          </p:cNvSpPr>
-          <p:nvPr>
-            <p:ph type="body" sz="half" idx="2"/>
-          </p:nvPr>
-        </p:nvSpPr>
-        <p:spPr/>
-        <p:txBody>
-          <a:bodyPr/>
-          <a:lstStyle/>
-          <a:p>
-            <a:endParaRPr lang="en-US" dirty="0"/>
-          </a:p>
-        </p:txBody>
-      </p:sp>
       <p:pic>
         <p:nvPicPr>
           <p:cNvPr id="5" name="Picture Placeholder 4" descr="d6232682-e0e0-4e01-b792-67cd8fe8ee2f.jpg"/>
@@ -7305,6 +7433,78 @@
                 </a:outerShdw>
               </a:effectLst>
             </a:endParaRPr>
+          </a:p>
+        </p:txBody>
+      </p:sp>
+      <p:sp>
+        <p:nvSpPr>
+          <p:cNvPr id="9" name="Text Placeholder 2"/>
+          <p:cNvSpPr>
+            <a:spLocks noGrp="1"/>
+          </p:cNvSpPr>
+          <p:nvPr>
+            <p:ph type="body" sz="half" idx="2"/>
+          </p:nvPr>
+        </p:nvSpPr>
+        <p:spPr/>
+        <p:txBody>
+          <a:bodyPr>
+            <a:normAutofit/>
+          </a:bodyPr>
+          <a:lstStyle/>
+          <a:p>
+            <a:pPr marL="342900" indent="-342900">
+              <a:buFont typeface="Arial"/>
+              <a:buChar char="•"/>
+            </a:pPr>
+            <a:r>
+              <a:rPr lang="en-US" sz="2800" dirty="0" smtClean="0"/>
+              <a:t>Server/Client Chat</a:t>
+            </a:r>
+          </a:p>
+          <a:p>
+            <a:pPr marL="342900" indent="-342900">
+              <a:buFont typeface="Arial"/>
+              <a:buChar char="•"/>
+            </a:pPr>
+            <a:r>
+              <a:rPr lang="en-US" sz="2800" dirty="0" smtClean="0"/>
+              <a:t>Encryption </a:t>
+            </a:r>
+          </a:p>
+          <a:p>
+            <a:pPr marL="342900" indent="-342900">
+              <a:buFont typeface="Arial"/>
+              <a:buChar char="•"/>
+            </a:pPr>
+            <a:r>
+              <a:rPr lang="en-US" sz="2800" dirty="0" smtClean="0"/>
+              <a:t>Meme-</a:t>
+            </a:r>
+            <a:r>
+              <a:rPr lang="en-US" sz="2800" dirty="0" err="1" smtClean="0"/>
+              <a:t>afy</a:t>
+            </a:r>
+            <a:endParaRPr lang="en-US" sz="2800" dirty="0" smtClean="0"/>
+          </a:p>
+          <a:p>
+            <a:pPr marL="342900" indent="-342900">
+              <a:buFont typeface="Arial"/>
+              <a:buChar char="•"/>
+            </a:pPr>
+            <a:r>
+              <a:rPr lang="en-US" sz="2800" dirty="0" err="1" smtClean="0"/>
+              <a:t>Qt</a:t>
+            </a:r>
+            <a:r>
+              <a:rPr lang="en-US" sz="2800" dirty="0" smtClean="0"/>
+              <a:t> </a:t>
+            </a:r>
+            <a:r>
+              <a:rPr lang="en-US" sz="2800" dirty="0" err="1" smtClean="0"/>
+              <a:t>Gui</a:t>
+            </a:r>
+            <a:endParaRPr lang="en-US" sz="2800" dirty="0"/>
           </a:p>
         </p:txBody>
       </p:sp>
@@ -7368,25 +7568,6 @@
           </a:p>
         </p:txBody>
       </p:sp>
-      <p:sp>
-        <p:nvSpPr>
-          <p:cNvPr id="3" name="Text Placeholder 2"/>
-          <p:cNvSpPr>
-            <a:spLocks noGrp="1"/>
-          </p:cNvSpPr>
-          <p:nvPr>
-            <p:ph type="body" sz="half" idx="2"/>
-          </p:nvPr>
-        </p:nvSpPr>
-        <p:spPr/>
-        <p:txBody>
-          <a:bodyPr/>
-          <a:lstStyle/>
-          <a:p>
-            <a:endParaRPr lang="en-US" dirty="0"/>
-          </a:p>
-        </p:txBody>
-      </p:sp>
       <p:pic>
         <p:nvPicPr>
           <p:cNvPr id="5" name="Picture Placeholder 4" descr="d6232682-e0e0-4e01-b792-67cd8fe8ee2f.jpg"/>
@@ -7608,6 +7789,78 @@
                 </a:outerShdw>
               </a:effectLst>
             </a:endParaRPr>
+          </a:p>
+        </p:txBody>
+      </p:sp>
+      <p:sp>
+        <p:nvSpPr>
+          <p:cNvPr id="8" name="Text Placeholder 2"/>
+          <p:cNvSpPr>
+            <a:spLocks noGrp="1"/>
+          </p:cNvSpPr>
+          <p:nvPr>
+            <p:ph type="body" sz="half" idx="2"/>
+          </p:nvPr>
+        </p:nvSpPr>
+        <p:spPr/>
+        <p:txBody>
+          <a:bodyPr>
+            <a:normAutofit/>
+          </a:bodyPr>
+          <a:lstStyle/>
+          <a:p>
+            <a:pPr marL="342900" indent="-342900">
+              <a:buFont typeface="Arial"/>
+              <a:buChar char="•"/>
+            </a:pPr>
+            <a:r>
+              <a:rPr lang="en-US" sz="2800" dirty="0" smtClean="0"/>
+              <a:t>Server/Client Chat</a:t>
+            </a:r>
+          </a:p>
+          <a:p>
+            <a:pPr marL="342900" indent="-342900">
+              <a:buFont typeface="Arial"/>
+              <a:buChar char="•"/>
+            </a:pPr>
+            <a:r>
+              <a:rPr lang="en-US" sz="2800" dirty="0" smtClean="0"/>
+              <a:t>Encryption </a:t>
+            </a:r>
+          </a:p>
+          <a:p>
+            <a:pPr marL="342900" indent="-342900">
+              <a:buFont typeface="Arial"/>
+              <a:buChar char="•"/>
+            </a:pPr>
+            <a:r>
+              <a:rPr lang="en-US" sz="2800" dirty="0" smtClean="0"/>
+              <a:t>Meme-</a:t>
+            </a:r>
+            <a:r>
+              <a:rPr lang="en-US" sz="2800" dirty="0" err="1" smtClean="0"/>
+              <a:t>afy</a:t>
+            </a:r>
+            <a:endParaRPr lang="en-US" sz="2800" dirty="0" smtClean="0"/>
+          </a:p>
+          <a:p>
+            <a:pPr marL="342900" indent="-342900">
+              <a:buFont typeface="Arial"/>
+              <a:buChar char="•"/>
+            </a:pPr>
+            <a:r>
+              <a:rPr lang="en-US" sz="2800" dirty="0" err="1" smtClean="0"/>
+              <a:t>Qt</a:t>
+            </a:r>
+            <a:r>
+              <a:rPr lang="en-US" sz="2800" dirty="0" smtClean="0"/>
+              <a:t> </a:t>
+            </a:r>
+            <a:r>
+              <a:rPr lang="en-US" sz="2800" dirty="0" err="1" smtClean="0"/>
+              <a:t>Gui</a:t>
+            </a:r>
+            <a:endParaRPr lang="en-US" sz="2800" dirty="0"/>
           </a:p>
         </p:txBody>
       </p:sp>
@@ -7671,25 +7924,6 @@
           </a:p>
         </p:txBody>
       </p:sp>
-      <p:sp>
-        <p:nvSpPr>
-          <p:cNvPr id="3" name="Text Placeholder 2"/>
-          <p:cNvSpPr>
-            <a:spLocks noGrp="1"/>
-          </p:cNvSpPr>
-          <p:nvPr>
-            <p:ph type="body" sz="half" idx="2"/>
-          </p:nvPr>
-        </p:nvSpPr>
-        <p:spPr/>
-        <p:txBody>
-          <a:bodyPr/>
-          <a:lstStyle/>
-          <a:p>
-            <a:endParaRPr lang="en-US" dirty="0"/>
-          </a:p>
-        </p:txBody>
-      </p:sp>
       <p:pic>
         <p:nvPicPr>
           <p:cNvPr id="5" name="Picture Placeholder 4" descr="d6232682-e0e0-4e01-b792-67cd8fe8ee2f.jpg"/>
@@ -7911,6 +8145,78 @@
                 </a:outerShdw>
               </a:effectLst>
             </a:endParaRPr>
+          </a:p>
+        </p:txBody>
+      </p:sp>
+      <p:sp>
+        <p:nvSpPr>
+          <p:cNvPr id="8" name="Text Placeholder 2"/>
+          <p:cNvSpPr>
+            <a:spLocks noGrp="1"/>
+          </p:cNvSpPr>
+          <p:nvPr>
+            <p:ph type="body" sz="half" idx="2"/>
+          </p:nvPr>
+        </p:nvSpPr>
+        <p:spPr/>
+        <p:txBody>
+          <a:bodyPr>
+            <a:normAutofit/>
+          </a:bodyPr>
+          <a:lstStyle/>
+          <a:p>
+            <a:pPr marL="342900" indent="-342900">
+              <a:buFont typeface="Arial"/>
+              <a:buChar char="•"/>
+            </a:pPr>
+            <a:r>
+              <a:rPr lang="en-US" sz="2800" dirty="0" smtClean="0"/>
+              <a:t>Server/Client Chat</a:t>
+            </a:r>
+          </a:p>
+          <a:p>
+            <a:pPr marL="342900" indent="-342900">
+              <a:buFont typeface="Arial"/>
+              <a:buChar char="•"/>
+            </a:pPr>
+            <a:r>
+              <a:rPr lang="en-US" sz="2800" dirty="0" smtClean="0"/>
+              <a:t>Encryption </a:t>
+            </a:r>
+          </a:p>
+          <a:p>
+            <a:pPr marL="342900" indent="-342900">
+              <a:buFont typeface="Arial"/>
+              <a:buChar char="•"/>
+            </a:pPr>
+            <a:r>
+              <a:rPr lang="en-US" sz="2800" dirty="0" smtClean="0"/>
+              <a:t>Meme-</a:t>
+            </a:r>
+            <a:r>
+              <a:rPr lang="en-US" sz="2800" dirty="0" err="1" smtClean="0"/>
+              <a:t>afy</a:t>
+            </a:r>
+            <a:endParaRPr lang="en-US" sz="2800" dirty="0" smtClean="0"/>
+          </a:p>
+          <a:p>
+            <a:pPr marL="342900" indent="-342900">
+              <a:buFont typeface="Arial"/>
+              <a:buChar char="•"/>
+            </a:pPr>
+            <a:r>
+              <a:rPr lang="en-US" sz="2800" dirty="0" err="1" smtClean="0"/>
+              <a:t>Qt</a:t>
+            </a:r>
+            <a:r>
+              <a:rPr lang="en-US" sz="2800" dirty="0" smtClean="0"/>
+              <a:t> </a:t>
+            </a:r>
+            <a:r>
+              <a:rPr lang="en-US" sz="2800" dirty="0" err="1" smtClean="0"/>
+              <a:t>Gui</a:t>
+            </a:r>
+            <a:endParaRPr lang="en-US" sz="2800" dirty="0"/>
           </a:p>
         </p:txBody>
       </p:sp>
@@ -7974,25 +8280,6 @@
           </a:p>
         </p:txBody>
       </p:sp>
-      <p:sp>
-        <p:nvSpPr>
-          <p:cNvPr id="3" name="Text Placeholder 2"/>
-          <p:cNvSpPr>
-            <a:spLocks noGrp="1"/>
-          </p:cNvSpPr>
-          <p:nvPr>
-            <p:ph type="body" sz="half" idx="2"/>
-          </p:nvPr>
-        </p:nvSpPr>
-        <p:spPr/>
-        <p:txBody>
-          <a:bodyPr/>
-          <a:lstStyle/>
-          <a:p>
-            <a:endParaRPr lang="en-US" dirty="0"/>
-          </a:p>
-        </p:txBody>
-      </p:sp>
       <p:pic>
         <p:nvPicPr>
           <p:cNvPr id="5" name="Picture Placeholder 4" descr="d6232682-e0e0-4e01-b792-67cd8fe8ee2f.jpg"/>
@@ -8214,6 +8501,78 @@
                 </a:outerShdw>
               </a:effectLst>
             </a:endParaRPr>
+          </a:p>
+        </p:txBody>
+      </p:sp>
+      <p:sp>
+        <p:nvSpPr>
+          <p:cNvPr id="8" name="Text Placeholder 2"/>
+          <p:cNvSpPr>
+            <a:spLocks noGrp="1"/>
+          </p:cNvSpPr>
+          <p:nvPr>
+            <p:ph type="body" sz="half" idx="2"/>
+          </p:nvPr>
+        </p:nvSpPr>
+        <p:spPr/>
+        <p:txBody>
+          <a:bodyPr>
+            <a:normAutofit/>
+          </a:bodyPr>
+          <a:lstStyle/>
+          <a:p>
+            <a:pPr marL="342900" indent="-342900">
+              <a:buFont typeface="Arial"/>
+              <a:buChar char="•"/>
+            </a:pPr>
+            <a:r>
+              <a:rPr lang="en-US" sz="2800" dirty="0" smtClean="0"/>
+              <a:t>Server/Client Chat</a:t>
+            </a:r>
+          </a:p>
+          <a:p>
+            <a:pPr marL="342900" indent="-342900">
+              <a:buFont typeface="Arial"/>
+              <a:buChar char="•"/>
+            </a:pPr>
+            <a:r>
+              <a:rPr lang="en-US" sz="2800" dirty="0" smtClean="0"/>
+              <a:t>Encryption </a:t>
+            </a:r>
+          </a:p>
+          <a:p>
+            <a:pPr marL="342900" indent="-342900">
+              <a:buFont typeface="Arial"/>
+              <a:buChar char="•"/>
+            </a:pPr>
+            <a:r>
+              <a:rPr lang="en-US" sz="2800" dirty="0" smtClean="0"/>
+              <a:t>Meme-</a:t>
+            </a:r>
+            <a:r>
+              <a:rPr lang="en-US" sz="2800" dirty="0" err="1" smtClean="0"/>
+              <a:t>afy</a:t>
+            </a:r>
+            <a:endParaRPr lang="en-US" sz="2800" dirty="0" smtClean="0"/>
+          </a:p>
+          <a:p>
+            <a:pPr marL="342900" indent="-342900">
+              <a:buFont typeface="Arial"/>
+              <a:buChar char="•"/>
+            </a:pPr>
+            <a:r>
+              <a:rPr lang="en-US" sz="2800" dirty="0" err="1" smtClean="0"/>
+              <a:t>Qt</a:t>
+            </a:r>
+            <a:r>
+              <a:rPr lang="en-US" sz="2800" dirty="0" smtClean="0"/>
+              <a:t> </a:t>
+            </a:r>
+            <a:r>
+              <a:rPr lang="en-US" sz="2800" dirty="0" err="1" smtClean="0"/>
+              <a:t>Gui</a:t>
+            </a:r>
+            <a:endParaRPr lang="en-US" sz="2800" dirty="0"/>
           </a:p>
         </p:txBody>
       </p:sp>
@@ -8277,25 +8636,6 @@
           </a:p>
         </p:txBody>
       </p:sp>
-      <p:sp>
-        <p:nvSpPr>
-          <p:cNvPr id="3" name="Text Placeholder 2"/>
-          <p:cNvSpPr>
-            <a:spLocks noGrp="1"/>
-          </p:cNvSpPr>
-          <p:nvPr>
-            <p:ph type="body" sz="half" idx="2"/>
-          </p:nvPr>
-        </p:nvSpPr>
-        <p:spPr/>
-        <p:txBody>
-          <a:bodyPr/>
-          <a:lstStyle/>
-          <a:p>
-            <a:endParaRPr lang="en-US" dirty="0"/>
-          </a:p>
-        </p:txBody>
-      </p:sp>
       <p:pic>
         <p:nvPicPr>
           <p:cNvPr id="5" name="Picture Placeholder 4" descr="d6232682-e0e0-4e01-b792-67cd8fe8ee2f.jpg"/>
@@ -8517,6 +8857,78 @@
                 </a:outerShdw>
               </a:effectLst>
             </a:endParaRPr>
+          </a:p>
+        </p:txBody>
+      </p:sp>
+      <p:sp>
+        <p:nvSpPr>
+          <p:cNvPr id="8" name="Text Placeholder 2"/>
+          <p:cNvSpPr>
+            <a:spLocks noGrp="1"/>
+          </p:cNvSpPr>
+          <p:nvPr>
+            <p:ph type="body" sz="half" idx="2"/>
+          </p:nvPr>
+        </p:nvSpPr>
+        <p:spPr/>
+        <p:txBody>
+          <a:bodyPr>
+            <a:normAutofit/>
+          </a:bodyPr>
+          <a:lstStyle/>
+          <a:p>
+            <a:pPr marL="342900" indent="-342900">
+              <a:buFont typeface="Arial"/>
+              <a:buChar char="•"/>
+            </a:pPr>
+            <a:r>
+              <a:rPr lang="en-US" sz="2800" dirty="0" smtClean="0"/>
+              <a:t>Server/Client Chat</a:t>
+            </a:r>
+          </a:p>
+          <a:p>
+            <a:pPr marL="342900" indent="-342900">
+              <a:buFont typeface="Arial"/>
+              <a:buChar char="•"/>
+            </a:pPr>
+            <a:r>
+              <a:rPr lang="en-US" sz="2800" dirty="0" smtClean="0"/>
+              <a:t>Encryption </a:t>
+            </a:r>
+          </a:p>
+          <a:p>
+            <a:pPr marL="342900" indent="-342900">
+              <a:buFont typeface="Arial"/>
+              <a:buChar char="•"/>
+            </a:pPr>
+            <a:r>
+              <a:rPr lang="en-US" sz="2800" dirty="0" smtClean="0"/>
+              <a:t>Meme-</a:t>
+            </a:r>
+            <a:r>
+              <a:rPr lang="en-US" sz="2800" dirty="0" err="1" smtClean="0"/>
+              <a:t>afy</a:t>
+            </a:r>
+            <a:endParaRPr lang="en-US" sz="2800" dirty="0" smtClean="0"/>
+          </a:p>
+          <a:p>
+            <a:pPr marL="342900" indent="-342900">
+              <a:buFont typeface="Arial"/>
+              <a:buChar char="•"/>
+            </a:pPr>
+            <a:r>
+              <a:rPr lang="en-US" sz="2800" dirty="0" err="1" smtClean="0"/>
+              <a:t>Qt</a:t>
+            </a:r>
+            <a:r>
+              <a:rPr lang="en-US" sz="2800" dirty="0" smtClean="0"/>
+              <a:t> </a:t>
+            </a:r>
+            <a:r>
+              <a:rPr lang="en-US" sz="2800" dirty="0" err="1" smtClean="0"/>
+              <a:t>Gui</a:t>
+            </a:r>
+            <a:endParaRPr lang="en-US" sz="2800" dirty="0"/>
           </a:p>
         </p:txBody>
       </p:sp>
@@ -8580,25 +8992,6 @@
           </a:p>
         </p:txBody>
       </p:sp>
-      <p:sp>
-        <p:nvSpPr>
-          <p:cNvPr id="3" name="Text Placeholder 2"/>
-          <p:cNvSpPr>
-            <a:spLocks noGrp="1"/>
-          </p:cNvSpPr>
-          <p:nvPr>
-            <p:ph type="body" sz="half" idx="2"/>
-          </p:nvPr>
-        </p:nvSpPr>
-        <p:spPr/>
-        <p:txBody>
-          <a:bodyPr/>
-          <a:lstStyle/>
-          <a:p>
-            <a:endParaRPr lang="en-US" dirty="0"/>
-          </a:p>
-        </p:txBody>
-      </p:sp>
       <p:pic>
         <p:nvPicPr>
           <p:cNvPr id="5" name="Picture Placeholder 4" descr="d6232682-e0e0-4e01-b792-67cd8fe8ee2f.jpg"/>
@@ -8820,6 +9213,78 @@
                 </a:outerShdw>
               </a:effectLst>
             </a:endParaRPr>
+          </a:p>
+        </p:txBody>
+      </p:sp>
+      <p:sp>
+        <p:nvSpPr>
+          <p:cNvPr id="8" name="Text Placeholder 2"/>
+          <p:cNvSpPr>
+            <a:spLocks noGrp="1"/>
+          </p:cNvSpPr>
+          <p:nvPr>
+            <p:ph type="body" sz="half" idx="2"/>
+          </p:nvPr>
+        </p:nvSpPr>
+        <p:spPr/>
+        <p:txBody>
+          <a:bodyPr>
+            <a:normAutofit/>
+          </a:bodyPr>
+          <a:lstStyle/>
+          <a:p>
+            <a:pPr marL="342900" indent="-342900">
+              <a:buFont typeface="Arial"/>
+              <a:buChar char="•"/>
+            </a:pPr>
+            <a:r>
+              <a:rPr lang="en-US" sz="2800" dirty="0" smtClean="0"/>
+              <a:t>Server/Client Chat</a:t>
+            </a:r>
+          </a:p>
+          <a:p>
+            <a:pPr marL="342900" indent="-342900">
+              <a:buFont typeface="Arial"/>
+              <a:buChar char="•"/>
+            </a:pPr>
+            <a:r>
+              <a:rPr lang="en-US" sz="2800" dirty="0" smtClean="0"/>
+              <a:t>Encryption </a:t>
+            </a:r>
+          </a:p>
+          <a:p>
+            <a:pPr marL="342900" indent="-342900">
+              <a:buFont typeface="Arial"/>
+              <a:buChar char="•"/>
+            </a:pPr>
+            <a:r>
+              <a:rPr lang="en-US" sz="2800" dirty="0" smtClean="0"/>
+              <a:t>Meme-</a:t>
+            </a:r>
+            <a:r>
+              <a:rPr lang="en-US" sz="2800" dirty="0" err="1" smtClean="0"/>
+              <a:t>afy</a:t>
+            </a:r>
+            <a:endParaRPr lang="en-US" sz="2800" dirty="0" smtClean="0"/>
+          </a:p>
+          <a:p>
+            <a:pPr marL="342900" indent="-342900">
+              <a:buFont typeface="Arial"/>
+              <a:buChar char="•"/>
+            </a:pPr>
+            <a:r>
+              <a:rPr lang="en-US" sz="2800" dirty="0" err="1" smtClean="0"/>
+              <a:t>Qt</a:t>
+            </a:r>
+            <a:r>
+              <a:rPr lang="en-US" sz="2800" dirty="0" smtClean="0"/>
+              <a:t> </a:t>
+            </a:r>
+            <a:r>
+              <a:rPr lang="en-US" sz="2800" dirty="0" err="1" smtClean="0"/>
+              <a:t>Gui</a:t>
+            </a:r>
+            <a:endParaRPr lang="en-US" sz="2800" dirty="0"/>
           </a:p>
         </p:txBody>
       </p:sp>

--- a/Presentation/Project Presentation.pptx
+++ b/Presentation/Project Presentation.pptx
@@ -8,20 +8,17 @@
     <p:sldId id="256" r:id="rId2"/>
     <p:sldId id="268" r:id="rId3"/>
     <p:sldId id="276" r:id="rId4"/>
-    <p:sldId id="270" r:id="rId5"/>
-    <p:sldId id="271" r:id="rId6"/>
-    <p:sldId id="272" r:id="rId7"/>
-    <p:sldId id="273" r:id="rId8"/>
-    <p:sldId id="274" r:id="rId9"/>
-    <p:sldId id="275" r:id="rId10"/>
-    <p:sldId id="269" r:id="rId11"/>
-    <p:sldId id="258" r:id="rId12"/>
-    <p:sldId id="259" r:id="rId13"/>
-    <p:sldId id="260" r:id="rId14"/>
-    <p:sldId id="261" r:id="rId15"/>
-    <p:sldId id="265" r:id="rId16"/>
-    <p:sldId id="266" r:id="rId17"/>
-    <p:sldId id="267" r:id="rId18"/>
+    <p:sldId id="277" r:id="rId5"/>
+    <p:sldId id="270" r:id="rId6"/>
+    <p:sldId id="271" r:id="rId7"/>
+    <p:sldId id="272" r:id="rId8"/>
+    <p:sldId id="273" r:id="rId9"/>
+    <p:sldId id="274" r:id="rId10"/>
+    <p:sldId id="275" r:id="rId11"/>
+    <p:sldId id="269" r:id="rId12"/>
+    <p:sldId id="265" r:id="rId13"/>
+    <p:sldId id="266" r:id="rId14"/>
+    <p:sldId id="267" r:id="rId15"/>
   </p:sldIdLst>
   <p:sldSz cx="9144000" cy="6858000" type="screen4x3"/>
   <p:notesSz cx="6858000" cy="9144000"/>
@@ -5790,39 +5787,312 @@
           <a:p>
             <a:r>
               <a:rPr lang="en-US" dirty="0" smtClean="0"/>
-              <a:t>Demonstration</a:t>
+              <a:t>Overview of Project</a:t>
             </a:r>
             <a:endParaRPr lang="en-US" dirty="0"/>
           </a:p>
         </p:txBody>
       </p:sp>
-      <p:sp>
-        <p:nvSpPr>
-          <p:cNvPr id="3" name="Text Placeholder 2"/>
-          <p:cNvSpPr>
-            <a:spLocks noGrp="1"/>
-          </p:cNvSpPr>
-          <p:nvPr>
-            <p:ph type="body" idx="1"/>
+      <p:pic>
+        <p:nvPicPr>
+          <p:cNvPr id="5" name="Picture Placeholder 4" descr="d6232682-e0e0-4e01-b792-67cd8fe8ee2f.jpg"/>
+          <p:cNvPicPr>
+            <a:picLocks noGrp="1" noChangeAspect="1"/>
+          </p:cNvPicPr>
+          <p:nvPr>
+            <p:ph type="pic" sz="quarter" idx="13"/>
+          </p:nvPr>
+        </p:nvPicPr>
+        <p:blipFill rotWithShape="1">
+          <a:blip r:embed="rId2">
+            <a:extLst>
+              <a:ext uri="{28A0092B-C50C-407E-A947-70E740481C1C}">
+                <a14:useLocalDpi xmlns:a14="http://schemas.microsoft.com/office/drawing/2010/main" val="0"/>
+              </a:ext>
+            </a:extLst>
+          </a:blip>
+          <a:srcRect l="-5819" t="9005" r="81277" b="56090"/>
+          <a:stretch/>
+        </p:blipFill>
+        <p:spPr>
+          <a:xfrm>
+            <a:off x="91634" y="1143000"/>
+            <a:ext cx="4267200" cy="4267200"/>
+          </a:xfrm>
+        </p:spPr>
+      </p:pic>
+      <p:sp>
+        <p:nvSpPr>
+          <p:cNvPr id="6" name="Rectangle 5"/>
+          <p:cNvSpPr/>
+          <p:nvPr/>
+        </p:nvSpPr>
+        <p:spPr>
+          <a:xfrm>
+            <a:off x="289273" y="910147"/>
+            <a:ext cx="4087402" cy="923330"/>
+          </a:xfrm>
+          <a:prstGeom prst="rect">
+            <a:avLst/>
+          </a:prstGeom>
+          <a:noFill/>
+        </p:spPr>
+        <p:txBody>
+          <a:bodyPr wrap="none" lIns="91440" tIns="45720" rIns="91440" bIns="45720">
+            <a:spAutoFit/>
+          </a:bodyPr>
+          <a:lstStyle/>
+          <a:p>
+            <a:pPr algn="ctr"/>
+            <a:r>
+              <a:rPr lang="en-US" sz="5400" dirty="0" smtClean="0">
+                <a:ln w="18415" cmpd="sng">
+                  <a:solidFill>
+                    <a:srgbClr val="000000"/>
+                  </a:solidFill>
+                  <a:prstDash val="solid"/>
+                </a:ln>
+                <a:solidFill>
+                  <a:schemeClr val="bg1"/>
+                </a:solidFill>
+                <a:effectLst>
+                  <a:outerShdw blurRad="63500" dir="3600000" algn="tl" rotWithShape="0">
+                    <a:srgbClr val="000000">
+                      <a:alpha val="70000"/>
+                    </a:srgbClr>
+                  </a:outerShdw>
+                </a:effectLst>
+              </a:rPr>
+              <a:t>Code so hard</a:t>
+            </a:r>
+            <a:endParaRPr lang="en-US" sz="5400" dirty="0">
+              <a:ln w="18415" cmpd="sng">
+                <a:solidFill>
+                  <a:srgbClr val="000000"/>
+                </a:solidFill>
+                <a:prstDash val="solid"/>
+              </a:ln>
+              <a:solidFill>
+                <a:schemeClr val="bg1"/>
+              </a:solidFill>
+              <a:effectLst>
+                <a:outerShdw blurRad="63500" dir="3600000" algn="tl" rotWithShape="0">
+                  <a:srgbClr val="000000">
+                    <a:alpha val="70000"/>
+                  </a:srgbClr>
+                </a:outerShdw>
+              </a:effectLst>
+            </a:endParaRPr>
+          </a:p>
+        </p:txBody>
+      </p:sp>
+      <p:sp>
+        <p:nvSpPr>
+          <p:cNvPr id="7" name="Rectangle 6"/>
+          <p:cNvSpPr/>
+          <p:nvPr/>
+        </p:nvSpPr>
+        <p:spPr>
+          <a:xfrm>
+            <a:off x="124602" y="4636304"/>
+            <a:ext cx="4472536" cy="1754327"/>
+          </a:xfrm>
+          <a:prstGeom prst="rect">
+            <a:avLst/>
+          </a:prstGeom>
+          <a:noFill/>
+        </p:spPr>
+        <p:txBody>
+          <a:bodyPr wrap="none" lIns="91440" tIns="45720" rIns="91440" bIns="45720">
+            <a:spAutoFit/>
+          </a:bodyPr>
+          <a:lstStyle/>
+          <a:p>
+            <a:pPr algn="ctr"/>
+            <a:r>
+              <a:rPr lang="en-US" sz="5400" dirty="0" smtClean="0">
+                <a:ln w="18415" cmpd="sng">
+                  <a:solidFill>
+                    <a:srgbClr val="000000"/>
+                  </a:solidFill>
+                  <a:prstDash val="solid"/>
+                </a:ln>
+                <a:solidFill>
+                  <a:schemeClr val="bg1"/>
+                </a:solidFill>
+                <a:effectLst>
+                  <a:outerShdw blurRad="63500" dir="3600000" algn="tl" rotWithShape="0">
+                    <a:srgbClr val="000000">
+                      <a:alpha val="70000"/>
+                    </a:srgbClr>
+                  </a:outerShdw>
+                </a:effectLst>
+              </a:rPr>
+              <a:t>Memes </a:t>
+            </a:r>
+            <a:r>
+              <a:rPr lang="en-US" sz="5400" dirty="0" err="1" smtClean="0">
+                <a:ln w="18415" cmpd="sng">
+                  <a:solidFill>
+                    <a:srgbClr val="000000"/>
+                  </a:solidFill>
+                  <a:prstDash val="solid"/>
+                </a:ln>
+                <a:solidFill>
+                  <a:schemeClr val="bg1"/>
+                </a:solidFill>
+                <a:effectLst>
+                  <a:outerShdw blurRad="63500" dir="3600000" algn="tl" rotWithShape="0">
+                    <a:srgbClr val="000000">
+                      <a:alpha val="70000"/>
+                    </a:srgbClr>
+                  </a:outerShdw>
+                </a:effectLst>
+              </a:rPr>
+              <a:t>wanna</a:t>
+            </a:r>
+            <a:r>
+              <a:rPr lang="en-US" sz="5400" dirty="0" smtClean="0">
+                <a:ln w="18415" cmpd="sng">
+                  <a:solidFill>
+                    <a:srgbClr val="000000"/>
+                  </a:solidFill>
+                  <a:prstDash val="solid"/>
+                </a:ln>
+                <a:solidFill>
+                  <a:schemeClr val="bg1"/>
+                </a:solidFill>
+                <a:effectLst>
+                  <a:outerShdw blurRad="63500" dir="3600000" algn="tl" rotWithShape="0">
+                    <a:srgbClr val="000000">
+                      <a:alpha val="70000"/>
+                    </a:srgbClr>
+                  </a:outerShdw>
+                </a:effectLst>
+              </a:rPr>
+              <a:t> </a:t>
+            </a:r>
+          </a:p>
+          <a:p>
+            <a:pPr algn="ctr"/>
+            <a:r>
+              <a:rPr lang="en-US" sz="5400" dirty="0" smtClean="0">
+                <a:ln w="18415" cmpd="sng">
+                  <a:solidFill>
+                    <a:srgbClr val="000000"/>
+                  </a:solidFill>
+                  <a:prstDash val="solid"/>
+                </a:ln>
+                <a:solidFill>
+                  <a:schemeClr val="bg1"/>
+                </a:solidFill>
+                <a:effectLst>
+                  <a:outerShdw blurRad="63500" dir="3600000" algn="tl" rotWithShape="0">
+                    <a:srgbClr val="000000">
+                      <a:alpha val="70000"/>
+                    </a:srgbClr>
+                  </a:outerShdw>
+                </a:effectLst>
+              </a:rPr>
+              <a:t>find me</a:t>
+            </a:r>
+            <a:endParaRPr lang="en-US" sz="5400" dirty="0">
+              <a:ln w="18415" cmpd="sng">
+                <a:solidFill>
+                  <a:srgbClr val="000000"/>
+                </a:solidFill>
+                <a:prstDash val="solid"/>
+              </a:ln>
+              <a:solidFill>
+                <a:schemeClr val="bg1"/>
+              </a:solidFill>
+              <a:effectLst>
+                <a:outerShdw blurRad="63500" dir="3600000" algn="tl" rotWithShape="0">
+                  <a:srgbClr val="000000">
+                    <a:alpha val="70000"/>
+                  </a:srgbClr>
+                </a:outerShdw>
+              </a:effectLst>
+            </a:endParaRPr>
+          </a:p>
+        </p:txBody>
+      </p:sp>
+      <p:sp>
+        <p:nvSpPr>
+          <p:cNvPr id="8" name="Text Placeholder 2"/>
+          <p:cNvSpPr>
+            <a:spLocks noGrp="1"/>
+          </p:cNvSpPr>
+          <p:nvPr>
+            <p:ph type="body" sz="half" idx="2"/>
           </p:nvPr>
         </p:nvSpPr>
         <p:spPr/>
         <p:txBody>
-          <a:bodyPr/>
+          <a:bodyPr>
+            <a:normAutofit/>
+          </a:bodyPr>
           <a:lstStyle/>
           <a:p>
-            <a:r>
-              <a:rPr lang="en-US" dirty="0" smtClean="0"/>
-              <a:t>(Hopefully the code works!)</a:t>
-            </a:r>
-            <a:endParaRPr lang="en-US" dirty="0"/>
+            <a:pPr marL="342900" indent="-342900">
+              <a:buFont typeface="Arial"/>
+              <a:buChar char="•"/>
+            </a:pPr>
+            <a:r>
+              <a:rPr lang="en-US" sz="2800" dirty="0" smtClean="0"/>
+              <a:t>Server/Client Chat</a:t>
+            </a:r>
+          </a:p>
+          <a:p>
+            <a:pPr marL="342900" indent="-342900">
+              <a:buFont typeface="Arial"/>
+              <a:buChar char="•"/>
+            </a:pPr>
+            <a:r>
+              <a:rPr lang="en-US" sz="2800" dirty="0" smtClean="0"/>
+              <a:t>Encryption </a:t>
+            </a:r>
+          </a:p>
+          <a:p>
+            <a:pPr marL="342900" indent="-342900">
+              <a:buFont typeface="Arial"/>
+              <a:buChar char="•"/>
+            </a:pPr>
+            <a:r>
+              <a:rPr lang="en-US" sz="2800" dirty="0" smtClean="0"/>
+              <a:t>Meme-</a:t>
+            </a:r>
+            <a:r>
+              <a:rPr lang="en-US" sz="2800" dirty="0" err="1" smtClean="0"/>
+              <a:t>afy</a:t>
+            </a:r>
+            <a:endParaRPr lang="en-US" sz="2800" dirty="0" smtClean="0"/>
+          </a:p>
+          <a:p>
+            <a:pPr marL="342900" indent="-342900">
+              <a:buFont typeface="Arial"/>
+              <a:buChar char="•"/>
+            </a:pPr>
+            <a:r>
+              <a:rPr lang="en-US" sz="2800" dirty="0" err="1" smtClean="0"/>
+              <a:t>Qt</a:t>
+            </a:r>
+            <a:r>
+              <a:rPr lang="en-US" sz="2800" dirty="0" smtClean="0"/>
+              <a:t> </a:t>
+            </a:r>
+            <a:r>
+              <a:rPr lang="en-US" sz="2800" dirty="0" err="1" smtClean="0"/>
+              <a:t>Gui</a:t>
+            </a:r>
+            <a:endParaRPr lang="en-US" sz="2800" dirty="0"/>
           </a:p>
         </p:txBody>
       </p:sp>
     </p:spTree>
     <p:extLst>
       <p:ext uri="{BB962C8B-B14F-4D97-AF65-F5344CB8AC3E}">
-        <p14:creationId xmlns:p14="http://schemas.microsoft.com/office/powerpoint/2010/main" val="2572019089"/>
+        <p14:creationId xmlns:p14="http://schemas.microsoft.com/office/powerpoint/2010/main" val="3224320462"/>
       </p:ext>
     </p:extLst>
   </p:cSld>
@@ -5873,7 +6143,7 @@
           <a:p>
             <a:r>
               <a:rPr lang="en-US" dirty="0" smtClean="0"/>
-              <a:t>Encryption </a:t>
+              <a:t>Demonstration</a:t>
             </a:r>
             <a:endParaRPr lang="en-US" dirty="0"/>
           </a:p>
@@ -5881,12 +6151,12 @@
       </p:sp>
       <p:sp>
         <p:nvSpPr>
-          <p:cNvPr id="3" name="Content Placeholder 2"/>
-          <p:cNvSpPr>
-            <a:spLocks noGrp="1"/>
-          </p:cNvSpPr>
-          <p:nvPr>
-            <p:ph idx="1"/>
+          <p:cNvPr id="3" name="Text Placeholder 2"/>
+          <p:cNvSpPr>
+            <a:spLocks noGrp="1"/>
+          </p:cNvSpPr>
+          <p:nvPr>
+            <p:ph type="body" idx="1"/>
           </p:nvPr>
         </p:nvSpPr>
         <p:spPr/>
@@ -5894,14 +6164,18 @@
           <a:bodyPr/>
           <a:lstStyle/>
           <a:p>
-            <a:endParaRPr lang="en-US"/>
+            <a:r>
+              <a:rPr lang="en-US" dirty="0" smtClean="0"/>
+              <a:t>(Hopefully the code works!)</a:t>
+            </a:r>
+            <a:endParaRPr lang="en-US" dirty="0"/>
           </a:p>
         </p:txBody>
       </p:sp>
     </p:spTree>
     <p:extLst>
       <p:ext uri="{BB962C8B-B14F-4D97-AF65-F5344CB8AC3E}">
-        <p14:creationId xmlns:p14="http://schemas.microsoft.com/office/powerpoint/2010/main" val="4183327158"/>
+        <p14:creationId xmlns:p14="http://schemas.microsoft.com/office/powerpoint/2010/main" val="2572019089"/>
       </p:ext>
     </p:extLst>
   </p:cSld>
@@ -5952,11 +6226,7 @@
           <a:p>
             <a:r>
               <a:rPr lang="en-US" dirty="0" smtClean="0"/>
-              <a:t>Chat </a:t>
-            </a:r>
-            <a:r>
-              <a:rPr lang="en-US" dirty="0" smtClean="0"/>
-              <a:t>Server/Client</a:t>
+              <a:t>Risk Management </a:t>
             </a:r>
             <a:endParaRPr lang="en-US" dirty="0"/>
           </a:p>
@@ -5979,36 +6249,35 @@
           <a:p>
             <a:r>
               <a:rPr lang="en-US" dirty="0" smtClean="0"/>
-              <a:t>Developed a client and server accepting single instance call</a:t>
-            </a:r>
-          </a:p>
-          <a:p>
-            <a:r>
-              <a:rPr lang="en-US" dirty="0" smtClean="0"/>
-              <a:t>Discovered </a:t>
-            </a:r>
-            <a:r>
-              <a:rPr lang="en-US" dirty="0" err="1" smtClean="0"/>
-              <a:t>Qt</a:t>
-            </a:r>
-            <a:r>
-              <a:rPr lang="en-US" dirty="0" smtClean="0"/>
-              <a:t> supported multithreaded chat client</a:t>
-            </a:r>
-          </a:p>
-          <a:p>
-            <a:r>
-              <a:rPr lang="en-US" dirty="0" smtClean="0"/>
-              <a:t>Build in with the </a:t>
-            </a:r>
-            <a:r>
-              <a:rPr lang="en-US" dirty="0" err="1" smtClean="0"/>
-              <a:t>Qt</a:t>
-            </a:r>
-            <a:r>
-              <a:rPr lang="en-US" dirty="0" smtClean="0"/>
-              <a:t> front end</a:t>
-            </a:r>
+              <a:t>Made sure we could run all of the code on our own computers </a:t>
+            </a:r>
+          </a:p>
+          <a:p>
+            <a:r>
+              <a:rPr lang="en-US" dirty="0" smtClean="0"/>
+              <a:t>Did get everything hooked up</a:t>
+            </a:r>
+          </a:p>
+          <a:p>
+            <a:endParaRPr lang="en-US" dirty="0"/>
+          </a:p>
+        </p:txBody>
+      </p:sp>
+      <p:sp>
+        <p:nvSpPr>
+          <p:cNvPr id="4" name="Text Placeholder 3"/>
+          <p:cNvSpPr>
+            <a:spLocks noGrp="1"/>
+          </p:cNvSpPr>
+          <p:nvPr>
+            <p:ph type="body" sz="half" idx="2"/>
+          </p:nvPr>
+        </p:nvSpPr>
+        <p:spPr/>
+        <p:txBody>
+          <a:bodyPr/>
+          <a:lstStyle/>
+          <a:p>
             <a:endParaRPr lang="en-US" dirty="0"/>
           </a:p>
         </p:txBody>
@@ -6016,7 +6285,7 @@
     </p:spTree>
     <p:extLst>
       <p:ext uri="{BB962C8B-B14F-4D97-AF65-F5344CB8AC3E}">
-        <p14:creationId xmlns:p14="http://schemas.microsoft.com/office/powerpoint/2010/main" val="2122412872"/>
+        <p14:creationId xmlns:p14="http://schemas.microsoft.com/office/powerpoint/2010/main" val="3221094261"/>
       </p:ext>
     </p:extLst>
   </p:cSld>
@@ -6052,270 +6321,6 @@
       </p:grpSpPr>
       <p:sp>
         <p:nvSpPr>
-          <p:cNvPr id="2" name="Title 1"/>
-          <p:cNvSpPr>
-            <a:spLocks noGrp="1"/>
-          </p:cNvSpPr>
-          <p:nvPr>
-            <p:ph type="title"/>
-          </p:nvPr>
-        </p:nvSpPr>
-        <p:spPr/>
-        <p:txBody>
-          <a:bodyPr/>
-          <a:lstStyle/>
-          <a:p>
-            <a:r>
-              <a:rPr lang="en-US" dirty="0" smtClean="0"/>
-              <a:t>Meme Creator </a:t>
-            </a:r>
-            <a:endParaRPr lang="en-US" dirty="0"/>
-          </a:p>
-        </p:txBody>
-      </p:sp>
-      <p:sp>
-        <p:nvSpPr>
-          <p:cNvPr id="3" name="Content Placeholder 2"/>
-          <p:cNvSpPr>
-            <a:spLocks noGrp="1"/>
-          </p:cNvSpPr>
-          <p:nvPr>
-            <p:ph idx="1"/>
-          </p:nvPr>
-        </p:nvSpPr>
-        <p:spPr/>
-        <p:txBody>
-          <a:bodyPr/>
-          <a:lstStyle/>
-          <a:p>
-            <a:endParaRPr lang="en-US"/>
-          </a:p>
-        </p:txBody>
-      </p:sp>
-    </p:spTree>
-    <p:extLst>
-      <p:ext uri="{BB962C8B-B14F-4D97-AF65-F5344CB8AC3E}">
-        <p14:creationId xmlns:p14="http://schemas.microsoft.com/office/powerpoint/2010/main" val="3219117328"/>
-      </p:ext>
-    </p:extLst>
-  </p:cSld>
-  <p:clrMapOvr>
-    <a:masterClrMapping/>
-  </p:clrMapOvr>
-  <p:timing>
-    <p:tnLst>
-      <p:par>
-        <p:cTn xmlns:p14="http://schemas.microsoft.com/office/powerpoint/2010/main" id="1" dur="indefinite" restart="never" nodeType="tmRoot"/>
-      </p:par>
-    </p:tnLst>
-  </p:timing>
-</p:sld>
-</file>
-
-<file path=ppt/slides/slide14.xml><?xml version="1.0" encoding="utf-8"?>
-<p:sld xmlns:a="http://schemas.openxmlformats.org/drawingml/2006/main" xmlns:r="http://schemas.openxmlformats.org/officeDocument/2006/relationships" xmlns:p="http://schemas.openxmlformats.org/presentationml/2006/main">
-  <p:cSld>
-    <p:spTree>
-      <p:nvGrpSpPr>
-        <p:cNvPr id="1" name=""/>
-        <p:cNvGrpSpPr/>
-        <p:nvPr/>
-      </p:nvGrpSpPr>
-      <p:grpSpPr>
-        <a:xfrm>
-          <a:off x="0" y="0"/>
-          <a:ext cx="0" cy="0"/>
-          <a:chOff x="0" y="0"/>
-          <a:chExt cx="0" cy="0"/>
-        </a:xfrm>
-      </p:grpSpPr>
-      <p:sp>
-        <p:nvSpPr>
-          <p:cNvPr id="2" name="Title 1"/>
-          <p:cNvSpPr>
-            <a:spLocks noGrp="1"/>
-          </p:cNvSpPr>
-          <p:nvPr>
-            <p:ph type="title"/>
-          </p:nvPr>
-        </p:nvSpPr>
-        <p:spPr/>
-        <p:txBody>
-          <a:bodyPr/>
-          <a:lstStyle/>
-          <a:p>
-            <a:r>
-              <a:rPr lang="en-US" dirty="0" smtClean="0"/>
-              <a:t>Frontend: </a:t>
-            </a:r>
-            <a:r>
-              <a:rPr lang="en-US" dirty="0" err="1" smtClean="0"/>
-              <a:t>Qt</a:t>
-            </a:r>
-            <a:r>
-              <a:rPr lang="en-US" dirty="0" smtClean="0"/>
-              <a:t>, GUI</a:t>
-            </a:r>
-            <a:endParaRPr lang="en-US" dirty="0"/>
-          </a:p>
-        </p:txBody>
-      </p:sp>
-      <p:sp>
-        <p:nvSpPr>
-          <p:cNvPr id="3" name="Content Placeholder 2"/>
-          <p:cNvSpPr>
-            <a:spLocks noGrp="1"/>
-          </p:cNvSpPr>
-          <p:nvPr>
-            <p:ph idx="1"/>
-          </p:nvPr>
-        </p:nvSpPr>
-        <p:spPr/>
-        <p:txBody>
-          <a:bodyPr/>
-          <a:lstStyle/>
-          <a:p>
-            <a:endParaRPr lang="en-US"/>
-          </a:p>
-        </p:txBody>
-      </p:sp>
-    </p:spTree>
-    <p:extLst>
-      <p:ext uri="{BB962C8B-B14F-4D97-AF65-F5344CB8AC3E}">
-        <p14:creationId xmlns:p14="http://schemas.microsoft.com/office/powerpoint/2010/main" val="4135498974"/>
-      </p:ext>
-    </p:extLst>
-  </p:cSld>
-  <p:clrMapOvr>
-    <a:masterClrMapping/>
-  </p:clrMapOvr>
-  <p:timing>
-    <p:tnLst>
-      <p:par>
-        <p:cTn xmlns:p14="http://schemas.microsoft.com/office/powerpoint/2010/main" id="1" dur="indefinite" restart="never" nodeType="tmRoot"/>
-      </p:par>
-    </p:tnLst>
-  </p:timing>
-</p:sld>
-</file>
-
-<file path=ppt/slides/slide15.xml><?xml version="1.0" encoding="utf-8"?>
-<p:sld xmlns:a="http://schemas.openxmlformats.org/drawingml/2006/main" xmlns:r="http://schemas.openxmlformats.org/officeDocument/2006/relationships" xmlns:p="http://schemas.openxmlformats.org/presentationml/2006/main">
-  <p:cSld>
-    <p:spTree>
-      <p:nvGrpSpPr>
-        <p:cNvPr id="1" name=""/>
-        <p:cNvGrpSpPr/>
-        <p:nvPr/>
-      </p:nvGrpSpPr>
-      <p:grpSpPr>
-        <a:xfrm>
-          <a:off x="0" y="0"/>
-          <a:ext cx="0" cy="0"/>
-          <a:chOff x="0" y="0"/>
-          <a:chExt cx="0" cy="0"/>
-        </a:xfrm>
-      </p:grpSpPr>
-      <p:sp>
-        <p:nvSpPr>
-          <p:cNvPr id="2" name="Title 1"/>
-          <p:cNvSpPr>
-            <a:spLocks noGrp="1"/>
-          </p:cNvSpPr>
-          <p:nvPr>
-            <p:ph type="title"/>
-          </p:nvPr>
-        </p:nvSpPr>
-        <p:spPr/>
-        <p:txBody>
-          <a:bodyPr/>
-          <a:lstStyle/>
-          <a:p>
-            <a:r>
-              <a:rPr lang="en-US" dirty="0" smtClean="0"/>
-              <a:t>Risk Management </a:t>
-            </a:r>
-            <a:endParaRPr lang="en-US" dirty="0"/>
-          </a:p>
-        </p:txBody>
-      </p:sp>
-      <p:sp>
-        <p:nvSpPr>
-          <p:cNvPr id="3" name="Content Placeholder 2"/>
-          <p:cNvSpPr>
-            <a:spLocks noGrp="1"/>
-          </p:cNvSpPr>
-          <p:nvPr>
-            <p:ph idx="1"/>
-          </p:nvPr>
-        </p:nvSpPr>
-        <p:spPr/>
-        <p:txBody>
-          <a:bodyPr/>
-          <a:lstStyle/>
-          <a:p>
-            <a:endParaRPr lang="en-US"/>
-          </a:p>
-        </p:txBody>
-      </p:sp>
-      <p:sp>
-        <p:nvSpPr>
-          <p:cNvPr id="4" name="Text Placeholder 3"/>
-          <p:cNvSpPr>
-            <a:spLocks noGrp="1"/>
-          </p:cNvSpPr>
-          <p:nvPr>
-            <p:ph type="body" sz="half" idx="2"/>
-          </p:nvPr>
-        </p:nvSpPr>
-        <p:spPr/>
-        <p:txBody>
-          <a:bodyPr/>
-          <a:lstStyle/>
-          <a:p>
-            <a:endParaRPr lang="en-US" dirty="0"/>
-          </a:p>
-        </p:txBody>
-      </p:sp>
-    </p:spTree>
-    <p:extLst>
-      <p:ext uri="{BB962C8B-B14F-4D97-AF65-F5344CB8AC3E}">
-        <p14:creationId xmlns:p14="http://schemas.microsoft.com/office/powerpoint/2010/main" val="3221094261"/>
-      </p:ext>
-    </p:extLst>
-  </p:cSld>
-  <p:clrMapOvr>
-    <a:masterClrMapping/>
-  </p:clrMapOvr>
-  <p:timing>
-    <p:tnLst>
-      <p:par>
-        <p:cTn xmlns:p14="http://schemas.microsoft.com/office/powerpoint/2010/main" id="1" dur="indefinite" restart="never" nodeType="tmRoot"/>
-      </p:par>
-    </p:tnLst>
-  </p:timing>
-</p:sld>
-</file>
-
-<file path=ppt/slides/slide16.xml><?xml version="1.0" encoding="utf-8"?>
-<p:sld xmlns:a="http://schemas.openxmlformats.org/drawingml/2006/main" xmlns:r="http://schemas.openxmlformats.org/officeDocument/2006/relationships" xmlns:p="http://schemas.openxmlformats.org/presentationml/2006/main">
-  <p:cSld>
-    <p:spTree>
-      <p:nvGrpSpPr>
-        <p:cNvPr id="1" name=""/>
-        <p:cNvGrpSpPr/>
-        <p:nvPr/>
-      </p:nvGrpSpPr>
-      <p:grpSpPr>
-        <a:xfrm>
-          <a:off x="0" y="0"/>
-          <a:ext cx="0" cy="0"/>
-          <a:chOff x="0" y="0"/>
-          <a:chExt cx="0" cy="0"/>
-        </a:xfrm>
-      </p:grpSpPr>
-      <p:sp>
-        <p:nvSpPr>
           <p:cNvPr id="3" name="Title 1"/>
           <p:cNvSpPr txBox="1">
             <a:spLocks/>
@@ -6378,7 +6383,7 @@
 </p:sld>
 </file>
 
-<file path=ppt/slides/slide17.xml><?xml version="1.0" encoding="utf-8"?>
+<file path=ppt/slides/slide14.xml><?xml version="1.0" encoding="utf-8"?>
 <p:sld xmlns:a="http://schemas.openxmlformats.org/drawingml/2006/main" xmlns:r="http://schemas.openxmlformats.org/officeDocument/2006/relationships" xmlns:p="http://schemas.openxmlformats.org/presentationml/2006/main">
   <p:cSld>
     <p:spTree>
@@ -7189,29 +7194,6 @@
           <a:chExt cx="0" cy="0"/>
         </a:xfrm>
       </p:grpSpPr>
-      <p:sp>
-        <p:nvSpPr>
-          <p:cNvPr id="2" name="Title 1"/>
-          <p:cNvSpPr>
-            <a:spLocks noGrp="1"/>
-          </p:cNvSpPr>
-          <p:nvPr>
-            <p:ph type="title"/>
-          </p:nvPr>
-        </p:nvSpPr>
-        <p:spPr/>
-        <p:txBody>
-          <a:bodyPr/>
-          <a:lstStyle/>
-          <a:p>
-            <a:r>
-              <a:rPr lang="en-US" dirty="0" smtClean="0"/>
-              <a:t>Overview of Project</a:t>
-            </a:r>
-            <a:endParaRPr lang="en-US" dirty="0"/>
-          </a:p>
-        </p:txBody>
-      </p:sp>
       <p:pic>
         <p:nvPicPr>
           <p:cNvPr id="5" name="Picture Placeholder 4" descr="d6232682-e0e0-4e01-b792-67cd8fe8ee2f.jpg"/>
@@ -7230,12 +7212,12 @@
               </a:ext>
             </a:extLst>
           </a:blip>
-          <a:srcRect l="57717" t="14423" r="2232" b="32931"/>
+          <a:srcRect l="11529" t="30187" r="41437" b="11418"/>
           <a:stretch/>
         </p:blipFill>
         <p:spPr>
           <a:xfrm>
-            <a:off x="92075" y="1143000"/>
+            <a:off x="91634" y="1143000"/>
             <a:ext cx="4267200" cy="4267200"/>
           </a:xfrm>
         </p:spPr>
@@ -7436,82 +7418,40 @@
           </a:p>
         </p:txBody>
       </p:sp>
-      <p:sp>
-        <p:nvSpPr>
-          <p:cNvPr id="9" name="Text Placeholder 2"/>
-          <p:cNvSpPr>
-            <a:spLocks noGrp="1"/>
-          </p:cNvSpPr>
-          <p:nvPr>
-            <p:ph type="body" sz="half" idx="2"/>
-          </p:nvPr>
-        </p:nvSpPr>
-        <p:spPr/>
-        <p:txBody>
-          <a:bodyPr>
-            <a:normAutofit/>
-          </a:bodyPr>
-          <a:lstStyle/>
-          <a:p>
-            <a:pPr marL="342900" indent="-342900">
-              <a:buFont typeface="Arial"/>
-              <a:buChar char="•"/>
-            </a:pPr>
-            <a:r>
-              <a:rPr lang="en-US" sz="2800" dirty="0" smtClean="0"/>
-              <a:t>Server/Client Chat</a:t>
-            </a:r>
-          </a:p>
-          <a:p>
-            <a:pPr marL="342900" indent="-342900">
-              <a:buFont typeface="Arial"/>
-              <a:buChar char="•"/>
-            </a:pPr>
-            <a:r>
-              <a:rPr lang="en-US" sz="2800" dirty="0" smtClean="0"/>
-              <a:t>Encryption </a:t>
-            </a:r>
-          </a:p>
-          <a:p>
-            <a:pPr marL="342900" indent="-342900">
-              <a:buFont typeface="Arial"/>
-              <a:buChar char="•"/>
-            </a:pPr>
-            <a:r>
-              <a:rPr lang="en-US" sz="2800" dirty="0" smtClean="0"/>
-              <a:t>Meme-</a:t>
-            </a:r>
-            <a:r>
-              <a:rPr lang="en-US" sz="2800" dirty="0" err="1" smtClean="0"/>
-              <a:t>afy</a:t>
-            </a:r>
-            <a:endParaRPr lang="en-US" sz="2800" dirty="0" smtClean="0"/>
-          </a:p>
-          <a:p>
-            <a:pPr marL="342900" indent="-342900">
-              <a:buFont typeface="Arial"/>
-              <a:buChar char="•"/>
-            </a:pPr>
-            <a:r>
-              <a:rPr lang="en-US" sz="2800" dirty="0" err="1" smtClean="0"/>
-              <a:t>Qt</a:t>
-            </a:r>
-            <a:r>
-              <a:rPr lang="en-US" sz="2800" dirty="0" smtClean="0"/>
-              <a:t> </a:t>
-            </a:r>
-            <a:r>
-              <a:rPr lang="en-US" sz="2800" dirty="0" err="1" smtClean="0"/>
-              <a:t>Gui</a:t>
-            </a:r>
-            <a:endParaRPr lang="en-US" sz="2800" dirty="0"/>
-          </a:p>
-        </p:txBody>
-      </p:sp>
+      <p:pic>
+        <p:nvPicPr>
+          <p:cNvPr id="4" name="Picture 3" descr="c_s_pic.tiff"/>
+          <p:cNvPicPr>
+            <a:picLocks noChangeAspect="1"/>
+          </p:cNvPicPr>
+          <p:nvPr/>
+        </p:nvPicPr>
+        <p:blipFill>
+          <a:blip r:embed="rId3">
+            <a:extLst>
+              <a:ext uri="{28A0092B-C50C-407E-A947-70E740481C1C}">
+                <a14:useLocalDpi xmlns:a14="http://schemas.microsoft.com/office/drawing/2010/main" val="0"/>
+              </a:ext>
+            </a:extLst>
+          </a:blip>
+          <a:stretch>
+            <a:fillRect/>
+          </a:stretch>
+        </p:blipFill>
+        <p:spPr>
+          <a:xfrm>
+            <a:off x="124602" y="1143000"/>
+            <a:ext cx="9739522" cy="3115622"/>
+          </a:xfrm>
+          <a:prstGeom prst="rect">
+            <a:avLst/>
+          </a:prstGeom>
+        </p:spPr>
+      </p:pic>
     </p:spTree>
     <p:extLst>
       <p:ext uri="{BB962C8B-B14F-4D97-AF65-F5344CB8AC3E}">
-        <p14:creationId xmlns:p14="http://schemas.microsoft.com/office/powerpoint/2010/main" val="366993939"/>
+        <p14:creationId xmlns:p14="http://schemas.microsoft.com/office/powerpoint/2010/main" val="3085696538"/>
       </p:ext>
     </p:extLst>
   </p:cSld>
@@ -7586,7 +7526,7 @@
               </a:ext>
             </a:extLst>
           </a:blip>
-          <a:srcRect l="71511" t="18915" r="6391" b="53740"/>
+          <a:srcRect l="57717" t="14423" r="2232" b="32931"/>
           <a:stretch/>
         </p:blipFill>
         <p:spPr>
@@ -7794,7 +7734,7 @@
       </p:sp>
       <p:sp>
         <p:nvSpPr>
-          <p:cNvPr id="8" name="Text Placeholder 2"/>
+          <p:cNvPr id="9" name="Text Placeholder 2"/>
           <p:cNvSpPr>
             <a:spLocks noGrp="1"/>
           </p:cNvSpPr>
@@ -7867,7 +7807,7 @@
     </p:spTree>
     <p:extLst>
       <p:ext uri="{BB962C8B-B14F-4D97-AF65-F5344CB8AC3E}">
-        <p14:creationId xmlns:p14="http://schemas.microsoft.com/office/powerpoint/2010/main" val="2221006487"/>
+        <p14:creationId xmlns:p14="http://schemas.microsoft.com/office/powerpoint/2010/main" val="366993939"/>
       </p:ext>
     </p:extLst>
   </p:cSld>
@@ -7942,12 +7882,12 @@
               </a:ext>
             </a:extLst>
           </a:blip>
-          <a:srcRect l="1289" t="-11562" r="38653" b="40105"/>
+          <a:srcRect l="71511" t="18915" r="6391" b="53740"/>
           <a:stretch/>
         </p:blipFill>
         <p:spPr>
           <a:xfrm>
-            <a:off x="91634" y="1143000"/>
+            <a:off x="92075" y="1143000"/>
             <a:ext cx="4267200" cy="4267200"/>
           </a:xfrm>
         </p:spPr>
@@ -8223,7 +8163,7 @@
     </p:spTree>
     <p:extLst>
       <p:ext uri="{BB962C8B-B14F-4D97-AF65-F5344CB8AC3E}">
-        <p14:creationId xmlns:p14="http://schemas.microsoft.com/office/powerpoint/2010/main" val="2686903005"/>
+        <p14:creationId xmlns:p14="http://schemas.microsoft.com/office/powerpoint/2010/main" val="2221006487"/>
       </p:ext>
     </p:extLst>
   </p:cSld>
@@ -8298,7 +8238,7 @@
               </a:ext>
             </a:extLst>
           </a:blip>
-          <a:srcRect l="20319" t="7515" r="55117" b="68696"/>
+          <a:srcRect l="1289" t="-11562" r="38653" b="40105"/>
           <a:stretch/>
         </p:blipFill>
         <p:spPr>
@@ -8579,7 +8519,7 @@
     </p:spTree>
     <p:extLst>
       <p:ext uri="{BB962C8B-B14F-4D97-AF65-F5344CB8AC3E}">
-        <p14:creationId xmlns:p14="http://schemas.microsoft.com/office/powerpoint/2010/main" val="174011463"/>
+        <p14:creationId xmlns:p14="http://schemas.microsoft.com/office/powerpoint/2010/main" val="2686903005"/>
       </p:ext>
     </p:extLst>
   </p:cSld>
@@ -8654,7 +8594,7 @@
               </a:ext>
             </a:extLst>
           </a:blip>
-          <a:srcRect l="-14663" t="-1812" r="65336" b="35071"/>
+          <a:srcRect l="20319" t="7515" r="55117" b="68696"/>
           <a:stretch/>
         </p:blipFill>
         <p:spPr>
@@ -8935,7 +8875,7 @@
     </p:spTree>
     <p:extLst>
       <p:ext uri="{BB962C8B-B14F-4D97-AF65-F5344CB8AC3E}">
-        <p14:creationId xmlns:p14="http://schemas.microsoft.com/office/powerpoint/2010/main" val="3449459019"/>
+        <p14:creationId xmlns:p14="http://schemas.microsoft.com/office/powerpoint/2010/main" val="174011463"/>
       </p:ext>
     </p:extLst>
   </p:cSld>
@@ -9010,7 +8950,7 @@
               </a:ext>
             </a:extLst>
           </a:blip>
-          <a:srcRect l="-5819" t="9005" r="81277" b="56090"/>
+          <a:srcRect l="-14663" t="-1812" r="65336" b="35071"/>
           <a:stretch/>
         </p:blipFill>
         <p:spPr>
@@ -9291,7 +9231,7 @@
     </p:spTree>
     <p:extLst>
       <p:ext uri="{BB962C8B-B14F-4D97-AF65-F5344CB8AC3E}">
-        <p14:creationId xmlns:p14="http://schemas.microsoft.com/office/powerpoint/2010/main" val="3224320462"/>
+        <p14:creationId xmlns:p14="http://schemas.microsoft.com/office/powerpoint/2010/main" val="3449459019"/>
       </p:ext>
     </p:extLst>
   </p:cSld>

--- a/Presentation/Project Presentation.pptx
+++ b/Presentation/Project Presentation.pptx
@@ -6143,30 +6143,7 @@
           <a:p>
             <a:r>
               <a:rPr lang="en-US" dirty="0" smtClean="0"/>
-              <a:t>Demonstration</a:t>
-            </a:r>
-            <a:endParaRPr lang="en-US" dirty="0"/>
-          </a:p>
-        </p:txBody>
-      </p:sp>
-      <p:sp>
-        <p:nvSpPr>
-          <p:cNvPr id="3" name="Text Placeholder 2"/>
-          <p:cNvSpPr>
-            <a:spLocks noGrp="1"/>
-          </p:cNvSpPr>
-          <p:nvPr>
-            <p:ph type="body" idx="1"/>
-          </p:nvPr>
-        </p:nvSpPr>
-        <p:spPr/>
-        <p:txBody>
-          <a:bodyPr/>
-          <a:lstStyle/>
-          <a:p>
-            <a:r>
-              <a:rPr lang="en-US" dirty="0" smtClean="0"/>
-              <a:t>(Hopefully the code works!)</a:t>
+              <a:t>Demonstrations</a:t>
             </a:r>
             <a:endParaRPr lang="en-US" dirty="0"/>
           </a:p>
@@ -6249,39 +6226,66 @@
           <a:p>
             <a:r>
               <a:rPr lang="en-US" dirty="0" smtClean="0"/>
-              <a:t>Made sure we could run all of the code on our own computers </a:t>
-            </a:r>
-          </a:p>
-          <a:p>
-            <a:r>
-              <a:rPr lang="en-US" dirty="0" smtClean="0"/>
-              <a:t>Did get everything hooked up</a:t>
-            </a:r>
-          </a:p>
-          <a:p>
+              <a:t>Make sure we can run all of the code on our own computers </a:t>
+            </a:r>
+          </a:p>
+          <a:p>
+            <a:r>
+              <a:rPr lang="en-US" dirty="0" smtClean="0"/>
+              <a:t>We didn’t get everything hooked up</a:t>
+            </a:r>
+          </a:p>
+          <a:p>
+            <a:r>
+              <a:rPr lang="en-US" dirty="0" smtClean="0"/>
+              <a:t>Server could not take pictures </a:t>
+            </a:r>
+          </a:p>
+          <a:p>
+            <a:r>
+              <a:rPr lang="en-US" dirty="0" smtClean="0"/>
+              <a:t>GUI unexpectedly quits after encrypt class  is called</a:t>
+            </a:r>
+          </a:p>
+          <a:p>
+            <a:r>
+              <a:rPr lang="en-US" dirty="0" smtClean="0"/>
+              <a:t>The styling of the memes can be added upon</a:t>
+            </a:r>
             <a:endParaRPr lang="en-US" dirty="0"/>
           </a:p>
         </p:txBody>
       </p:sp>
-      <p:sp>
-        <p:nvSpPr>
-          <p:cNvPr id="4" name="Text Placeholder 3"/>
-          <p:cNvSpPr>
-            <a:spLocks noGrp="1"/>
-          </p:cNvSpPr>
-          <p:nvPr>
-            <p:ph type="body" sz="half" idx="2"/>
-          </p:nvPr>
-        </p:nvSpPr>
-        <p:spPr/>
-        <p:txBody>
-          <a:bodyPr/>
-          <a:lstStyle/>
-          <a:p>
-            <a:endParaRPr lang="en-US" dirty="0"/>
-          </a:p>
-        </p:txBody>
-      </p:sp>
+      <p:pic>
+        <p:nvPicPr>
+          <p:cNvPr id="5" name="Picture 4" descr="59253458.jpg"/>
+          <p:cNvPicPr>
+            <a:picLocks noChangeAspect="1"/>
+          </p:cNvPicPr>
+          <p:nvPr/>
+        </p:nvPicPr>
+        <p:blipFill>
+          <a:blip r:embed="rId2">
+            <a:extLst>
+              <a:ext uri="{28A0092B-C50C-407E-A947-70E740481C1C}">
+                <a14:useLocalDpi xmlns:a14="http://schemas.microsoft.com/office/drawing/2010/main" val="0"/>
+              </a:ext>
+            </a:extLst>
+          </a:blip>
+          <a:stretch>
+            <a:fillRect/>
+          </a:stretch>
+        </p:blipFill>
+        <p:spPr>
+          <a:xfrm>
+            <a:off x="457199" y="2891981"/>
+            <a:ext cx="3449039" cy="3449039"/>
+          </a:xfrm>
+          <a:prstGeom prst="rect">
+            <a:avLst/>
+          </a:prstGeom>
+        </p:spPr>
+      </p:pic>
     </p:spTree>
     <p:extLst>
       <p:ext uri="{BB962C8B-B14F-4D97-AF65-F5344CB8AC3E}">
@@ -6329,7 +6333,7 @@
         </p:nvSpPr>
         <p:spPr>
           <a:xfrm>
-            <a:off x="1900752" y="1989768"/>
+            <a:off x="1900752" y="1354716"/>
             <a:ext cx="5271254" cy="1920195"/>
           </a:xfrm>
           <a:prstGeom prst="rect">
@@ -6363,6 +6367,66 @@
           </a:p>
         </p:txBody>
       </p:sp>
+      <p:pic>
+        <p:nvPicPr>
+          <p:cNvPr id="2" name="Picture 1" descr="587b434da5dc5edd81412e36f88df60e3e37fac4ff6ecd8c2b22ff5586f0c0ee.jpg"/>
+          <p:cNvPicPr>
+            <a:picLocks noChangeAspect="1"/>
+          </p:cNvPicPr>
+          <p:nvPr/>
+        </p:nvPicPr>
+        <p:blipFill>
+          <a:blip r:embed="rId2">
+            <a:extLst>
+              <a:ext uri="{28A0092B-C50C-407E-A947-70E740481C1C}">
+                <a14:useLocalDpi xmlns:a14="http://schemas.microsoft.com/office/drawing/2010/main" val="0"/>
+              </a:ext>
+            </a:extLst>
+          </a:blip>
+          <a:stretch>
+            <a:fillRect/>
+          </a:stretch>
+        </p:blipFill>
+        <p:spPr>
+          <a:xfrm>
+            <a:off x="5438926" y="3380974"/>
+            <a:ext cx="3466160" cy="3477026"/>
+          </a:xfrm>
+          <a:prstGeom prst="rect">
+            <a:avLst/>
+          </a:prstGeom>
+        </p:spPr>
+      </p:pic>
+      <p:pic>
+        <p:nvPicPr>
+          <p:cNvPr id="4" name="Picture 3" descr="imgres.jpg"/>
+          <p:cNvPicPr>
+            <a:picLocks noChangeAspect="1"/>
+          </p:cNvPicPr>
+          <p:nvPr/>
+        </p:nvPicPr>
+        <p:blipFill>
+          <a:blip r:embed="rId3">
+            <a:extLst>
+              <a:ext uri="{28A0092B-C50C-407E-A947-70E740481C1C}">
+                <a14:useLocalDpi xmlns:a14="http://schemas.microsoft.com/office/drawing/2010/main" val="0"/>
+              </a:ext>
+            </a:extLst>
+          </a:blip>
+          <a:stretch>
+            <a:fillRect/>
+          </a:stretch>
+        </p:blipFill>
+        <p:spPr>
+          <a:xfrm>
+            <a:off x="364252" y="3421197"/>
+            <a:ext cx="3346266" cy="3346266"/>
+          </a:xfrm>
+          <a:prstGeom prst="rect">
+            <a:avLst/>
+          </a:prstGeom>
+        </p:spPr>
+      </p:pic>
     </p:spTree>
     <p:extLst>
       <p:ext uri="{BB962C8B-B14F-4D97-AF65-F5344CB8AC3E}">

--- a/Presentation/Project Presentation.pptx
+++ b/Presentation/Project Presentation.pptx
@@ -6039,7 +6039,7 @@
               <a:buChar char="•"/>
             </a:pPr>
             <a:r>
-              <a:rPr lang="en-US" sz="2800" dirty="0" smtClean="0"/>
+              <a:rPr lang="en-US" sz="2800" dirty="0"/>
               <a:t>Server/Client Chat</a:t>
             </a:r>
           </a:p>
@@ -6049,9 +6049,18 @@
               <a:buChar char="•"/>
             </a:pPr>
             <a:r>
-              <a:rPr lang="en-US" sz="2800" dirty="0" smtClean="0"/>
-              <a:t>Encryption </a:t>
-            </a:r>
+              <a:rPr lang="en-US" sz="2800" dirty="0" err="1"/>
+              <a:t>Qt</a:t>
+            </a:r>
+            <a:r>
+              <a:rPr lang="en-US" sz="2800" dirty="0"/>
+              <a:t> </a:t>
+            </a:r>
+            <a:r>
+              <a:rPr lang="en-US" sz="2800" dirty="0" err="1"/>
+              <a:t>Gui</a:t>
+            </a:r>
+            <a:endParaRPr lang="en-US" sz="2800" dirty="0"/>
           </a:p>
           <a:p>
             <a:pPr marL="342900" indent="-342900">
@@ -6059,14 +6068,14 @@
               <a:buChar char="•"/>
             </a:pPr>
             <a:r>
-              <a:rPr lang="en-US" sz="2800" dirty="0" smtClean="0"/>
+              <a:rPr lang="en-US" sz="2800" dirty="0"/>
               <a:t>Meme-</a:t>
             </a:r>
             <a:r>
-              <a:rPr lang="en-US" sz="2800" dirty="0" err="1" smtClean="0"/>
+              <a:rPr lang="en-US" sz="2800" dirty="0" err="1"/>
               <a:t>afy</a:t>
             </a:r>
-            <a:endParaRPr lang="en-US" sz="2800" dirty="0" smtClean="0"/>
+            <a:endParaRPr lang="en-US" sz="2800" dirty="0"/>
           </a:p>
           <a:p>
             <a:pPr marL="342900" indent="-342900">
@@ -6074,16 +6083,8 @@
               <a:buChar char="•"/>
             </a:pPr>
             <a:r>
-              <a:rPr lang="en-US" sz="2800" dirty="0" err="1" smtClean="0"/>
-              <a:t>Qt</a:t>
-            </a:r>
-            <a:r>
-              <a:rPr lang="en-US" sz="2800" dirty="0" smtClean="0"/>
-              <a:t> </a:t>
-            </a:r>
-            <a:r>
-              <a:rPr lang="en-US" sz="2800" dirty="0" err="1" smtClean="0"/>
-              <a:t>Gui</a:t>
+              <a:rPr lang="en-US" sz="2800"/>
+              <a:t>Encryption </a:t>
             </a:r>
             <a:endParaRPr lang="en-US" sz="2800" dirty="0"/>
           </a:p>
@@ -6240,19 +6241,6 @@
               <a:rPr lang="en-US" dirty="0" smtClean="0"/>
               <a:t>Server could not take pictures </a:t>
             </a:r>
-          </a:p>
-          <a:p>
-            <a:r>
-              <a:rPr lang="en-US" dirty="0" smtClean="0"/>
-              <a:t>GUI unexpectedly quits after encrypt class  is called</a:t>
-            </a:r>
-          </a:p>
-          <a:p>
-            <a:r>
-              <a:rPr lang="en-US" dirty="0" smtClean="0"/>
-              <a:t>The styling of the memes can be added upon</a:t>
-            </a:r>
-            <a:endParaRPr lang="en-US" dirty="0"/>
           </a:p>
         </p:txBody>
       </p:sp>
@@ -7181,9 +7169,18 @@
               <a:buChar char="•"/>
             </a:pPr>
             <a:r>
-              <a:rPr lang="en-US" sz="2800" dirty="0" smtClean="0"/>
-              <a:t>Encryption </a:t>
-            </a:r>
+              <a:rPr lang="en-US" sz="2800" dirty="0" err="1"/>
+              <a:t>Qt</a:t>
+            </a:r>
+            <a:r>
+              <a:rPr lang="en-US" sz="2800" dirty="0"/>
+              <a:t> </a:t>
+            </a:r>
+            <a:r>
+              <a:rPr lang="en-US" sz="2800" dirty="0" err="1" smtClean="0"/>
+              <a:t>Gui</a:t>
+            </a:r>
+            <a:endParaRPr lang="en-US" sz="2800" dirty="0" smtClean="0"/>
           </a:p>
           <a:p>
             <a:pPr marL="342900" indent="-342900">
@@ -7191,7 +7188,7 @@
               <a:buChar char="•"/>
             </a:pPr>
             <a:r>
-              <a:rPr lang="en-US" sz="2800" dirty="0" smtClean="0"/>
+              <a:rPr lang="en-US" sz="2800" dirty="0"/>
               <a:t>Meme-</a:t>
             </a:r>
             <a:r>
@@ -7206,18 +7203,9 @@
               <a:buChar char="•"/>
             </a:pPr>
             <a:r>
-              <a:rPr lang="en-US" sz="2800" dirty="0" err="1" smtClean="0"/>
-              <a:t>Qt</a:t>
-            </a:r>
-            <a:r>
               <a:rPr lang="en-US" sz="2800" dirty="0" smtClean="0"/>
-              <a:t> </a:t>
-            </a:r>
-            <a:r>
-              <a:rPr lang="en-US" sz="2800" dirty="0" err="1" smtClean="0"/>
-              <a:t>Gui</a:t>
-            </a:r>
-            <a:endParaRPr lang="en-US" sz="2800" dirty="0"/>
+              <a:t>Encryption </a:t>
+            </a:r>
           </a:p>
         </p:txBody>
       </p:sp>
@@ -7818,7 +7806,7 @@
               <a:buChar char="•"/>
             </a:pPr>
             <a:r>
-              <a:rPr lang="en-US" sz="2800" dirty="0" smtClean="0"/>
+              <a:rPr lang="en-US" sz="2800" dirty="0"/>
               <a:t>Server/Client Chat</a:t>
             </a:r>
           </a:p>
@@ -7828,9 +7816,18 @@
               <a:buChar char="•"/>
             </a:pPr>
             <a:r>
-              <a:rPr lang="en-US" sz="2800" dirty="0" smtClean="0"/>
-              <a:t>Encryption </a:t>
-            </a:r>
+              <a:rPr lang="en-US" sz="2800" dirty="0" err="1"/>
+              <a:t>Qt</a:t>
+            </a:r>
+            <a:r>
+              <a:rPr lang="en-US" sz="2800" dirty="0"/>
+              <a:t> </a:t>
+            </a:r>
+            <a:r>
+              <a:rPr lang="en-US" sz="2800" dirty="0" err="1"/>
+              <a:t>Gui</a:t>
+            </a:r>
+            <a:endParaRPr lang="en-US" sz="2800" dirty="0"/>
           </a:p>
           <a:p>
             <a:pPr marL="342900" indent="-342900">
@@ -7838,14 +7835,14 @@
               <a:buChar char="•"/>
             </a:pPr>
             <a:r>
-              <a:rPr lang="en-US" sz="2800" dirty="0" smtClean="0"/>
+              <a:rPr lang="en-US" sz="2800" dirty="0"/>
               <a:t>Meme-</a:t>
             </a:r>
             <a:r>
-              <a:rPr lang="en-US" sz="2800" dirty="0" err="1" smtClean="0"/>
+              <a:rPr lang="en-US" sz="2800" dirty="0" err="1"/>
               <a:t>afy</a:t>
             </a:r>
-            <a:endParaRPr lang="en-US" sz="2800" dirty="0" smtClean="0"/>
+            <a:endParaRPr lang="en-US" sz="2800" dirty="0"/>
           </a:p>
           <a:p>
             <a:pPr marL="342900" indent="-342900">
@@ -7853,18 +7850,9 @@
               <a:buChar char="•"/>
             </a:pPr>
             <a:r>
-              <a:rPr lang="en-US" sz="2800" dirty="0" err="1" smtClean="0"/>
-              <a:t>Qt</a:t>
-            </a:r>
-            <a:r>
-              <a:rPr lang="en-US" sz="2800" dirty="0" smtClean="0"/>
-              <a:t> </a:t>
-            </a:r>
-            <a:r>
-              <a:rPr lang="en-US" sz="2800" dirty="0" err="1" smtClean="0"/>
-              <a:t>Gui</a:t>
-            </a:r>
-            <a:endParaRPr lang="en-US" sz="2800" dirty="0"/>
+              <a:rPr lang="en-US" sz="2800" dirty="0"/>
+              <a:t>Encryption </a:t>
+            </a:r>
           </a:p>
         </p:txBody>
       </p:sp>
@@ -8174,7 +8162,7 @@
               <a:buChar char="•"/>
             </a:pPr>
             <a:r>
-              <a:rPr lang="en-US" sz="2800" dirty="0" smtClean="0"/>
+              <a:rPr lang="en-US" sz="2800" dirty="0"/>
               <a:t>Server/Client Chat</a:t>
             </a:r>
           </a:p>
@@ -8184,9 +8172,18 @@
               <a:buChar char="•"/>
             </a:pPr>
             <a:r>
-              <a:rPr lang="en-US" sz="2800" dirty="0" smtClean="0"/>
-              <a:t>Encryption </a:t>
-            </a:r>
+              <a:rPr lang="en-US" sz="2800" dirty="0" err="1"/>
+              <a:t>Qt</a:t>
+            </a:r>
+            <a:r>
+              <a:rPr lang="en-US" sz="2800" dirty="0"/>
+              <a:t> </a:t>
+            </a:r>
+            <a:r>
+              <a:rPr lang="en-US" sz="2800" dirty="0" err="1"/>
+              <a:t>Gui</a:t>
+            </a:r>
+            <a:endParaRPr lang="en-US" sz="2800" dirty="0"/>
           </a:p>
           <a:p>
             <a:pPr marL="342900" indent="-342900">
@@ -8194,14 +8191,14 @@
               <a:buChar char="•"/>
             </a:pPr>
             <a:r>
-              <a:rPr lang="en-US" sz="2800" dirty="0" smtClean="0"/>
+              <a:rPr lang="en-US" sz="2800" dirty="0"/>
               <a:t>Meme-</a:t>
             </a:r>
             <a:r>
-              <a:rPr lang="en-US" sz="2800" dirty="0" err="1" smtClean="0"/>
+              <a:rPr lang="en-US" sz="2800" dirty="0" err="1"/>
               <a:t>afy</a:t>
             </a:r>
-            <a:endParaRPr lang="en-US" sz="2800" dirty="0" smtClean="0"/>
+            <a:endParaRPr lang="en-US" sz="2800" dirty="0"/>
           </a:p>
           <a:p>
             <a:pPr marL="342900" indent="-342900">
@@ -8209,18 +8206,9 @@
               <a:buChar char="•"/>
             </a:pPr>
             <a:r>
-              <a:rPr lang="en-US" sz="2800" dirty="0" err="1" smtClean="0"/>
-              <a:t>Qt</a:t>
-            </a:r>
-            <a:r>
-              <a:rPr lang="en-US" sz="2800" dirty="0" smtClean="0"/>
-              <a:t> </a:t>
-            </a:r>
-            <a:r>
-              <a:rPr lang="en-US" sz="2800" dirty="0" err="1" smtClean="0"/>
-              <a:t>Gui</a:t>
-            </a:r>
-            <a:endParaRPr lang="en-US" sz="2800" dirty="0"/>
+              <a:rPr lang="en-US" sz="2800" dirty="0"/>
+              <a:t>Encryption </a:t>
+            </a:r>
           </a:p>
         </p:txBody>
       </p:sp>
@@ -8530,7 +8518,7 @@
               <a:buChar char="•"/>
             </a:pPr>
             <a:r>
-              <a:rPr lang="en-US" sz="2800" dirty="0" smtClean="0"/>
+              <a:rPr lang="en-US" sz="2800" dirty="0"/>
               <a:t>Server/Client Chat</a:t>
             </a:r>
           </a:p>
@@ -8540,9 +8528,18 @@
               <a:buChar char="•"/>
             </a:pPr>
             <a:r>
-              <a:rPr lang="en-US" sz="2800" dirty="0" smtClean="0"/>
-              <a:t>Encryption </a:t>
-            </a:r>
+              <a:rPr lang="en-US" sz="2800" dirty="0" err="1"/>
+              <a:t>Qt</a:t>
+            </a:r>
+            <a:r>
+              <a:rPr lang="en-US" sz="2800" dirty="0"/>
+              <a:t> </a:t>
+            </a:r>
+            <a:r>
+              <a:rPr lang="en-US" sz="2800" dirty="0" err="1"/>
+              <a:t>Gui</a:t>
+            </a:r>
+            <a:endParaRPr lang="en-US" sz="2800" dirty="0"/>
           </a:p>
           <a:p>
             <a:pPr marL="342900" indent="-342900">
@@ -8550,14 +8547,14 @@
               <a:buChar char="•"/>
             </a:pPr>
             <a:r>
-              <a:rPr lang="en-US" sz="2800" dirty="0" smtClean="0"/>
+              <a:rPr lang="en-US" sz="2800" dirty="0"/>
               <a:t>Meme-</a:t>
             </a:r>
             <a:r>
-              <a:rPr lang="en-US" sz="2800" dirty="0" err="1" smtClean="0"/>
+              <a:rPr lang="en-US" sz="2800" dirty="0" err="1"/>
               <a:t>afy</a:t>
             </a:r>
-            <a:endParaRPr lang="en-US" sz="2800" dirty="0" smtClean="0"/>
+            <a:endParaRPr lang="en-US" sz="2800" dirty="0"/>
           </a:p>
           <a:p>
             <a:pPr marL="342900" indent="-342900">
@@ -8565,18 +8562,9 @@
               <a:buChar char="•"/>
             </a:pPr>
             <a:r>
-              <a:rPr lang="en-US" sz="2800" dirty="0" err="1" smtClean="0"/>
-              <a:t>Qt</a:t>
-            </a:r>
-            <a:r>
-              <a:rPr lang="en-US" sz="2800" dirty="0" smtClean="0"/>
-              <a:t> </a:t>
-            </a:r>
-            <a:r>
-              <a:rPr lang="en-US" sz="2800" dirty="0" err="1" smtClean="0"/>
-              <a:t>Gui</a:t>
-            </a:r>
-            <a:endParaRPr lang="en-US" sz="2800" dirty="0"/>
+              <a:rPr lang="en-US" sz="2800" dirty="0"/>
+              <a:t>Encryption </a:t>
+            </a:r>
           </a:p>
         </p:txBody>
       </p:sp>
@@ -8886,7 +8874,7 @@
               <a:buChar char="•"/>
             </a:pPr>
             <a:r>
-              <a:rPr lang="en-US" sz="2800" dirty="0" smtClean="0"/>
+              <a:rPr lang="en-US" sz="2800" dirty="0"/>
               <a:t>Server/Client Chat</a:t>
             </a:r>
           </a:p>
@@ -8896,9 +8884,18 @@
               <a:buChar char="•"/>
             </a:pPr>
             <a:r>
-              <a:rPr lang="en-US" sz="2800" dirty="0" smtClean="0"/>
-              <a:t>Encryption </a:t>
-            </a:r>
+              <a:rPr lang="en-US" sz="2800" dirty="0" err="1"/>
+              <a:t>Qt</a:t>
+            </a:r>
+            <a:r>
+              <a:rPr lang="en-US" sz="2800" dirty="0"/>
+              <a:t> </a:t>
+            </a:r>
+            <a:r>
+              <a:rPr lang="en-US" sz="2800" dirty="0" err="1"/>
+              <a:t>Gui</a:t>
+            </a:r>
+            <a:endParaRPr lang="en-US" sz="2800" dirty="0"/>
           </a:p>
           <a:p>
             <a:pPr marL="342900" indent="-342900">
@@ -8906,14 +8903,14 @@
               <a:buChar char="•"/>
             </a:pPr>
             <a:r>
-              <a:rPr lang="en-US" sz="2800" dirty="0" smtClean="0"/>
+              <a:rPr lang="en-US" sz="2800" dirty="0"/>
               <a:t>Meme-</a:t>
             </a:r>
             <a:r>
-              <a:rPr lang="en-US" sz="2800" dirty="0" err="1" smtClean="0"/>
+              <a:rPr lang="en-US" sz="2800" dirty="0" err="1"/>
               <a:t>afy</a:t>
             </a:r>
-            <a:endParaRPr lang="en-US" sz="2800" dirty="0" smtClean="0"/>
+            <a:endParaRPr lang="en-US" sz="2800" dirty="0"/>
           </a:p>
           <a:p>
             <a:pPr marL="342900" indent="-342900">
@@ -8921,18 +8918,9 @@
               <a:buChar char="•"/>
             </a:pPr>
             <a:r>
-              <a:rPr lang="en-US" sz="2800" dirty="0" err="1" smtClean="0"/>
-              <a:t>Qt</a:t>
-            </a:r>
-            <a:r>
-              <a:rPr lang="en-US" sz="2800" dirty="0" smtClean="0"/>
-              <a:t> </a:t>
-            </a:r>
-            <a:r>
-              <a:rPr lang="en-US" sz="2800" dirty="0" err="1" smtClean="0"/>
-              <a:t>Gui</a:t>
-            </a:r>
-            <a:endParaRPr lang="en-US" sz="2800" dirty="0"/>
+              <a:rPr lang="en-US" sz="2800" dirty="0"/>
+              <a:t>Encryption </a:t>
+            </a:r>
           </a:p>
         </p:txBody>
       </p:sp>
@@ -9242,7 +9230,7 @@
               <a:buChar char="•"/>
             </a:pPr>
             <a:r>
-              <a:rPr lang="en-US" sz="2800" dirty="0" smtClean="0"/>
+              <a:rPr lang="en-US" sz="2800" dirty="0"/>
               <a:t>Server/Client Chat</a:t>
             </a:r>
           </a:p>
@@ -9252,9 +9240,18 @@
               <a:buChar char="•"/>
             </a:pPr>
             <a:r>
-              <a:rPr lang="en-US" sz="2800" dirty="0" smtClean="0"/>
-              <a:t>Encryption </a:t>
-            </a:r>
+              <a:rPr lang="en-US" sz="2800" dirty="0" err="1"/>
+              <a:t>Qt</a:t>
+            </a:r>
+            <a:r>
+              <a:rPr lang="en-US" sz="2800" dirty="0"/>
+              <a:t> </a:t>
+            </a:r>
+            <a:r>
+              <a:rPr lang="en-US" sz="2800" dirty="0" err="1"/>
+              <a:t>Gui</a:t>
+            </a:r>
+            <a:endParaRPr lang="en-US" sz="2800" dirty="0"/>
           </a:p>
           <a:p>
             <a:pPr marL="342900" indent="-342900">
@@ -9262,14 +9259,14 @@
               <a:buChar char="•"/>
             </a:pPr>
             <a:r>
-              <a:rPr lang="en-US" sz="2800" dirty="0" smtClean="0"/>
+              <a:rPr lang="en-US" sz="2800" dirty="0"/>
               <a:t>Meme-</a:t>
             </a:r>
             <a:r>
-              <a:rPr lang="en-US" sz="2800" dirty="0" err="1" smtClean="0"/>
+              <a:rPr lang="en-US" sz="2800" dirty="0" err="1"/>
               <a:t>afy</a:t>
             </a:r>
-            <a:endParaRPr lang="en-US" sz="2800" dirty="0" smtClean="0"/>
+            <a:endParaRPr lang="en-US" sz="2800" dirty="0"/>
           </a:p>
           <a:p>
             <a:pPr marL="342900" indent="-342900">
@@ -9277,18 +9274,9 @@
               <a:buChar char="•"/>
             </a:pPr>
             <a:r>
-              <a:rPr lang="en-US" sz="2800" dirty="0" err="1" smtClean="0"/>
-              <a:t>Qt</a:t>
-            </a:r>
-            <a:r>
-              <a:rPr lang="en-US" sz="2800" dirty="0" smtClean="0"/>
-              <a:t> </a:t>
-            </a:r>
-            <a:r>
-              <a:rPr lang="en-US" sz="2800" dirty="0" err="1" smtClean="0"/>
-              <a:t>Gui</a:t>
-            </a:r>
-            <a:endParaRPr lang="en-US" sz="2800" dirty="0"/>
+              <a:rPr lang="en-US" sz="2800" dirty="0"/>
+              <a:t>Encryption </a:t>
+            </a:r>
           </a:p>
         </p:txBody>
       </p:sp>
